--- a/figures/source/NanoPU-figures.pptx
+++ b/figures/source/NanoPU-figures.pptx
@@ -8,6 +8,10 @@
     <p:sldId id="256" r:id="rId2"/>
     <p:sldId id="257" r:id="rId3"/>
     <p:sldId id="258" r:id="rId4"/>
+    <p:sldId id="259" r:id="rId5"/>
+    <p:sldId id="260" r:id="rId6"/>
+    <p:sldId id="261" r:id="rId7"/>
+    <p:sldId id="262" r:id="rId8"/>
   </p:sldIdLst>
   <p:sldSz cx="12192000" cy="6858000"/>
   <p:notesSz cx="6858000" cy="9144000"/>
@@ -3337,8 +3341,8 @@
         </p:nvSpPr>
         <p:spPr>
           <a:xfrm>
-            <a:off x="1959429" y="2054431"/>
-            <a:ext cx="8443355" cy="3063834"/>
+            <a:off x="4005944" y="1945574"/>
+            <a:ext cx="3113314" cy="3063834"/>
           </a:xfrm>
           <a:prstGeom prst="rect">
             <a:avLst/>
@@ -3392,7 +3396,7 @@
         </p:nvSpPr>
         <p:spPr>
           <a:xfrm>
-            <a:off x="3745183" y="2539339"/>
+            <a:off x="5791697" y="2430482"/>
             <a:ext cx="999505" cy="868878"/>
           </a:xfrm>
           <a:prstGeom prst="rect">
@@ -3444,10 +3448,10 @@
       </p:sp>
       <p:sp>
         <p:nvSpPr>
-          <p:cNvPr id="9" name="Rectangle 8">
-            <a:extLst>
-              <a:ext uri="{FF2B5EF4-FFF2-40B4-BE49-F238E27FC236}">
-                <a16:creationId xmlns:a16="http://schemas.microsoft.com/office/drawing/2014/main" id="{345BC97A-FD72-2C49-8EDC-A0B4EA021504}"/>
+          <p:cNvPr id="11" name="Rectangle 10">
+            <a:extLst>
+              <a:ext uri="{FF2B5EF4-FFF2-40B4-BE49-F238E27FC236}">
+                <a16:creationId xmlns:a16="http://schemas.microsoft.com/office/drawing/2014/main" id="{74C1FF93-EEA5-A349-9118-0E09A8E10913}"/>
               </a:ext>
             </a:extLst>
           </p:cNvPr>
@@ -3456,72 +3460,8 @@
         </p:nvSpPr>
         <p:spPr>
           <a:xfrm>
-            <a:off x="5201395" y="2539339"/>
-            <a:ext cx="845126" cy="868878"/>
-          </a:xfrm>
-          <a:prstGeom prst="rect">
-            <a:avLst/>
-          </a:prstGeom>
-          <a:solidFill>
-            <a:schemeClr val="accent2">
-              <a:lumMod val="40000"/>
-              <a:lumOff val="60000"/>
-            </a:schemeClr>
-          </a:solidFill>
-          <a:ln>
-            <a:solidFill>
-              <a:schemeClr val="tx1"/>
-            </a:solidFill>
-          </a:ln>
-        </p:spPr>
-        <p:style>
-          <a:lnRef idx="2">
-            <a:schemeClr val="accent1">
-              <a:shade val="50000"/>
-            </a:schemeClr>
-          </a:lnRef>
-          <a:fillRef idx="1">
-            <a:schemeClr val="accent1"/>
-          </a:fillRef>
-          <a:effectRef idx="0">
-            <a:schemeClr val="accent1"/>
-          </a:effectRef>
-          <a:fontRef idx="minor">
-            <a:schemeClr val="lt1"/>
-          </a:fontRef>
-        </p:style>
-        <p:txBody>
-          <a:bodyPr rtlCol="0" anchor="ctr"/>
-          <a:lstStyle/>
-          <a:p>
-            <a:pPr algn="ctr"/>
-            <a:r>
-              <a:rPr lang="en-US" dirty="0">
-                <a:solidFill>
-                  <a:sysClr val="windowText" lastClr="000000"/>
-                </a:solidFill>
-              </a:rPr>
-              <a:t>SRAM</a:t>
-            </a:r>
-          </a:p>
-        </p:txBody>
-      </p:sp>
-      <p:sp>
-        <p:nvSpPr>
-          <p:cNvPr id="11" name="Rectangle 10">
-            <a:extLst>
-              <a:ext uri="{FF2B5EF4-FFF2-40B4-BE49-F238E27FC236}">
-                <a16:creationId xmlns:a16="http://schemas.microsoft.com/office/drawing/2014/main" id="{74C1FF93-EEA5-A349-9118-0E09A8E10913}"/>
-              </a:ext>
-            </a:extLst>
-          </p:cNvPr>
-          <p:cNvSpPr/>
-          <p:nvPr/>
-        </p:nvSpPr>
-        <p:spPr>
-          <a:xfrm>
-            <a:off x="2579916" y="2539339"/>
-            <a:ext cx="708560" cy="868878"/>
+            <a:off x="4626430" y="2430482"/>
+            <a:ext cx="708560" cy="2262250"/>
           </a:xfrm>
           <a:prstGeom prst="rect">
             <a:avLst/>
@@ -3584,7 +3524,7 @@
         </p:nvCxnSpPr>
         <p:spPr>
           <a:xfrm>
-            <a:off x="1413164" y="2719449"/>
+            <a:off x="3459678" y="3329049"/>
             <a:ext cx="1166752" cy="0"/>
           </a:xfrm>
           <a:prstGeom prst="straightConnector1">
@@ -3628,7 +3568,7 @@
         </p:nvCxnSpPr>
         <p:spPr>
           <a:xfrm>
-            <a:off x="3288476" y="2719449"/>
+            <a:off x="5334990" y="2610592"/>
             <a:ext cx="456707" cy="0"/>
           </a:xfrm>
           <a:prstGeom prst="straightConnector1">
@@ -3670,7 +3610,7 @@
         </p:nvCxnSpPr>
         <p:spPr>
           <a:xfrm>
-            <a:off x="1413164" y="3121230"/>
+            <a:off x="3459678" y="3730830"/>
             <a:ext cx="1166752" cy="0"/>
           </a:xfrm>
           <a:prstGeom prst="straightConnector1">
@@ -3715,7 +3655,7 @@
         </p:nvCxnSpPr>
         <p:spPr>
           <a:xfrm>
-            <a:off x="3288476" y="3121230"/>
+            <a:off x="5334990" y="3012373"/>
             <a:ext cx="456707" cy="0"/>
           </a:xfrm>
           <a:prstGeom prst="straightConnector1">
@@ -3744,276 +3684,6 @@
           </a:fontRef>
         </p:style>
       </p:cxnSp>
-      <p:cxnSp>
-        <p:nvCxnSpPr>
-          <p:cNvPr id="20" name="Straight Arrow Connector 19">
-            <a:extLst>
-              <a:ext uri="{FF2B5EF4-FFF2-40B4-BE49-F238E27FC236}">
-                <a16:creationId xmlns:a16="http://schemas.microsoft.com/office/drawing/2014/main" id="{2AFEBD73-FF9D-5742-9CBA-E1D7C441BD88}"/>
-              </a:ext>
-            </a:extLst>
-          </p:cNvPr>
-          <p:cNvCxnSpPr>
-            <a:cxnSpLocks/>
-          </p:cNvCxnSpPr>
-          <p:nvPr/>
-        </p:nvCxnSpPr>
-        <p:spPr>
-          <a:xfrm>
-            <a:off x="4744688" y="2636322"/>
-            <a:ext cx="456707" cy="0"/>
-          </a:xfrm>
-          <a:prstGeom prst="straightConnector1">
-            <a:avLst/>
-          </a:prstGeom>
-          <a:ln w="28575">
-            <a:solidFill>
-              <a:schemeClr val="tx1"/>
-            </a:solidFill>
-            <a:headEnd type="none" w="med" len="med"/>
-            <a:tailEnd type="none" w="med" len="med"/>
-          </a:ln>
-        </p:spPr>
-        <p:style>
-          <a:lnRef idx="1">
-            <a:schemeClr val="accent1"/>
-          </a:lnRef>
-          <a:fillRef idx="0">
-            <a:schemeClr val="accent1"/>
-          </a:fillRef>
-          <a:effectRef idx="0">
-            <a:schemeClr val="accent1"/>
-          </a:effectRef>
-          <a:fontRef idx="minor">
-            <a:schemeClr val="tx1"/>
-          </a:fontRef>
-        </p:style>
-      </p:cxnSp>
-      <p:cxnSp>
-        <p:nvCxnSpPr>
-          <p:cNvPr id="21" name="Straight Arrow Connector 20">
-            <a:extLst>
-              <a:ext uri="{FF2B5EF4-FFF2-40B4-BE49-F238E27FC236}">
-                <a16:creationId xmlns:a16="http://schemas.microsoft.com/office/drawing/2014/main" id="{F2441E10-3618-C74F-B9F7-15B75D48C2B2}"/>
-              </a:ext>
-            </a:extLst>
-          </p:cNvPr>
-          <p:cNvCxnSpPr>
-            <a:cxnSpLocks/>
-          </p:cNvCxnSpPr>
-          <p:nvPr/>
-        </p:nvCxnSpPr>
-        <p:spPr>
-          <a:xfrm>
-            <a:off x="4744688" y="2764971"/>
-            <a:ext cx="456707" cy="0"/>
-          </a:xfrm>
-          <a:prstGeom prst="straightConnector1">
-            <a:avLst/>
-          </a:prstGeom>
-          <a:ln w="28575">
-            <a:solidFill>
-              <a:schemeClr val="tx1"/>
-            </a:solidFill>
-            <a:headEnd type="none" w="med" len="med"/>
-            <a:tailEnd type="none" w="med" len="med"/>
-          </a:ln>
-        </p:spPr>
-        <p:style>
-          <a:lnRef idx="1">
-            <a:schemeClr val="accent1"/>
-          </a:lnRef>
-          <a:fillRef idx="0">
-            <a:schemeClr val="accent1"/>
-          </a:fillRef>
-          <a:effectRef idx="0">
-            <a:schemeClr val="accent1"/>
-          </a:effectRef>
-          <a:fontRef idx="minor">
-            <a:schemeClr val="tx1"/>
-          </a:fontRef>
-        </p:style>
-      </p:cxnSp>
-      <p:cxnSp>
-        <p:nvCxnSpPr>
-          <p:cNvPr id="22" name="Straight Arrow Connector 21">
-            <a:extLst>
-              <a:ext uri="{FF2B5EF4-FFF2-40B4-BE49-F238E27FC236}">
-                <a16:creationId xmlns:a16="http://schemas.microsoft.com/office/drawing/2014/main" id="{67EB8D49-F8F5-4A4F-A76A-4A2E4B7F0A1F}"/>
-              </a:ext>
-            </a:extLst>
-          </p:cNvPr>
-          <p:cNvCxnSpPr>
-            <a:cxnSpLocks/>
-          </p:cNvCxnSpPr>
-          <p:nvPr/>
-        </p:nvCxnSpPr>
-        <p:spPr>
-          <a:xfrm>
-            <a:off x="4744687" y="2909454"/>
-            <a:ext cx="456707" cy="0"/>
-          </a:xfrm>
-          <a:prstGeom prst="straightConnector1">
-            <a:avLst/>
-          </a:prstGeom>
-          <a:ln w="28575">
-            <a:solidFill>
-              <a:schemeClr val="tx1"/>
-            </a:solidFill>
-            <a:headEnd type="none" w="med" len="med"/>
-            <a:tailEnd type="none" w="med" len="med"/>
-          </a:ln>
-        </p:spPr>
-        <p:style>
-          <a:lnRef idx="1">
-            <a:schemeClr val="accent1"/>
-          </a:lnRef>
-          <a:fillRef idx="0">
-            <a:schemeClr val="accent1"/>
-          </a:fillRef>
-          <a:effectRef idx="0">
-            <a:schemeClr val="accent1"/>
-          </a:effectRef>
-          <a:fontRef idx="minor">
-            <a:schemeClr val="tx1"/>
-          </a:fontRef>
-        </p:style>
-      </p:cxnSp>
-      <p:cxnSp>
-        <p:nvCxnSpPr>
-          <p:cNvPr id="23" name="Straight Arrow Connector 22">
-            <a:extLst>
-              <a:ext uri="{FF2B5EF4-FFF2-40B4-BE49-F238E27FC236}">
-                <a16:creationId xmlns:a16="http://schemas.microsoft.com/office/drawing/2014/main" id="{EA9757ED-7673-F14A-B4AE-5D245E88ED31}"/>
-              </a:ext>
-            </a:extLst>
-          </p:cNvPr>
-          <p:cNvCxnSpPr>
-            <a:cxnSpLocks/>
-          </p:cNvCxnSpPr>
-          <p:nvPr/>
-        </p:nvCxnSpPr>
-        <p:spPr>
-          <a:xfrm>
-            <a:off x="4744687" y="3038103"/>
-            <a:ext cx="456707" cy="0"/>
-          </a:xfrm>
-          <a:prstGeom prst="straightConnector1">
-            <a:avLst/>
-          </a:prstGeom>
-          <a:ln w="28575">
-            <a:solidFill>
-              <a:schemeClr val="tx1"/>
-            </a:solidFill>
-            <a:headEnd type="none" w="med" len="med"/>
-            <a:tailEnd type="none" w="med" len="med"/>
-          </a:ln>
-        </p:spPr>
-        <p:style>
-          <a:lnRef idx="1">
-            <a:schemeClr val="accent1"/>
-          </a:lnRef>
-          <a:fillRef idx="0">
-            <a:schemeClr val="accent1"/>
-          </a:fillRef>
-          <a:effectRef idx="0">
-            <a:schemeClr val="accent1"/>
-          </a:effectRef>
-          <a:fontRef idx="minor">
-            <a:schemeClr val="tx1"/>
-          </a:fontRef>
-        </p:style>
-      </p:cxnSp>
-      <p:cxnSp>
-        <p:nvCxnSpPr>
-          <p:cNvPr id="24" name="Straight Arrow Connector 23">
-            <a:extLst>
-              <a:ext uri="{FF2B5EF4-FFF2-40B4-BE49-F238E27FC236}">
-                <a16:creationId xmlns:a16="http://schemas.microsoft.com/office/drawing/2014/main" id="{832F1280-A33E-F445-9F5F-E00D72773E58}"/>
-              </a:ext>
-            </a:extLst>
-          </p:cNvPr>
-          <p:cNvCxnSpPr>
-            <a:cxnSpLocks/>
-          </p:cNvCxnSpPr>
-          <p:nvPr/>
-        </p:nvCxnSpPr>
-        <p:spPr>
-          <a:xfrm>
-            <a:off x="4744687" y="3196441"/>
-            <a:ext cx="456707" cy="0"/>
-          </a:xfrm>
-          <a:prstGeom prst="straightConnector1">
-            <a:avLst/>
-          </a:prstGeom>
-          <a:ln w="28575">
-            <a:solidFill>
-              <a:schemeClr val="tx1"/>
-            </a:solidFill>
-            <a:headEnd type="none" w="med" len="med"/>
-            <a:tailEnd type="none" w="med" len="med"/>
-          </a:ln>
-        </p:spPr>
-        <p:style>
-          <a:lnRef idx="1">
-            <a:schemeClr val="accent1"/>
-          </a:lnRef>
-          <a:fillRef idx="0">
-            <a:schemeClr val="accent1"/>
-          </a:fillRef>
-          <a:effectRef idx="0">
-            <a:schemeClr val="accent1"/>
-          </a:effectRef>
-          <a:fontRef idx="minor">
-            <a:schemeClr val="tx1"/>
-          </a:fontRef>
-        </p:style>
-      </p:cxnSp>
-      <p:cxnSp>
-        <p:nvCxnSpPr>
-          <p:cNvPr id="25" name="Straight Arrow Connector 24">
-            <a:extLst>
-              <a:ext uri="{FF2B5EF4-FFF2-40B4-BE49-F238E27FC236}">
-                <a16:creationId xmlns:a16="http://schemas.microsoft.com/office/drawing/2014/main" id="{FC9ADD55-BF98-2745-93DA-CBEFE9159EA1}"/>
-              </a:ext>
-            </a:extLst>
-          </p:cNvPr>
-          <p:cNvCxnSpPr>
-            <a:cxnSpLocks/>
-          </p:cNvCxnSpPr>
-          <p:nvPr/>
-        </p:nvCxnSpPr>
-        <p:spPr>
-          <a:xfrm>
-            <a:off x="4744687" y="3325090"/>
-            <a:ext cx="456707" cy="0"/>
-          </a:xfrm>
-          <a:prstGeom prst="straightConnector1">
-            <a:avLst/>
-          </a:prstGeom>
-          <a:ln w="28575">
-            <a:solidFill>
-              <a:schemeClr val="tx1"/>
-            </a:solidFill>
-            <a:headEnd type="none" w="med" len="med"/>
-            <a:tailEnd type="none" w="med" len="med"/>
-          </a:ln>
-        </p:spPr>
-        <p:style>
-          <a:lnRef idx="1">
-            <a:schemeClr val="accent1"/>
-          </a:lnRef>
-          <a:fillRef idx="0">
-            <a:schemeClr val="accent1"/>
-          </a:fillRef>
-          <a:effectRef idx="0">
-            <a:schemeClr val="accent1"/>
-          </a:effectRef>
-          <a:fontRef idx="minor">
-            <a:schemeClr val="tx1"/>
-          </a:fontRef>
-        </p:style>
-      </p:cxnSp>
       <p:sp>
         <p:nvSpPr>
           <p:cNvPr id="26" name="Rectangle 25">
@@ -4028,7 +3698,7 @@
         </p:nvSpPr>
         <p:spPr>
           <a:xfrm>
-            <a:off x="3745182" y="3932711"/>
+            <a:off x="5791696" y="3823854"/>
             <a:ext cx="999505" cy="868878"/>
           </a:xfrm>
           <a:prstGeom prst="rect">
@@ -4073,155 +3743,29 @@
                   <a:sysClr val="windowText" lastClr="000000"/>
                 </a:solidFill>
               </a:rPr>
-              <a:t>Core 2</a:t>
-            </a:r>
-          </a:p>
-        </p:txBody>
-      </p:sp>
-      <p:sp>
-        <p:nvSpPr>
-          <p:cNvPr id="27" name="Rectangle 26">
-            <a:extLst>
-              <a:ext uri="{FF2B5EF4-FFF2-40B4-BE49-F238E27FC236}">
-                <a16:creationId xmlns:a16="http://schemas.microsoft.com/office/drawing/2014/main" id="{D46A15ED-C08A-AE47-9198-4D36214A4927}"/>
-              </a:ext>
-            </a:extLst>
-          </p:cNvPr>
-          <p:cNvSpPr/>
-          <p:nvPr/>
-        </p:nvSpPr>
-        <p:spPr>
-          <a:xfrm>
-            <a:off x="5201394" y="3932711"/>
-            <a:ext cx="845126" cy="868878"/>
-          </a:xfrm>
-          <a:prstGeom prst="rect">
-            <a:avLst/>
-          </a:prstGeom>
-          <a:solidFill>
-            <a:schemeClr val="accent2">
-              <a:lumMod val="40000"/>
-              <a:lumOff val="60000"/>
-            </a:schemeClr>
-          </a:solidFill>
-          <a:ln>
-            <a:solidFill>
-              <a:schemeClr val="tx1"/>
-            </a:solidFill>
-          </a:ln>
-        </p:spPr>
-        <p:style>
-          <a:lnRef idx="2">
-            <a:schemeClr val="accent1">
-              <a:shade val="50000"/>
-            </a:schemeClr>
-          </a:lnRef>
-          <a:fillRef idx="1">
-            <a:schemeClr val="accent1"/>
-          </a:fillRef>
-          <a:effectRef idx="0">
-            <a:schemeClr val="accent1"/>
-          </a:effectRef>
-          <a:fontRef idx="minor">
-            <a:schemeClr val="lt1"/>
-          </a:fontRef>
-        </p:style>
-        <p:txBody>
-          <a:bodyPr rtlCol="0" anchor="ctr"/>
-          <a:lstStyle/>
-          <a:p>
-            <a:pPr algn="ctr"/>
-            <a:r>
-              <a:rPr lang="en-US" dirty="0">
-                <a:solidFill>
-                  <a:sysClr val="windowText" lastClr="000000"/>
-                </a:solidFill>
-              </a:rPr>
-              <a:t>SRAM</a:t>
-            </a:r>
-          </a:p>
-        </p:txBody>
-      </p:sp>
-      <p:sp>
-        <p:nvSpPr>
-          <p:cNvPr id="28" name="Rectangle 27">
-            <a:extLst>
-              <a:ext uri="{FF2B5EF4-FFF2-40B4-BE49-F238E27FC236}">
-                <a16:creationId xmlns:a16="http://schemas.microsoft.com/office/drawing/2014/main" id="{9881409E-A8BD-214E-BC22-E30EB800E0EB}"/>
-              </a:ext>
-            </a:extLst>
-          </p:cNvPr>
-          <p:cNvSpPr/>
-          <p:nvPr/>
-        </p:nvSpPr>
-        <p:spPr>
-          <a:xfrm>
-            <a:off x="2579915" y="3932711"/>
-            <a:ext cx="708560" cy="868878"/>
-          </a:xfrm>
-          <a:prstGeom prst="rect">
-            <a:avLst/>
-          </a:prstGeom>
-          <a:solidFill>
-            <a:schemeClr val="accent6">
-              <a:lumMod val="40000"/>
-              <a:lumOff val="60000"/>
-            </a:schemeClr>
-          </a:solidFill>
-          <a:ln>
-            <a:solidFill>
-              <a:schemeClr val="tx1"/>
-            </a:solidFill>
-          </a:ln>
-        </p:spPr>
-        <p:style>
-          <a:lnRef idx="2">
-            <a:schemeClr val="accent1">
-              <a:shade val="50000"/>
-            </a:schemeClr>
-          </a:lnRef>
-          <a:fillRef idx="1">
-            <a:schemeClr val="accent1"/>
-          </a:fillRef>
-          <a:effectRef idx="0">
-            <a:schemeClr val="accent1"/>
-          </a:effectRef>
-          <a:fontRef idx="minor">
-            <a:schemeClr val="lt1"/>
-          </a:fontRef>
-        </p:style>
-        <p:txBody>
-          <a:bodyPr rtlCol="0" anchor="ctr"/>
-          <a:lstStyle/>
-          <a:p>
-            <a:pPr algn="ctr"/>
-            <a:r>
-              <a:rPr lang="en-US" dirty="0">
-                <a:solidFill>
-                  <a:sysClr val="windowText" lastClr="000000"/>
-                </a:solidFill>
-              </a:rPr>
-              <a:t>NIC</a:t>
+              <a:t>Core 1</a:t>
             </a:r>
           </a:p>
         </p:txBody>
       </p:sp>
       <p:cxnSp>
         <p:nvCxnSpPr>
-          <p:cNvPr id="29" name="Straight Arrow Connector 28">
-            <a:extLst>
-              <a:ext uri="{FF2B5EF4-FFF2-40B4-BE49-F238E27FC236}">
-                <a16:creationId xmlns:a16="http://schemas.microsoft.com/office/drawing/2014/main" id="{93A08C4D-EEA3-8A42-9EBD-17A1123C0F76}"/>
-              </a:ext>
-            </a:extLst>
-          </p:cNvPr>
-          <p:cNvCxnSpPr/>
+          <p:cNvPr id="30" name="Straight Arrow Connector 29">
+            <a:extLst>
+              <a:ext uri="{FF2B5EF4-FFF2-40B4-BE49-F238E27FC236}">
+                <a16:creationId xmlns:a16="http://schemas.microsoft.com/office/drawing/2014/main" id="{FD73DE83-2B68-9A40-A737-7B5890346400}"/>
+              </a:ext>
+            </a:extLst>
+          </p:cNvPr>
+          <p:cNvCxnSpPr>
+            <a:cxnSpLocks/>
+          </p:cNvCxnSpPr>
           <p:nvPr/>
         </p:nvCxnSpPr>
         <p:spPr>
           <a:xfrm>
-            <a:off x="1413163" y="4112821"/>
-            <a:ext cx="1166752" cy="0"/>
+            <a:off x="5334989" y="4003964"/>
+            <a:ext cx="456707" cy="0"/>
           </a:xfrm>
           <a:prstGeom prst="straightConnector1">
             <a:avLst/>
@@ -4231,93 +3775,6 @@
               <a:schemeClr val="tx1"/>
             </a:solidFill>
             <a:tailEnd type="triangle"/>
-          </a:ln>
-        </p:spPr>
-        <p:style>
-          <a:lnRef idx="1">
-            <a:schemeClr val="accent1"/>
-          </a:lnRef>
-          <a:fillRef idx="0">
-            <a:schemeClr val="accent1"/>
-          </a:fillRef>
-          <a:effectRef idx="0">
-            <a:schemeClr val="accent1"/>
-          </a:effectRef>
-          <a:fontRef idx="minor">
-            <a:schemeClr val="tx1"/>
-          </a:fontRef>
-        </p:style>
-      </p:cxnSp>
-      <p:cxnSp>
-        <p:nvCxnSpPr>
-          <p:cNvPr id="30" name="Straight Arrow Connector 29">
-            <a:extLst>
-              <a:ext uri="{FF2B5EF4-FFF2-40B4-BE49-F238E27FC236}">
-                <a16:creationId xmlns:a16="http://schemas.microsoft.com/office/drawing/2014/main" id="{FD73DE83-2B68-9A40-A737-7B5890346400}"/>
-              </a:ext>
-            </a:extLst>
-          </p:cNvPr>
-          <p:cNvCxnSpPr>
-            <a:cxnSpLocks/>
-          </p:cNvCxnSpPr>
-          <p:nvPr/>
-        </p:nvCxnSpPr>
-        <p:spPr>
-          <a:xfrm>
-            <a:off x="3288475" y="4112821"/>
-            <a:ext cx="456707" cy="0"/>
-          </a:xfrm>
-          <a:prstGeom prst="straightConnector1">
-            <a:avLst/>
-          </a:prstGeom>
-          <a:ln w="38100">
-            <a:solidFill>
-              <a:schemeClr val="tx1"/>
-            </a:solidFill>
-            <a:tailEnd type="triangle"/>
-          </a:ln>
-        </p:spPr>
-        <p:style>
-          <a:lnRef idx="1">
-            <a:schemeClr val="accent1"/>
-          </a:lnRef>
-          <a:fillRef idx="0">
-            <a:schemeClr val="accent1"/>
-          </a:fillRef>
-          <a:effectRef idx="0">
-            <a:schemeClr val="accent1"/>
-          </a:effectRef>
-          <a:fontRef idx="minor">
-            <a:schemeClr val="tx1"/>
-          </a:fontRef>
-        </p:style>
-      </p:cxnSp>
-      <p:cxnSp>
-        <p:nvCxnSpPr>
-          <p:cNvPr id="31" name="Straight Arrow Connector 30">
-            <a:extLst>
-              <a:ext uri="{FF2B5EF4-FFF2-40B4-BE49-F238E27FC236}">
-                <a16:creationId xmlns:a16="http://schemas.microsoft.com/office/drawing/2014/main" id="{45CC6DA9-B15A-5C4F-B76B-672BF41961F4}"/>
-              </a:ext>
-            </a:extLst>
-          </p:cNvPr>
-          <p:cNvCxnSpPr/>
-          <p:nvPr/>
-        </p:nvCxnSpPr>
-        <p:spPr>
-          <a:xfrm>
-            <a:off x="1413163" y="4514602"/>
-            <a:ext cx="1166752" cy="0"/>
-          </a:xfrm>
-          <a:prstGeom prst="straightConnector1">
-            <a:avLst/>
-          </a:prstGeom>
-          <a:ln w="38100">
-            <a:solidFill>
-              <a:schemeClr val="tx1"/>
-            </a:solidFill>
-            <a:headEnd type="triangle" w="med" len="med"/>
-            <a:tailEnd type="none" w="med" len="med"/>
           </a:ln>
         </p:spPr>
         <p:style>
@@ -4351,7 +3808,7 @@
         </p:nvCxnSpPr>
         <p:spPr>
           <a:xfrm>
-            <a:off x="3288475" y="4514602"/>
+            <a:off x="5334989" y="4405745"/>
             <a:ext cx="456707" cy="0"/>
           </a:xfrm>
           <a:prstGeom prst="straightConnector1">
@@ -4362,1548 +3819,6 @@
               <a:schemeClr val="tx1"/>
             </a:solidFill>
             <a:headEnd type="triangle" w="med" len="med"/>
-            <a:tailEnd type="none" w="med" len="med"/>
-          </a:ln>
-        </p:spPr>
-        <p:style>
-          <a:lnRef idx="1">
-            <a:schemeClr val="accent1"/>
-          </a:lnRef>
-          <a:fillRef idx="0">
-            <a:schemeClr val="accent1"/>
-          </a:fillRef>
-          <a:effectRef idx="0">
-            <a:schemeClr val="accent1"/>
-          </a:effectRef>
-          <a:fontRef idx="minor">
-            <a:schemeClr val="tx1"/>
-          </a:fontRef>
-        </p:style>
-      </p:cxnSp>
-      <p:cxnSp>
-        <p:nvCxnSpPr>
-          <p:cNvPr id="33" name="Straight Arrow Connector 32">
-            <a:extLst>
-              <a:ext uri="{FF2B5EF4-FFF2-40B4-BE49-F238E27FC236}">
-                <a16:creationId xmlns:a16="http://schemas.microsoft.com/office/drawing/2014/main" id="{1ACDD6B6-6DB3-E24A-B797-21C290D01016}"/>
-              </a:ext>
-            </a:extLst>
-          </p:cNvPr>
-          <p:cNvCxnSpPr>
-            <a:cxnSpLocks/>
-          </p:cNvCxnSpPr>
-          <p:nvPr/>
-        </p:nvCxnSpPr>
-        <p:spPr>
-          <a:xfrm>
-            <a:off x="4744687" y="4029694"/>
-            <a:ext cx="456707" cy="0"/>
-          </a:xfrm>
-          <a:prstGeom prst="straightConnector1">
-            <a:avLst/>
-          </a:prstGeom>
-          <a:ln w="28575">
-            <a:solidFill>
-              <a:schemeClr val="tx1"/>
-            </a:solidFill>
-            <a:headEnd type="none" w="med" len="med"/>
-            <a:tailEnd type="none" w="med" len="med"/>
-          </a:ln>
-        </p:spPr>
-        <p:style>
-          <a:lnRef idx="1">
-            <a:schemeClr val="accent1"/>
-          </a:lnRef>
-          <a:fillRef idx="0">
-            <a:schemeClr val="accent1"/>
-          </a:fillRef>
-          <a:effectRef idx="0">
-            <a:schemeClr val="accent1"/>
-          </a:effectRef>
-          <a:fontRef idx="minor">
-            <a:schemeClr val="tx1"/>
-          </a:fontRef>
-        </p:style>
-      </p:cxnSp>
-      <p:cxnSp>
-        <p:nvCxnSpPr>
-          <p:cNvPr id="34" name="Straight Arrow Connector 33">
-            <a:extLst>
-              <a:ext uri="{FF2B5EF4-FFF2-40B4-BE49-F238E27FC236}">
-                <a16:creationId xmlns:a16="http://schemas.microsoft.com/office/drawing/2014/main" id="{957A67C1-0AE9-FA4E-A1E2-1CDB323749A4}"/>
-              </a:ext>
-            </a:extLst>
-          </p:cNvPr>
-          <p:cNvCxnSpPr>
-            <a:cxnSpLocks/>
-          </p:cNvCxnSpPr>
-          <p:nvPr/>
-        </p:nvCxnSpPr>
-        <p:spPr>
-          <a:xfrm>
-            <a:off x="4744687" y="4158343"/>
-            <a:ext cx="456707" cy="0"/>
-          </a:xfrm>
-          <a:prstGeom prst="straightConnector1">
-            <a:avLst/>
-          </a:prstGeom>
-          <a:ln w="28575">
-            <a:solidFill>
-              <a:schemeClr val="tx1"/>
-            </a:solidFill>
-            <a:headEnd type="none" w="med" len="med"/>
-            <a:tailEnd type="none" w="med" len="med"/>
-          </a:ln>
-        </p:spPr>
-        <p:style>
-          <a:lnRef idx="1">
-            <a:schemeClr val="accent1"/>
-          </a:lnRef>
-          <a:fillRef idx="0">
-            <a:schemeClr val="accent1"/>
-          </a:fillRef>
-          <a:effectRef idx="0">
-            <a:schemeClr val="accent1"/>
-          </a:effectRef>
-          <a:fontRef idx="minor">
-            <a:schemeClr val="tx1"/>
-          </a:fontRef>
-        </p:style>
-      </p:cxnSp>
-      <p:cxnSp>
-        <p:nvCxnSpPr>
-          <p:cNvPr id="35" name="Straight Arrow Connector 34">
-            <a:extLst>
-              <a:ext uri="{FF2B5EF4-FFF2-40B4-BE49-F238E27FC236}">
-                <a16:creationId xmlns:a16="http://schemas.microsoft.com/office/drawing/2014/main" id="{F27E5DD0-F4A7-EE40-92C6-946717F0948E}"/>
-              </a:ext>
-            </a:extLst>
-          </p:cNvPr>
-          <p:cNvCxnSpPr>
-            <a:cxnSpLocks/>
-          </p:cNvCxnSpPr>
-          <p:nvPr/>
-        </p:nvCxnSpPr>
-        <p:spPr>
-          <a:xfrm>
-            <a:off x="4744686" y="4302826"/>
-            <a:ext cx="456707" cy="0"/>
-          </a:xfrm>
-          <a:prstGeom prst="straightConnector1">
-            <a:avLst/>
-          </a:prstGeom>
-          <a:ln w="28575">
-            <a:solidFill>
-              <a:schemeClr val="tx1"/>
-            </a:solidFill>
-            <a:headEnd type="none" w="med" len="med"/>
-            <a:tailEnd type="none" w="med" len="med"/>
-          </a:ln>
-        </p:spPr>
-        <p:style>
-          <a:lnRef idx="1">
-            <a:schemeClr val="accent1"/>
-          </a:lnRef>
-          <a:fillRef idx="0">
-            <a:schemeClr val="accent1"/>
-          </a:fillRef>
-          <a:effectRef idx="0">
-            <a:schemeClr val="accent1"/>
-          </a:effectRef>
-          <a:fontRef idx="minor">
-            <a:schemeClr val="tx1"/>
-          </a:fontRef>
-        </p:style>
-      </p:cxnSp>
-      <p:cxnSp>
-        <p:nvCxnSpPr>
-          <p:cNvPr id="36" name="Straight Arrow Connector 35">
-            <a:extLst>
-              <a:ext uri="{FF2B5EF4-FFF2-40B4-BE49-F238E27FC236}">
-                <a16:creationId xmlns:a16="http://schemas.microsoft.com/office/drawing/2014/main" id="{71C6B7D9-B51B-D047-9C6E-E2D4AF696AF1}"/>
-              </a:ext>
-            </a:extLst>
-          </p:cNvPr>
-          <p:cNvCxnSpPr>
-            <a:cxnSpLocks/>
-          </p:cNvCxnSpPr>
-          <p:nvPr/>
-        </p:nvCxnSpPr>
-        <p:spPr>
-          <a:xfrm>
-            <a:off x="4744686" y="4431475"/>
-            <a:ext cx="456707" cy="0"/>
-          </a:xfrm>
-          <a:prstGeom prst="straightConnector1">
-            <a:avLst/>
-          </a:prstGeom>
-          <a:ln w="28575">
-            <a:solidFill>
-              <a:schemeClr val="tx1"/>
-            </a:solidFill>
-            <a:headEnd type="none" w="med" len="med"/>
-            <a:tailEnd type="none" w="med" len="med"/>
-          </a:ln>
-        </p:spPr>
-        <p:style>
-          <a:lnRef idx="1">
-            <a:schemeClr val="accent1"/>
-          </a:lnRef>
-          <a:fillRef idx="0">
-            <a:schemeClr val="accent1"/>
-          </a:fillRef>
-          <a:effectRef idx="0">
-            <a:schemeClr val="accent1"/>
-          </a:effectRef>
-          <a:fontRef idx="minor">
-            <a:schemeClr val="tx1"/>
-          </a:fontRef>
-        </p:style>
-      </p:cxnSp>
-      <p:cxnSp>
-        <p:nvCxnSpPr>
-          <p:cNvPr id="37" name="Straight Arrow Connector 36">
-            <a:extLst>
-              <a:ext uri="{FF2B5EF4-FFF2-40B4-BE49-F238E27FC236}">
-                <a16:creationId xmlns:a16="http://schemas.microsoft.com/office/drawing/2014/main" id="{50FAC029-70DC-2D4B-AA2C-E9EE685D7EC6}"/>
-              </a:ext>
-            </a:extLst>
-          </p:cNvPr>
-          <p:cNvCxnSpPr>
-            <a:cxnSpLocks/>
-          </p:cNvCxnSpPr>
-          <p:nvPr/>
-        </p:nvCxnSpPr>
-        <p:spPr>
-          <a:xfrm>
-            <a:off x="4744686" y="4589813"/>
-            <a:ext cx="456707" cy="0"/>
-          </a:xfrm>
-          <a:prstGeom prst="straightConnector1">
-            <a:avLst/>
-          </a:prstGeom>
-          <a:ln w="28575">
-            <a:solidFill>
-              <a:schemeClr val="tx1"/>
-            </a:solidFill>
-            <a:headEnd type="none" w="med" len="med"/>
-            <a:tailEnd type="none" w="med" len="med"/>
-          </a:ln>
-        </p:spPr>
-        <p:style>
-          <a:lnRef idx="1">
-            <a:schemeClr val="accent1"/>
-          </a:lnRef>
-          <a:fillRef idx="0">
-            <a:schemeClr val="accent1"/>
-          </a:fillRef>
-          <a:effectRef idx="0">
-            <a:schemeClr val="accent1"/>
-          </a:effectRef>
-          <a:fontRef idx="minor">
-            <a:schemeClr val="tx1"/>
-          </a:fontRef>
-        </p:style>
-      </p:cxnSp>
-      <p:cxnSp>
-        <p:nvCxnSpPr>
-          <p:cNvPr id="38" name="Straight Arrow Connector 37">
-            <a:extLst>
-              <a:ext uri="{FF2B5EF4-FFF2-40B4-BE49-F238E27FC236}">
-                <a16:creationId xmlns:a16="http://schemas.microsoft.com/office/drawing/2014/main" id="{0A1C2BEC-494B-104F-B854-D3D07E83C6DA}"/>
-              </a:ext>
-            </a:extLst>
-          </p:cNvPr>
-          <p:cNvCxnSpPr>
-            <a:cxnSpLocks/>
-          </p:cNvCxnSpPr>
-          <p:nvPr/>
-        </p:nvCxnSpPr>
-        <p:spPr>
-          <a:xfrm>
-            <a:off x="4744686" y="4718462"/>
-            <a:ext cx="456707" cy="0"/>
-          </a:xfrm>
-          <a:prstGeom prst="straightConnector1">
-            <a:avLst/>
-          </a:prstGeom>
-          <a:ln w="28575">
-            <a:solidFill>
-              <a:schemeClr val="tx1"/>
-            </a:solidFill>
-            <a:headEnd type="none" w="med" len="med"/>
-            <a:tailEnd type="none" w="med" len="med"/>
-          </a:ln>
-        </p:spPr>
-        <p:style>
-          <a:lnRef idx="1">
-            <a:schemeClr val="accent1"/>
-          </a:lnRef>
-          <a:fillRef idx="0">
-            <a:schemeClr val="accent1"/>
-          </a:fillRef>
-          <a:effectRef idx="0">
-            <a:schemeClr val="accent1"/>
-          </a:effectRef>
-          <a:fontRef idx="minor">
-            <a:schemeClr val="tx1"/>
-          </a:fontRef>
-        </p:style>
-      </p:cxnSp>
-      <p:sp>
-        <p:nvSpPr>
-          <p:cNvPr id="39" name="Rectangle 38">
-            <a:extLst>
-              <a:ext uri="{FF2B5EF4-FFF2-40B4-BE49-F238E27FC236}">
-                <a16:creationId xmlns:a16="http://schemas.microsoft.com/office/drawing/2014/main" id="{6C7D4B86-45A5-7C4C-B40A-333594CA7940}"/>
-              </a:ext>
-            </a:extLst>
-          </p:cNvPr>
-          <p:cNvSpPr/>
-          <p:nvPr/>
-        </p:nvSpPr>
-        <p:spPr>
-          <a:xfrm>
-            <a:off x="7665027" y="3932711"/>
-            <a:ext cx="999505" cy="868878"/>
-          </a:xfrm>
-          <a:prstGeom prst="rect">
-            <a:avLst/>
-          </a:prstGeom>
-          <a:solidFill>
-            <a:schemeClr val="accent3">
-              <a:lumMod val="60000"/>
-              <a:lumOff val="40000"/>
-            </a:schemeClr>
-          </a:solidFill>
-          <a:ln>
-            <a:solidFill>
-              <a:schemeClr val="tx1"/>
-            </a:solidFill>
-          </a:ln>
-        </p:spPr>
-        <p:style>
-          <a:lnRef idx="2">
-            <a:schemeClr val="accent1">
-              <a:shade val="50000"/>
-            </a:schemeClr>
-          </a:lnRef>
-          <a:fillRef idx="1">
-            <a:schemeClr val="accent1"/>
-          </a:fillRef>
-          <a:effectRef idx="0">
-            <a:schemeClr val="accent1"/>
-          </a:effectRef>
-          <a:fontRef idx="minor">
-            <a:schemeClr val="lt1"/>
-          </a:fontRef>
-        </p:style>
-        <p:txBody>
-          <a:bodyPr rtlCol="0" anchor="ctr"/>
-          <a:lstStyle/>
-          <a:p>
-            <a:pPr algn="ctr"/>
-            <a:r>
-              <a:rPr lang="en-US" dirty="0">
-                <a:solidFill>
-                  <a:sysClr val="windowText" lastClr="000000"/>
-                </a:solidFill>
-              </a:rPr>
-              <a:t>Core 3</a:t>
-            </a:r>
-          </a:p>
-        </p:txBody>
-      </p:sp>
-      <p:sp>
-        <p:nvSpPr>
-          <p:cNvPr id="40" name="Rectangle 39">
-            <a:extLst>
-              <a:ext uri="{FF2B5EF4-FFF2-40B4-BE49-F238E27FC236}">
-                <a16:creationId xmlns:a16="http://schemas.microsoft.com/office/drawing/2014/main" id="{66D00E99-04EC-2343-A89E-8A483EC2CA63}"/>
-              </a:ext>
-            </a:extLst>
-          </p:cNvPr>
-          <p:cNvSpPr/>
-          <p:nvPr/>
-        </p:nvSpPr>
-        <p:spPr>
-          <a:xfrm>
-            <a:off x="6363194" y="3932711"/>
-            <a:ext cx="845126" cy="868878"/>
-          </a:xfrm>
-          <a:prstGeom prst="rect">
-            <a:avLst/>
-          </a:prstGeom>
-          <a:solidFill>
-            <a:schemeClr val="accent2">
-              <a:lumMod val="40000"/>
-              <a:lumOff val="60000"/>
-            </a:schemeClr>
-          </a:solidFill>
-          <a:ln>
-            <a:solidFill>
-              <a:schemeClr val="tx1"/>
-            </a:solidFill>
-          </a:ln>
-        </p:spPr>
-        <p:style>
-          <a:lnRef idx="2">
-            <a:schemeClr val="accent1">
-              <a:shade val="50000"/>
-            </a:schemeClr>
-          </a:lnRef>
-          <a:fillRef idx="1">
-            <a:schemeClr val="accent1"/>
-          </a:fillRef>
-          <a:effectRef idx="0">
-            <a:schemeClr val="accent1"/>
-          </a:effectRef>
-          <a:fontRef idx="minor">
-            <a:schemeClr val="lt1"/>
-          </a:fontRef>
-        </p:style>
-        <p:txBody>
-          <a:bodyPr rtlCol="0" anchor="ctr"/>
-          <a:lstStyle/>
-          <a:p>
-            <a:pPr algn="ctr"/>
-            <a:r>
-              <a:rPr lang="en-US" dirty="0">
-                <a:solidFill>
-                  <a:sysClr val="windowText" lastClr="000000"/>
-                </a:solidFill>
-              </a:rPr>
-              <a:t>SRAM</a:t>
-            </a:r>
-          </a:p>
-        </p:txBody>
-      </p:sp>
-      <p:sp>
-        <p:nvSpPr>
-          <p:cNvPr id="41" name="Rectangle 40">
-            <a:extLst>
-              <a:ext uri="{FF2B5EF4-FFF2-40B4-BE49-F238E27FC236}">
-                <a16:creationId xmlns:a16="http://schemas.microsoft.com/office/drawing/2014/main" id="{A5E49CA0-9566-4E4F-AA07-7506736F5103}"/>
-              </a:ext>
-            </a:extLst>
-          </p:cNvPr>
-          <p:cNvSpPr/>
-          <p:nvPr/>
-        </p:nvSpPr>
-        <p:spPr>
-          <a:xfrm>
-            <a:off x="9121239" y="3932711"/>
-            <a:ext cx="708560" cy="868878"/>
-          </a:xfrm>
-          <a:prstGeom prst="rect">
-            <a:avLst/>
-          </a:prstGeom>
-          <a:solidFill>
-            <a:schemeClr val="accent6">
-              <a:lumMod val="40000"/>
-              <a:lumOff val="60000"/>
-            </a:schemeClr>
-          </a:solidFill>
-          <a:ln>
-            <a:solidFill>
-              <a:schemeClr val="tx1"/>
-            </a:solidFill>
-          </a:ln>
-        </p:spPr>
-        <p:style>
-          <a:lnRef idx="2">
-            <a:schemeClr val="accent1">
-              <a:shade val="50000"/>
-            </a:schemeClr>
-          </a:lnRef>
-          <a:fillRef idx="1">
-            <a:schemeClr val="accent1"/>
-          </a:fillRef>
-          <a:effectRef idx="0">
-            <a:schemeClr val="accent1"/>
-          </a:effectRef>
-          <a:fontRef idx="minor">
-            <a:schemeClr val="lt1"/>
-          </a:fontRef>
-        </p:style>
-        <p:txBody>
-          <a:bodyPr rtlCol="0" anchor="ctr"/>
-          <a:lstStyle/>
-          <a:p>
-            <a:pPr algn="ctr"/>
-            <a:r>
-              <a:rPr lang="en-US" dirty="0">
-                <a:solidFill>
-                  <a:sysClr val="windowText" lastClr="000000"/>
-                </a:solidFill>
-              </a:rPr>
-              <a:t>NIC</a:t>
-            </a:r>
-          </a:p>
-        </p:txBody>
-      </p:sp>
-      <p:cxnSp>
-        <p:nvCxnSpPr>
-          <p:cNvPr id="42" name="Straight Arrow Connector 41">
-            <a:extLst>
-              <a:ext uri="{FF2B5EF4-FFF2-40B4-BE49-F238E27FC236}">
-                <a16:creationId xmlns:a16="http://schemas.microsoft.com/office/drawing/2014/main" id="{EF006BAA-C8B6-0445-B7B9-3E4E292B279B}"/>
-              </a:ext>
-            </a:extLst>
-          </p:cNvPr>
-          <p:cNvCxnSpPr/>
-          <p:nvPr/>
-        </p:nvCxnSpPr>
-        <p:spPr>
-          <a:xfrm rot="10800000">
-            <a:off x="9829799" y="4621479"/>
-            <a:ext cx="1166752" cy="0"/>
-          </a:xfrm>
-          <a:prstGeom prst="straightConnector1">
-            <a:avLst/>
-          </a:prstGeom>
-          <a:ln w="38100">
-            <a:solidFill>
-              <a:schemeClr val="tx1"/>
-            </a:solidFill>
-            <a:tailEnd type="triangle"/>
-          </a:ln>
-        </p:spPr>
-        <p:style>
-          <a:lnRef idx="1">
-            <a:schemeClr val="accent1"/>
-          </a:lnRef>
-          <a:fillRef idx="0">
-            <a:schemeClr val="accent1"/>
-          </a:fillRef>
-          <a:effectRef idx="0">
-            <a:schemeClr val="accent1"/>
-          </a:effectRef>
-          <a:fontRef idx="minor">
-            <a:schemeClr val="tx1"/>
-          </a:fontRef>
-        </p:style>
-      </p:cxnSp>
-      <p:cxnSp>
-        <p:nvCxnSpPr>
-          <p:cNvPr id="43" name="Straight Arrow Connector 42">
-            <a:extLst>
-              <a:ext uri="{FF2B5EF4-FFF2-40B4-BE49-F238E27FC236}">
-                <a16:creationId xmlns:a16="http://schemas.microsoft.com/office/drawing/2014/main" id="{6CC7959E-59A8-6F48-AFB6-954D83EC89E7}"/>
-              </a:ext>
-            </a:extLst>
-          </p:cNvPr>
-          <p:cNvCxnSpPr>
-            <a:cxnSpLocks/>
-          </p:cNvCxnSpPr>
-          <p:nvPr/>
-        </p:nvCxnSpPr>
-        <p:spPr>
-          <a:xfrm rot="10800000">
-            <a:off x="8664532" y="4621479"/>
-            <a:ext cx="456707" cy="0"/>
-          </a:xfrm>
-          <a:prstGeom prst="straightConnector1">
-            <a:avLst/>
-          </a:prstGeom>
-          <a:ln w="38100">
-            <a:solidFill>
-              <a:schemeClr val="tx1"/>
-            </a:solidFill>
-            <a:tailEnd type="triangle"/>
-          </a:ln>
-        </p:spPr>
-        <p:style>
-          <a:lnRef idx="1">
-            <a:schemeClr val="accent1"/>
-          </a:lnRef>
-          <a:fillRef idx="0">
-            <a:schemeClr val="accent1"/>
-          </a:fillRef>
-          <a:effectRef idx="0">
-            <a:schemeClr val="accent1"/>
-          </a:effectRef>
-          <a:fontRef idx="minor">
-            <a:schemeClr val="tx1"/>
-          </a:fontRef>
-        </p:style>
-      </p:cxnSp>
-      <p:cxnSp>
-        <p:nvCxnSpPr>
-          <p:cNvPr id="44" name="Straight Arrow Connector 43">
-            <a:extLst>
-              <a:ext uri="{FF2B5EF4-FFF2-40B4-BE49-F238E27FC236}">
-                <a16:creationId xmlns:a16="http://schemas.microsoft.com/office/drawing/2014/main" id="{B57C3256-06D1-9F45-BDD7-D1842B1C67A3}"/>
-              </a:ext>
-            </a:extLst>
-          </p:cNvPr>
-          <p:cNvCxnSpPr/>
-          <p:nvPr/>
-        </p:nvCxnSpPr>
-        <p:spPr>
-          <a:xfrm rot="10800000">
-            <a:off x="9829799" y="4219698"/>
-            <a:ext cx="1166752" cy="0"/>
-          </a:xfrm>
-          <a:prstGeom prst="straightConnector1">
-            <a:avLst/>
-          </a:prstGeom>
-          <a:ln w="38100">
-            <a:solidFill>
-              <a:schemeClr val="tx1"/>
-            </a:solidFill>
-            <a:headEnd type="triangle" w="med" len="med"/>
-            <a:tailEnd type="none" w="med" len="med"/>
-          </a:ln>
-        </p:spPr>
-        <p:style>
-          <a:lnRef idx="1">
-            <a:schemeClr val="accent1"/>
-          </a:lnRef>
-          <a:fillRef idx="0">
-            <a:schemeClr val="accent1"/>
-          </a:fillRef>
-          <a:effectRef idx="0">
-            <a:schemeClr val="accent1"/>
-          </a:effectRef>
-          <a:fontRef idx="minor">
-            <a:schemeClr val="tx1"/>
-          </a:fontRef>
-        </p:style>
-      </p:cxnSp>
-      <p:cxnSp>
-        <p:nvCxnSpPr>
-          <p:cNvPr id="45" name="Straight Arrow Connector 44">
-            <a:extLst>
-              <a:ext uri="{FF2B5EF4-FFF2-40B4-BE49-F238E27FC236}">
-                <a16:creationId xmlns:a16="http://schemas.microsoft.com/office/drawing/2014/main" id="{8D3B038A-86E1-DA44-8561-02B5CF7991B6}"/>
-              </a:ext>
-            </a:extLst>
-          </p:cNvPr>
-          <p:cNvCxnSpPr>
-            <a:cxnSpLocks/>
-          </p:cNvCxnSpPr>
-          <p:nvPr/>
-        </p:nvCxnSpPr>
-        <p:spPr>
-          <a:xfrm rot="10800000">
-            <a:off x="8664532" y="4219698"/>
-            <a:ext cx="456707" cy="0"/>
-          </a:xfrm>
-          <a:prstGeom prst="straightConnector1">
-            <a:avLst/>
-          </a:prstGeom>
-          <a:ln w="38100">
-            <a:solidFill>
-              <a:schemeClr val="tx1"/>
-            </a:solidFill>
-            <a:headEnd type="triangle" w="med" len="med"/>
-            <a:tailEnd type="none" w="med" len="med"/>
-          </a:ln>
-        </p:spPr>
-        <p:style>
-          <a:lnRef idx="1">
-            <a:schemeClr val="accent1"/>
-          </a:lnRef>
-          <a:fillRef idx="0">
-            <a:schemeClr val="accent1"/>
-          </a:fillRef>
-          <a:effectRef idx="0">
-            <a:schemeClr val="accent1"/>
-          </a:effectRef>
-          <a:fontRef idx="minor">
-            <a:schemeClr val="tx1"/>
-          </a:fontRef>
-        </p:style>
-      </p:cxnSp>
-      <p:cxnSp>
-        <p:nvCxnSpPr>
-          <p:cNvPr id="46" name="Straight Arrow Connector 45">
-            <a:extLst>
-              <a:ext uri="{FF2B5EF4-FFF2-40B4-BE49-F238E27FC236}">
-                <a16:creationId xmlns:a16="http://schemas.microsoft.com/office/drawing/2014/main" id="{50C4504D-5278-A54B-BEA9-442B745EA38C}"/>
-              </a:ext>
-            </a:extLst>
-          </p:cNvPr>
-          <p:cNvCxnSpPr>
-            <a:cxnSpLocks/>
-          </p:cNvCxnSpPr>
-          <p:nvPr/>
-        </p:nvCxnSpPr>
-        <p:spPr>
-          <a:xfrm rot="10800000">
-            <a:off x="7208320" y="4704606"/>
-            <a:ext cx="456707" cy="0"/>
-          </a:xfrm>
-          <a:prstGeom prst="straightConnector1">
-            <a:avLst/>
-          </a:prstGeom>
-          <a:ln w="28575">
-            <a:solidFill>
-              <a:schemeClr val="tx1"/>
-            </a:solidFill>
-            <a:headEnd type="none" w="med" len="med"/>
-            <a:tailEnd type="none" w="med" len="med"/>
-          </a:ln>
-        </p:spPr>
-        <p:style>
-          <a:lnRef idx="1">
-            <a:schemeClr val="accent1"/>
-          </a:lnRef>
-          <a:fillRef idx="0">
-            <a:schemeClr val="accent1"/>
-          </a:fillRef>
-          <a:effectRef idx="0">
-            <a:schemeClr val="accent1"/>
-          </a:effectRef>
-          <a:fontRef idx="minor">
-            <a:schemeClr val="tx1"/>
-          </a:fontRef>
-        </p:style>
-      </p:cxnSp>
-      <p:cxnSp>
-        <p:nvCxnSpPr>
-          <p:cNvPr id="47" name="Straight Arrow Connector 46">
-            <a:extLst>
-              <a:ext uri="{FF2B5EF4-FFF2-40B4-BE49-F238E27FC236}">
-                <a16:creationId xmlns:a16="http://schemas.microsoft.com/office/drawing/2014/main" id="{632A8F05-75C0-5748-B9A9-CB05F48D5745}"/>
-              </a:ext>
-            </a:extLst>
-          </p:cNvPr>
-          <p:cNvCxnSpPr>
-            <a:cxnSpLocks/>
-          </p:cNvCxnSpPr>
-          <p:nvPr/>
-        </p:nvCxnSpPr>
-        <p:spPr>
-          <a:xfrm rot="10800000">
-            <a:off x="7208320" y="4575957"/>
-            <a:ext cx="456707" cy="0"/>
-          </a:xfrm>
-          <a:prstGeom prst="straightConnector1">
-            <a:avLst/>
-          </a:prstGeom>
-          <a:ln w="28575">
-            <a:solidFill>
-              <a:schemeClr val="tx1"/>
-            </a:solidFill>
-            <a:headEnd type="none" w="med" len="med"/>
-            <a:tailEnd type="none" w="med" len="med"/>
-          </a:ln>
-        </p:spPr>
-        <p:style>
-          <a:lnRef idx="1">
-            <a:schemeClr val="accent1"/>
-          </a:lnRef>
-          <a:fillRef idx="0">
-            <a:schemeClr val="accent1"/>
-          </a:fillRef>
-          <a:effectRef idx="0">
-            <a:schemeClr val="accent1"/>
-          </a:effectRef>
-          <a:fontRef idx="minor">
-            <a:schemeClr val="tx1"/>
-          </a:fontRef>
-        </p:style>
-      </p:cxnSp>
-      <p:cxnSp>
-        <p:nvCxnSpPr>
-          <p:cNvPr id="48" name="Straight Arrow Connector 47">
-            <a:extLst>
-              <a:ext uri="{FF2B5EF4-FFF2-40B4-BE49-F238E27FC236}">
-                <a16:creationId xmlns:a16="http://schemas.microsoft.com/office/drawing/2014/main" id="{682C5FB4-D59B-5448-AE0A-D65F9965BDD3}"/>
-              </a:ext>
-            </a:extLst>
-          </p:cNvPr>
-          <p:cNvCxnSpPr>
-            <a:cxnSpLocks/>
-          </p:cNvCxnSpPr>
-          <p:nvPr/>
-        </p:nvCxnSpPr>
-        <p:spPr>
-          <a:xfrm rot="10800000">
-            <a:off x="7208321" y="4431474"/>
-            <a:ext cx="456707" cy="0"/>
-          </a:xfrm>
-          <a:prstGeom prst="straightConnector1">
-            <a:avLst/>
-          </a:prstGeom>
-          <a:ln w="28575">
-            <a:solidFill>
-              <a:schemeClr val="tx1"/>
-            </a:solidFill>
-            <a:headEnd type="none" w="med" len="med"/>
-            <a:tailEnd type="none" w="med" len="med"/>
-          </a:ln>
-        </p:spPr>
-        <p:style>
-          <a:lnRef idx="1">
-            <a:schemeClr val="accent1"/>
-          </a:lnRef>
-          <a:fillRef idx="0">
-            <a:schemeClr val="accent1"/>
-          </a:fillRef>
-          <a:effectRef idx="0">
-            <a:schemeClr val="accent1"/>
-          </a:effectRef>
-          <a:fontRef idx="minor">
-            <a:schemeClr val="tx1"/>
-          </a:fontRef>
-        </p:style>
-      </p:cxnSp>
-      <p:cxnSp>
-        <p:nvCxnSpPr>
-          <p:cNvPr id="49" name="Straight Arrow Connector 48">
-            <a:extLst>
-              <a:ext uri="{FF2B5EF4-FFF2-40B4-BE49-F238E27FC236}">
-                <a16:creationId xmlns:a16="http://schemas.microsoft.com/office/drawing/2014/main" id="{A73CC4E4-7D4D-3141-B124-5A917EBD5F09}"/>
-              </a:ext>
-            </a:extLst>
-          </p:cNvPr>
-          <p:cNvCxnSpPr>
-            <a:cxnSpLocks/>
-          </p:cNvCxnSpPr>
-          <p:nvPr/>
-        </p:nvCxnSpPr>
-        <p:spPr>
-          <a:xfrm rot="10800000">
-            <a:off x="7208321" y="4302825"/>
-            <a:ext cx="456707" cy="0"/>
-          </a:xfrm>
-          <a:prstGeom prst="straightConnector1">
-            <a:avLst/>
-          </a:prstGeom>
-          <a:ln w="28575">
-            <a:solidFill>
-              <a:schemeClr val="tx1"/>
-            </a:solidFill>
-            <a:headEnd type="none" w="med" len="med"/>
-            <a:tailEnd type="none" w="med" len="med"/>
-          </a:ln>
-        </p:spPr>
-        <p:style>
-          <a:lnRef idx="1">
-            <a:schemeClr val="accent1"/>
-          </a:lnRef>
-          <a:fillRef idx="0">
-            <a:schemeClr val="accent1"/>
-          </a:fillRef>
-          <a:effectRef idx="0">
-            <a:schemeClr val="accent1"/>
-          </a:effectRef>
-          <a:fontRef idx="minor">
-            <a:schemeClr val="tx1"/>
-          </a:fontRef>
-        </p:style>
-      </p:cxnSp>
-      <p:cxnSp>
-        <p:nvCxnSpPr>
-          <p:cNvPr id="50" name="Straight Arrow Connector 49">
-            <a:extLst>
-              <a:ext uri="{FF2B5EF4-FFF2-40B4-BE49-F238E27FC236}">
-                <a16:creationId xmlns:a16="http://schemas.microsoft.com/office/drawing/2014/main" id="{D3548B03-33B4-F14C-94DB-8F2EA761C6F0}"/>
-              </a:ext>
-            </a:extLst>
-          </p:cNvPr>
-          <p:cNvCxnSpPr>
-            <a:cxnSpLocks/>
-          </p:cNvCxnSpPr>
-          <p:nvPr/>
-        </p:nvCxnSpPr>
-        <p:spPr>
-          <a:xfrm rot="10800000">
-            <a:off x="7208321" y="4144487"/>
-            <a:ext cx="456707" cy="0"/>
-          </a:xfrm>
-          <a:prstGeom prst="straightConnector1">
-            <a:avLst/>
-          </a:prstGeom>
-          <a:ln w="28575">
-            <a:solidFill>
-              <a:schemeClr val="tx1"/>
-            </a:solidFill>
-            <a:headEnd type="none" w="med" len="med"/>
-            <a:tailEnd type="none" w="med" len="med"/>
-          </a:ln>
-        </p:spPr>
-        <p:style>
-          <a:lnRef idx="1">
-            <a:schemeClr val="accent1"/>
-          </a:lnRef>
-          <a:fillRef idx="0">
-            <a:schemeClr val="accent1"/>
-          </a:fillRef>
-          <a:effectRef idx="0">
-            <a:schemeClr val="accent1"/>
-          </a:effectRef>
-          <a:fontRef idx="minor">
-            <a:schemeClr val="tx1"/>
-          </a:fontRef>
-        </p:style>
-      </p:cxnSp>
-      <p:cxnSp>
-        <p:nvCxnSpPr>
-          <p:cNvPr id="51" name="Straight Arrow Connector 50">
-            <a:extLst>
-              <a:ext uri="{FF2B5EF4-FFF2-40B4-BE49-F238E27FC236}">
-                <a16:creationId xmlns:a16="http://schemas.microsoft.com/office/drawing/2014/main" id="{12FA213D-3082-0E4E-9387-7123F95D32C8}"/>
-              </a:ext>
-            </a:extLst>
-          </p:cNvPr>
-          <p:cNvCxnSpPr>
-            <a:cxnSpLocks/>
-          </p:cNvCxnSpPr>
-          <p:nvPr/>
-        </p:nvCxnSpPr>
-        <p:spPr>
-          <a:xfrm rot="10800000">
-            <a:off x="7208321" y="4015838"/>
-            <a:ext cx="456707" cy="0"/>
-          </a:xfrm>
-          <a:prstGeom prst="straightConnector1">
-            <a:avLst/>
-          </a:prstGeom>
-          <a:ln w="28575">
-            <a:solidFill>
-              <a:schemeClr val="tx1"/>
-            </a:solidFill>
-            <a:headEnd type="none" w="med" len="med"/>
-            <a:tailEnd type="none" w="med" len="med"/>
-          </a:ln>
-        </p:spPr>
-        <p:style>
-          <a:lnRef idx="1">
-            <a:schemeClr val="accent1"/>
-          </a:lnRef>
-          <a:fillRef idx="0">
-            <a:schemeClr val="accent1"/>
-          </a:fillRef>
-          <a:effectRef idx="0">
-            <a:schemeClr val="accent1"/>
-          </a:effectRef>
-          <a:fontRef idx="minor">
-            <a:schemeClr val="tx1"/>
-          </a:fontRef>
-        </p:style>
-      </p:cxnSp>
-      <p:sp>
-        <p:nvSpPr>
-          <p:cNvPr id="52" name="Rectangle 51">
-            <a:extLst>
-              <a:ext uri="{FF2B5EF4-FFF2-40B4-BE49-F238E27FC236}">
-                <a16:creationId xmlns:a16="http://schemas.microsoft.com/office/drawing/2014/main" id="{F9446DE9-917B-3D40-B6BB-5B6EE1DE6D04}"/>
-              </a:ext>
-            </a:extLst>
-          </p:cNvPr>
-          <p:cNvSpPr/>
-          <p:nvPr/>
-        </p:nvSpPr>
-        <p:spPr>
-          <a:xfrm>
-            <a:off x="7665028" y="2539339"/>
-            <a:ext cx="999505" cy="868878"/>
-          </a:xfrm>
-          <a:prstGeom prst="rect">
-            <a:avLst/>
-          </a:prstGeom>
-          <a:solidFill>
-            <a:schemeClr val="accent3">
-              <a:lumMod val="60000"/>
-              <a:lumOff val="40000"/>
-            </a:schemeClr>
-          </a:solidFill>
-          <a:ln>
-            <a:solidFill>
-              <a:schemeClr val="tx1"/>
-            </a:solidFill>
-          </a:ln>
-        </p:spPr>
-        <p:style>
-          <a:lnRef idx="2">
-            <a:schemeClr val="accent1">
-              <a:shade val="50000"/>
-            </a:schemeClr>
-          </a:lnRef>
-          <a:fillRef idx="1">
-            <a:schemeClr val="accent1"/>
-          </a:fillRef>
-          <a:effectRef idx="0">
-            <a:schemeClr val="accent1"/>
-          </a:effectRef>
-          <a:fontRef idx="minor">
-            <a:schemeClr val="lt1"/>
-          </a:fontRef>
-        </p:style>
-        <p:txBody>
-          <a:bodyPr rtlCol="0" anchor="ctr"/>
-          <a:lstStyle/>
-          <a:p>
-            <a:pPr algn="ctr"/>
-            <a:r>
-              <a:rPr lang="en-US" dirty="0">
-                <a:solidFill>
-                  <a:sysClr val="windowText" lastClr="000000"/>
-                </a:solidFill>
-              </a:rPr>
-              <a:t>Core 1</a:t>
-            </a:r>
-          </a:p>
-        </p:txBody>
-      </p:sp>
-      <p:sp>
-        <p:nvSpPr>
-          <p:cNvPr id="53" name="Rectangle 52">
-            <a:extLst>
-              <a:ext uri="{FF2B5EF4-FFF2-40B4-BE49-F238E27FC236}">
-                <a16:creationId xmlns:a16="http://schemas.microsoft.com/office/drawing/2014/main" id="{6F8B3318-6D43-D749-AD34-D73840B9BE83}"/>
-              </a:ext>
-            </a:extLst>
-          </p:cNvPr>
-          <p:cNvSpPr/>
-          <p:nvPr/>
-        </p:nvSpPr>
-        <p:spPr>
-          <a:xfrm>
-            <a:off x="6363195" y="2539339"/>
-            <a:ext cx="845126" cy="868878"/>
-          </a:xfrm>
-          <a:prstGeom prst="rect">
-            <a:avLst/>
-          </a:prstGeom>
-          <a:solidFill>
-            <a:schemeClr val="accent2">
-              <a:lumMod val="40000"/>
-              <a:lumOff val="60000"/>
-            </a:schemeClr>
-          </a:solidFill>
-          <a:ln>
-            <a:solidFill>
-              <a:schemeClr val="tx1"/>
-            </a:solidFill>
-          </a:ln>
-        </p:spPr>
-        <p:style>
-          <a:lnRef idx="2">
-            <a:schemeClr val="accent1">
-              <a:shade val="50000"/>
-            </a:schemeClr>
-          </a:lnRef>
-          <a:fillRef idx="1">
-            <a:schemeClr val="accent1"/>
-          </a:fillRef>
-          <a:effectRef idx="0">
-            <a:schemeClr val="accent1"/>
-          </a:effectRef>
-          <a:fontRef idx="minor">
-            <a:schemeClr val="lt1"/>
-          </a:fontRef>
-        </p:style>
-        <p:txBody>
-          <a:bodyPr rtlCol="0" anchor="ctr"/>
-          <a:lstStyle/>
-          <a:p>
-            <a:pPr algn="ctr"/>
-            <a:r>
-              <a:rPr lang="en-US" dirty="0">
-                <a:solidFill>
-                  <a:sysClr val="windowText" lastClr="000000"/>
-                </a:solidFill>
-              </a:rPr>
-              <a:t>SRAM</a:t>
-            </a:r>
-          </a:p>
-        </p:txBody>
-      </p:sp>
-      <p:sp>
-        <p:nvSpPr>
-          <p:cNvPr id="54" name="Rectangle 53">
-            <a:extLst>
-              <a:ext uri="{FF2B5EF4-FFF2-40B4-BE49-F238E27FC236}">
-                <a16:creationId xmlns:a16="http://schemas.microsoft.com/office/drawing/2014/main" id="{6C21B10B-B403-C14B-8AFC-66CC5CEA3A29}"/>
-              </a:ext>
-            </a:extLst>
-          </p:cNvPr>
-          <p:cNvSpPr/>
-          <p:nvPr/>
-        </p:nvSpPr>
-        <p:spPr>
-          <a:xfrm>
-            <a:off x="9121240" y="2539339"/>
-            <a:ext cx="708560" cy="868878"/>
-          </a:xfrm>
-          <a:prstGeom prst="rect">
-            <a:avLst/>
-          </a:prstGeom>
-          <a:solidFill>
-            <a:schemeClr val="accent6">
-              <a:lumMod val="40000"/>
-              <a:lumOff val="60000"/>
-            </a:schemeClr>
-          </a:solidFill>
-          <a:ln>
-            <a:solidFill>
-              <a:schemeClr val="tx1"/>
-            </a:solidFill>
-          </a:ln>
-        </p:spPr>
-        <p:style>
-          <a:lnRef idx="2">
-            <a:schemeClr val="accent1">
-              <a:shade val="50000"/>
-            </a:schemeClr>
-          </a:lnRef>
-          <a:fillRef idx="1">
-            <a:schemeClr val="accent1"/>
-          </a:fillRef>
-          <a:effectRef idx="0">
-            <a:schemeClr val="accent1"/>
-          </a:effectRef>
-          <a:fontRef idx="minor">
-            <a:schemeClr val="lt1"/>
-          </a:fontRef>
-        </p:style>
-        <p:txBody>
-          <a:bodyPr rtlCol="0" anchor="ctr"/>
-          <a:lstStyle/>
-          <a:p>
-            <a:pPr algn="ctr"/>
-            <a:r>
-              <a:rPr lang="en-US" dirty="0">
-                <a:solidFill>
-                  <a:sysClr val="windowText" lastClr="000000"/>
-                </a:solidFill>
-              </a:rPr>
-              <a:t>NIC</a:t>
-            </a:r>
-          </a:p>
-        </p:txBody>
-      </p:sp>
-      <p:cxnSp>
-        <p:nvCxnSpPr>
-          <p:cNvPr id="55" name="Straight Arrow Connector 54">
-            <a:extLst>
-              <a:ext uri="{FF2B5EF4-FFF2-40B4-BE49-F238E27FC236}">
-                <a16:creationId xmlns:a16="http://schemas.microsoft.com/office/drawing/2014/main" id="{7BF2A289-F365-AB48-9846-01C2C20235DB}"/>
-              </a:ext>
-            </a:extLst>
-          </p:cNvPr>
-          <p:cNvCxnSpPr/>
-          <p:nvPr/>
-        </p:nvCxnSpPr>
-        <p:spPr>
-          <a:xfrm rot="10800000">
-            <a:off x="9829800" y="3228107"/>
-            <a:ext cx="1166752" cy="0"/>
-          </a:xfrm>
-          <a:prstGeom prst="straightConnector1">
-            <a:avLst/>
-          </a:prstGeom>
-          <a:ln w="38100">
-            <a:solidFill>
-              <a:schemeClr val="tx1"/>
-            </a:solidFill>
-            <a:tailEnd type="triangle"/>
-          </a:ln>
-        </p:spPr>
-        <p:style>
-          <a:lnRef idx="1">
-            <a:schemeClr val="accent1"/>
-          </a:lnRef>
-          <a:fillRef idx="0">
-            <a:schemeClr val="accent1"/>
-          </a:fillRef>
-          <a:effectRef idx="0">
-            <a:schemeClr val="accent1"/>
-          </a:effectRef>
-          <a:fontRef idx="minor">
-            <a:schemeClr val="tx1"/>
-          </a:fontRef>
-        </p:style>
-      </p:cxnSp>
-      <p:cxnSp>
-        <p:nvCxnSpPr>
-          <p:cNvPr id="56" name="Straight Arrow Connector 55">
-            <a:extLst>
-              <a:ext uri="{FF2B5EF4-FFF2-40B4-BE49-F238E27FC236}">
-                <a16:creationId xmlns:a16="http://schemas.microsoft.com/office/drawing/2014/main" id="{26B2AEEE-4BA3-7749-AE4B-F57EFB44825D}"/>
-              </a:ext>
-            </a:extLst>
-          </p:cNvPr>
-          <p:cNvCxnSpPr>
-            <a:cxnSpLocks/>
-          </p:cNvCxnSpPr>
-          <p:nvPr/>
-        </p:nvCxnSpPr>
-        <p:spPr>
-          <a:xfrm rot="10800000">
-            <a:off x="8664533" y="3228107"/>
-            <a:ext cx="456707" cy="0"/>
-          </a:xfrm>
-          <a:prstGeom prst="straightConnector1">
-            <a:avLst/>
-          </a:prstGeom>
-          <a:ln w="38100">
-            <a:solidFill>
-              <a:schemeClr val="tx1"/>
-            </a:solidFill>
-            <a:tailEnd type="triangle"/>
-          </a:ln>
-        </p:spPr>
-        <p:style>
-          <a:lnRef idx="1">
-            <a:schemeClr val="accent1"/>
-          </a:lnRef>
-          <a:fillRef idx="0">
-            <a:schemeClr val="accent1"/>
-          </a:fillRef>
-          <a:effectRef idx="0">
-            <a:schemeClr val="accent1"/>
-          </a:effectRef>
-          <a:fontRef idx="minor">
-            <a:schemeClr val="tx1"/>
-          </a:fontRef>
-        </p:style>
-      </p:cxnSp>
-      <p:cxnSp>
-        <p:nvCxnSpPr>
-          <p:cNvPr id="57" name="Straight Arrow Connector 56">
-            <a:extLst>
-              <a:ext uri="{FF2B5EF4-FFF2-40B4-BE49-F238E27FC236}">
-                <a16:creationId xmlns:a16="http://schemas.microsoft.com/office/drawing/2014/main" id="{2440D2DD-7BBB-AC4F-AF6F-5E06E8C11FDB}"/>
-              </a:ext>
-            </a:extLst>
-          </p:cNvPr>
-          <p:cNvCxnSpPr/>
-          <p:nvPr/>
-        </p:nvCxnSpPr>
-        <p:spPr>
-          <a:xfrm rot="10800000">
-            <a:off x="9829800" y="2826326"/>
-            <a:ext cx="1166752" cy="0"/>
-          </a:xfrm>
-          <a:prstGeom prst="straightConnector1">
-            <a:avLst/>
-          </a:prstGeom>
-          <a:ln w="38100">
-            <a:solidFill>
-              <a:schemeClr val="tx1"/>
-            </a:solidFill>
-            <a:headEnd type="triangle" w="med" len="med"/>
-            <a:tailEnd type="none" w="med" len="med"/>
-          </a:ln>
-        </p:spPr>
-        <p:style>
-          <a:lnRef idx="1">
-            <a:schemeClr val="accent1"/>
-          </a:lnRef>
-          <a:fillRef idx="0">
-            <a:schemeClr val="accent1"/>
-          </a:fillRef>
-          <a:effectRef idx="0">
-            <a:schemeClr val="accent1"/>
-          </a:effectRef>
-          <a:fontRef idx="minor">
-            <a:schemeClr val="tx1"/>
-          </a:fontRef>
-        </p:style>
-      </p:cxnSp>
-      <p:cxnSp>
-        <p:nvCxnSpPr>
-          <p:cNvPr id="58" name="Straight Arrow Connector 57">
-            <a:extLst>
-              <a:ext uri="{FF2B5EF4-FFF2-40B4-BE49-F238E27FC236}">
-                <a16:creationId xmlns:a16="http://schemas.microsoft.com/office/drawing/2014/main" id="{BF7960A7-FD90-8F4C-A0F7-99003ABA771E}"/>
-              </a:ext>
-            </a:extLst>
-          </p:cNvPr>
-          <p:cNvCxnSpPr>
-            <a:cxnSpLocks/>
-          </p:cNvCxnSpPr>
-          <p:nvPr/>
-        </p:nvCxnSpPr>
-        <p:spPr>
-          <a:xfrm rot="10800000">
-            <a:off x="8664533" y="2826326"/>
-            <a:ext cx="456707" cy="0"/>
-          </a:xfrm>
-          <a:prstGeom prst="straightConnector1">
-            <a:avLst/>
-          </a:prstGeom>
-          <a:ln w="38100">
-            <a:solidFill>
-              <a:schemeClr val="tx1"/>
-            </a:solidFill>
-            <a:headEnd type="triangle" w="med" len="med"/>
-            <a:tailEnd type="none" w="med" len="med"/>
-          </a:ln>
-        </p:spPr>
-        <p:style>
-          <a:lnRef idx="1">
-            <a:schemeClr val="accent1"/>
-          </a:lnRef>
-          <a:fillRef idx="0">
-            <a:schemeClr val="accent1"/>
-          </a:fillRef>
-          <a:effectRef idx="0">
-            <a:schemeClr val="accent1"/>
-          </a:effectRef>
-          <a:fontRef idx="minor">
-            <a:schemeClr val="tx1"/>
-          </a:fontRef>
-        </p:style>
-      </p:cxnSp>
-      <p:cxnSp>
-        <p:nvCxnSpPr>
-          <p:cNvPr id="59" name="Straight Arrow Connector 58">
-            <a:extLst>
-              <a:ext uri="{FF2B5EF4-FFF2-40B4-BE49-F238E27FC236}">
-                <a16:creationId xmlns:a16="http://schemas.microsoft.com/office/drawing/2014/main" id="{0D8C4B0C-CDD2-534C-B8F1-A43531E56862}"/>
-              </a:ext>
-            </a:extLst>
-          </p:cNvPr>
-          <p:cNvCxnSpPr>
-            <a:cxnSpLocks/>
-          </p:cNvCxnSpPr>
-          <p:nvPr/>
-        </p:nvCxnSpPr>
-        <p:spPr>
-          <a:xfrm rot="10800000">
-            <a:off x="7208321" y="3311234"/>
-            <a:ext cx="456707" cy="0"/>
-          </a:xfrm>
-          <a:prstGeom prst="straightConnector1">
-            <a:avLst/>
-          </a:prstGeom>
-          <a:ln w="28575">
-            <a:solidFill>
-              <a:schemeClr val="tx1"/>
-            </a:solidFill>
-            <a:headEnd type="none" w="med" len="med"/>
-            <a:tailEnd type="none" w="med" len="med"/>
-          </a:ln>
-        </p:spPr>
-        <p:style>
-          <a:lnRef idx="1">
-            <a:schemeClr val="accent1"/>
-          </a:lnRef>
-          <a:fillRef idx="0">
-            <a:schemeClr val="accent1"/>
-          </a:fillRef>
-          <a:effectRef idx="0">
-            <a:schemeClr val="accent1"/>
-          </a:effectRef>
-          <a:fontRef idx="minor">
-            <a:schemeClr val="tx1"/>
-          </a:fontRef>
-        </p:style>
-      </p:cxnSp>
-      <p:cxnSp>
-        <p:nvCxnSpPr>
-          <p:cNvPr id="60" name="Straight Arrow Connector 59">
-            <a:extLst>
-              <a:ext uri="{FF2B5EF4-FFF2-40B4-BE49-F238E27FC236}">
-                <a16:creationId xmlns:a16="http://schemas.microsoft.com/office/drawing/2014/main" id="{C2BE8C7E-9D98-E64F-88B5-3045F87C9B14}"/>
-              </a:ext>
-            </a:extLst>
-          </p:cNvPr>
-          <p:cNvCxnSpPr>
-            <a:cxnSpLocks/>
-          </p:cNvCxnSpPr>
-          <p:nvPr/>
-        </p:nvCxnSpPr>
-        <p:spPr>
-          <a:xfrm rot="10800000">
-            <a:off x="7208321" y="3182585"/>
-            <a:ext cx="456707" cy="0"/>
-          </a:xfrm>
-          <a:prstGeom prst="straightConnector1">
-            <a:avLst/>
-          </a:prstGeom>
-          <a:ln w="28575">
-            <a:solidFill>
-              <a:schemeClr val="tx1"/>
-            </a:solidFill>
-            <a:headEnd type="none" w="med" len="med"/>
-            <a:tailEnd type="none" w="med" len="med"/>
-          </a:ln>
-        </p:spPr>
-        <p:style>
-          <a:lnRef idx="1">
-            <a:schemeClr val="accent1"/>
-          </a:lnRef>
-          <a:fillRef idx="0">
-            <a:schemeClr val="accent1"/>
-          </a:fillRef>
-          <a:effectRef idx="0">
-            <a:schemeClr val="accent1"/>
-          </a:effectRef>
-          <a:fontRef idx="minor">
-            <a:schemeClr val="tx1"/>
-          </a:fontRef>
-        </p:style>
-      </p:cxnSp>
-      <p:cxnSp>
-        <p:nvCxnSpPr>
-          <p:cNvPr id="61" name="Straight Arrow Connector 60">
-            <a:extLst>
-              <a:ext uri="{FF2B5EF4-FFF2-40B4-BE49-F238E27FC236}">
-                <a16:creationId xmlns:a16="http://schemas.microsoft.com/office/drawing/2014/main" id="{8FA7FDD7-DB87-884F-BA03-27D118E2F60F}"/>
-              </a:ext>
-            </a:extLst>
-          </p:cNvPr>
-          <p:cNvCxnSpPr>
-            <a:cxnSpLocks/>
-          </p:cNvCxnSpPr>
-          <p:nvPr/>
-        </p:nvCxnSpPr>
-        <p:spPr>
-          <a:xfrm rot="10800000">
-            <a:off x="7208322" y="3038102"/>
-            <a:ext cx="456707" cy="0"/>
-          </a:xfrm>
-          <a:prstGeom prst="straightConnector1">
-            <a:avLst/>
-          </a:prstGeom>
-          <a:ln w="28575">
-            <a:solidFill>
-              <a:schemeClr val="tx1"/>
-            </a:solidFill>
-            <a:headEnd type="none" w="med" len="med"/>
-            <a:tailEnd type="none" w="med" len="med"/>
-          </a:ln>
-        </p:spPr>
-        <p:style>
-          <a:lnRef idx="1">
-            <a:schemeClr val="accent1"/>
-          </a:lnRef>
-          <a:fillRef idx="0">
-            <a:schemeClr val="accent1"/>
-          </a:fillRef>
-          <a:effectRef idx="0">
-            <a:schemeClr val="accent1"/>
-          </a:effectRef>
-          <a:fontRef idx="minor">
-            <a:schemeClr val="tx1"/>
-          </a:fontRef>
-        </p:style>
-      </p:cxnSp>
-      <p:cxnSp>
-        <p:nvCxnSpPr>
-          <p:cNvPr id="62" name="Straight Arrow Connector 61">
-            <a:extLst>
-              <a:ext uri="{FF2B5EF4-FFF2-40B4-BE49-F238E27FC236}">
-                <a16:creationId xmlns:a16="http://schemas.microsoft.com/office/drawing/2014/main" id="{E03F486F-9B03-D14E-BFCA-B4D1A5CA5C7C}"/>
-              </a:ext>
-            </a:extLst>
-          </p:cNvPr>
-          <p:cNvCxnSpPr>
-            <a:cxnSpLocks/>
-          </p:cNvCxnSpPr>
-          <p:nvPr/>
-        </p:nvCxnSpPr>
-        <p:spPr>
-          <a:xfrm rot="10800000">
-            <a:off x="7208322" y="2909453"/>
-            <a:ext cx="456707" cy="0"/>
-          </a:xfrm>
-          <a:prstGeom prst="straightConnector1">
-            <a:avLst/>
-          </a:prstGeom>
-          <a:ln w="28575">
-            <a:solidFill>
-              <a:schemeClr val="tx1"/>
-            </a:solidFill>
-            <a:headEnd type="none" w="med" len="med"/>
-            <a:tailEnd type="none" w="med" len="med"/>
-          </a:ln>
-        </p:spPr>
-        <p:style>
-          <a:lnRef idx="1">
-            <a:schemeClr val="accent1"/>
-          </a:lnRef>
-          <a:fillRef idx="0">
-            <a:schemeClr val="accent1"/>
-          </a:fillRef>
-          <a:effectRef idx="0">
-            <a:schemeClr val="accent1"/>
-          </a:effectRef>
-          <a:fontRef idx="minor">
-            <a:schemeClr val="tx1"/>
-          </a:fontRef>
-        </p:style>
-      </p:cxnSp>
-      <p:cxnSp>
-        <p:nvCxnSpPr>
-          <p:cNvPr id="63" name="Straight Arrow Connector 62">
-            <a:extLst>
-              <a:ext uri="{FF2B5EF4-FFF2-40B4-BE49-F238E27FC236}">
-                <a16:creationId xmlns:a16="http://schemas.microsoft.com/office/drawing/2014/main" id="{3180A0F1-0FC8-5346-8032-F3931409F884}"/>
-              </a:ext>
-            </a:extLst>
-          </p:cNvPr>
-          <p:cNvCxnSpPr>
-            <a:cxnSpLocks/>
-          </p:cNvCxnSpPr>
-          <p:nvPr/>
-        </p:nvCxnSpPr>
-        <p:spPr>
-          <a:xfrm rot="10800000">
-            <a:off x="7208322" y="2751115"/>
-            <a:ext cx="456707" cy="0"/>
-          </a:xfrm>
-          <a:prstGeom prst="straightConnector1">
-            <a:avLst/>
-          </a:prstGeom>
-          <a:ln w="28575">
-            <a:solidFill>
-              <a:schemeClr val="tx1"/>
-            </a:solidFill>
-            <a:headEnd type="none" w="med" len="med"/>
-            <a:tailEnd type="none" w="med" len="med"/>
-          </a:ln>
-        </p:spPr>
-        <p:style>
-          <a:lnRef idx="1">
-            <a:schemeClr val="accent1"/>
-          </a:lnRef>
-          <a:fillRef idx="0">
-            <a:schemeClr val="accent1"/>
-          </a:fillRef>
-          <a:effectRef idx="0">
-            <a:schemeClr val="accent1"/>
-          </a:effectRef>
-          <a:fontRef idx="minor">
-            <a:schemeClr val="tx1"/>
-          </a:fontRef>
-        </p:style>
-      </p:cxnSp>
-      <p:cxnSp>
-        <p:nvCxnSpPr>
-          <p:cNvPr id="64" name="Straight Arrow Connector 63">
-            <a:extLst>
-              <a:ext uri="{FF2B5EF4-FFF2-40B4-BE49-F238E27FC236}">
-                <a16:creationId xmlns:a16="http://schemas.microsoft.com/office/drawing/2014/main" id="{F755FFCC-A5A4-7344-9023-1E5D60B358D3}"/>
-              </a:ext>
-            </a:extLst>
-          </p:cNvPr>
-          <p:cNvCxnSpPr>
-            <a:cxnSpLocks/>
-          </p:cNvCxnSpPr>
-          <p:nvPr/>
-        </p:nvCxnSpPr>
-        <p:spPr>
-          <a:xfrm rot="10800000">
-            <a:off x="7208322" y="2622466"/>
-            <a:ext cx="456707" cy="0"/>
-          </a:xfrm>
-          <a:prstGeom prst="straightConnector1">
-            <a:avLst/>
-          </a:prstGeom>
-          <a:ln w="28575">
-            <a:solidFill>
-              <a:schemeClr val="tx1"/>
-            </a:solidFill>
-            <a:headEnd type="none" w="med" len="med"/>
             <a:tailEnd type="none" w="med" len="med"/>
           </a:ln>
         </p:spPr>
@@ -6413,8 +4328,8 @@
         </p:nvSpPr>
         <p:spPr>
           <a:xfrm>
-            <a:off x="353644" y="3069171"/>
-            <a:ext cx="1269835" cy="369332"/>
+            <a:off x="353644" y="3319289"/>
+            <a:ext cx="1439753" cy="369332"/>
           </a:xfrm>
           <a:prstGeom prst="rect">
             <a:avLst/>
@@ -6429,7 +4344,7 @@
           <a:p>
             <a:r>
               <a:rPr lang="en-US" dirty="0"/>
-              <a:t>CPU Tx </a:t>
+              <a:t>CPU 1 Tx </a:t>
             </a:r>
             <a:r>
               <a:rPr lang="en-US" dirty="0" err="1"/>
@@ -6493,8 +4408,8 @@
         </p:nvSpPr>
         <p:spPr>
           <a:xfrm>
-            <a:off x="10710000" y="3069171"/>
-            <a:ext cx="1292790" cy="369332"/>
+            <a:off x="10710000" y="3321064"/>
+            <a:ext cx="1462708" cy="369332"/>
           </a:xfrm>
           <a:prstGeom prst="rect">
             <a:avLst/>
@@ -6509,7 +4424,7 @@
           <a:p>
             <a:r>
               <a:rPr lang="en-US" dirty="0"/>
-              <a:t>CPU Rx </a:t>
+              <a:t>CPU 1 Rx </a:t>
             </a:r>
             <a:r>
               <a:rPr lang="en-US" dirty="0" err="1"/>
@@ -6529,15 +4444,15 @@
             </a:extLst>
           </p:cNvPr>
           <p:cNvCxnSpPr>
+            <a:cxnSpLocks/>
             <a:stCxn id="11" idx="3"/>
-            <a:endCxn id="5" idx="1"/>
           </p:cNvCxnSpPr>
           <p:nvPr/>
         </p:nvCxnSpPr>
         <p:spPr>
           <a:xfrm>
-            <a:off x="1623479" y="3253837"/>
-            <a:ext cx="1859214" cy="1"/>
+            <a:off x="1793397" y="3503955"/>
+            <a:ext cx="1689296" cy="1"/>
           </a:xfrm>
           <a:prstGeom prst="straightConnector1">
             <a:avLst/>
@@ -6666,14 +4581,13 @@
           </p:cNvPr>
           <p:cNvCxnSpPr>
             <a:cxnSpLocks/>
-            <a:stCxn id="9" idx="3"/>
             <a:endCxn id="13" idx="1"/>
           </p:cNvCxnSpPr>
           <p:nvPr/>
         </p:nvCxnSpPr>
         <p:spPr>
           <a:xfrm flipV="1">
-            <a:off x="9039102" y="3253837"/>
+            <a:off x="9039102" y="3505730"/>
             <a:ext cx="1670898" cy="1"/>
           </a:xfrm>
           <a:prstGeom prst="straightConnector1">
@@ -6859,6 +4773,175 @@
             <a:ext cx="1002871" cy="1004721"/>
           </a:xfrm>
           <a:prstGeom prst="bentConnector2">
+            <a:avLst/>
+          </a:prstGeom>
+          <a:ln w="38100">
+            <a:solidFill>
+              <a:schemeClr val="tx1"/>
+            </a:solidFill>
+            <a:tailEnd type="triangle"/>
+          </a:ln>
+        </p:spPr>
+        <p:style>
+          <a:lnRef idx="1">
+            <a:schemeClr val="accent1"/>
+          </a:lnRef>
+          <a:fillRef idx="0">
+            <a:schemeClr val="accent1"/>
+          </a:fillRef>
+          <a:effectRef idx="0">
+            <a:schemeClr val="accent1"/>
+          </a:effectRef>
+          <a:fontRef idx="minor">
+            <a:schemeClr val="tx1"/>
+          </a:fontRef>
+        </p:style>
+      </p:cxnSp>
+      <p:sp>
+        <p:nvSpPr>
+          <p:cNvPr id="38" name="TextBox 37">
+            <a:extLst>
+              <a:ext uri="{FF2B5EF4-FFF2-40B4-BE49-F238E27FC236}">
+                <a16:creationId xmlns:a16="http://schemas.microsoft.com/office/drawing/2014/main" id="{84232531-AA39-4044-B277-90BE6BA25E18}"/>
+              </a:ext>
+            </a:extLst>
+          </p:cNvPr>
+          <p:cNvSpPr txBox="1"/>
+          <p:nvPr/>
+        </p:nvSpPr>
+        <p:spPr>
+          <a:xfrm>
+            <a:off x="353644" y="2817854"/>
+            <a:ext cx="1439753" cy="369332"/>
+          </a:xfrm>
+          <a:prstGeom prst="rect">
+            <a:avLst/>
+          </a:prstGeom>
+          <a:noFill/>
+        </p:spPr>
+        <p:txBody>
+          <a:bodyPr wrap="none" rtlCol="0">
+            <a:spAutoFit/>
+          </a:bodyPr>
+          <a:lstStyle/>
+          <a:p>
+            <a:r>
+              <a:rPr lang="en-US" dirty="0"/>
+              <a:t>CPU 0 Tx </a:t>
+            </a:r>
+            <a:r>
+              <a:rPr lang="en-US" dirty="0" err="1"/>
+              <a:t>Pkts</a:t>
+            </a:r>
+            <a:endParaRPr lang="en-US" dirty="0"/>
+          </a:p>
+        </p:txBody>
+      </p:sp>
+      <p:cxnSp>
+        <p:nvCxnSpPr>
+          <p:cNvPr id="39" name="Straight Arrow Connector 38">
+            <a:extLst>
+              <a:ext uri="{FF2B5EF4-FFF2-40B4-BE49-F238E27FC236}">
+                <a16:creationId xmlns:a16="http://schemas.microsoft.com/office/drawing/2014/main" id="{C18F709D-9270-3F46-9E28-112DAE5576D8}"/>
+              </a:ext>
+            </a:extLst>
+          </p:cNvPr>
+          <p:cNvCxnSpPr>
+            <a:stCxn id="38" idx="3"/>
+          </p:cNvCxnSpPr>
+          <p:nvPr/>
+        </p:nvCxnSpPr>
+        <p:spPr>
+          <a:xfrm>
+            <a:off x="1793397" y="3002520"/>
+            <a:ext cx="1689296" cy="1"/>
+          </a:xfrm>
+          <a:prstGeom prst="straightConnector1">
+            <a:avLst/>
+          </a:prstGeom>
+          <a:ln w="38100">
+            <a:solidFill>
+              <a:schemeClr val="tx1"/>
+            </a:solidFill>
+            <a:tailEnd type="triangle"/>
+          </a:ln>
+        </p:spPr>
+        <p:style>
+          <a:lnRef idx="1">
+            <a:schemeClr val="accent1"/>
+          </a:lnRef>
+          <a:fillRef idx="0">
+            <a:schemeClr val="accent1"/>
+          </a:fillRef>
+          <a:effectRef idx="0">
+            <a:schemeClr val="accent1"/>
+          </a:effectRef>
+          <a:fontRef idx="minor">
+            <a:schemeClr val="tx1"/>
+          </a:fontRef>
+        </p:style>
+      </p:cxnSp>
+      <p:sp>
+        <p:nvSpPr>
+          <p:cNvPr id="40" name="TextBox 39">
+            <a:extLst>
+              <a:ext uri="{FF2B5EF4-FFF2-40B4-BE49-F238E27FC236}">
+                <a16:creationId xmlns:a16="http://schemas.microsoft.com/office/drawing/2014/main" id="{12180749-9FC3-464F-AA32-75C1D491FCE5}"/>
+              </a:ext>
+            </a:extLst>
+          </p:cNvPr>
+          <p:cNvSpPr txBox="1"/>
+          <p:nvPr/>
+        </p:nvSpPr>
+        <p:spPr>
+          <a:xfrm>
+            <a:off x="10710000" y="2819629"/>
+            <a:ext cx="1462708" cy="369332"/>
+          </a:xfrm>
+          <a:prstGeom prst="rect">
+            <a:avLst/>
+          </a:prstGeom>
+          <a:noFill/>
+        </p:spPr>
+        <p:txBody>
+          <a:bodyPr wrap="none" rtlCol="0">
+            <a:spAutoFit/>
+          </a:bodyPr>
+          <a:lstStyle/>
+          <a:p>
+            <a:r>
+              <a:rPr lang="en-US" dirty="0"/>
+              <a:t>CPU 0 Rx </a:t>
+            </a:r>
+            <a:r>
+              <a:rPr lang="en-US" dirty="0" err="1"/>
+              <a:t>Pkts</a:t>
+            </a:r>
+            <a:endParaRPr lang="en-US" dirty="0"/>
+          </a:p>
+        </p:txBody>
+      </p:sp>
+      <p:cxnSp>
+        <p:nvCxnSpPr>
+          <p:cNvPr id="41" name="Straight Arrow Connector 40">
+            <a:extLst>
+              <a:ext uri="{FF2B5EF4-FFF2-40B4-BE49-F238E27FC236}">
+                <a16:creationId xmlns:a16="http://schemas.microsoft.com/office/drawing/2014/main" id="{D34A75DB-8740-5D4E-82D3-A5EACDD44EF9}"/>
+              </a:ext>
+            </a:extLst>
+          </p:cNvPr>
+          <p:cNvCxnSpPr>
+            <a:cxnSpLocks/>
+            <a:endCxn id="40" idx="1"/>
+          </p:cNvCxnSpPr>
+          <p:nvPr/>
+        </p:nvCxnSpPr>
+        <p:spPr>
+          <a:xfrm flipV="1">
+            <a:off x="9039102" y="3004295"/>
+            <a:ext cx="1670898" cy="2"/>
+          </a:xfrm>
+          <a:prstGeom prst="straightConnector1">
             <a:avLst/>
           </a:prstGeom>
           <a:ln w="38100">
@@ -8347,6 +6430,7401 @@
     <p:extLst>
       <p:ext uri="{BB962C8B-B14F-4D97-AF65-F5344CB8AC3E}">
         <p14:creationId xmlns:p14="http://schemas.microsoft.com/office/powerpoint/2010/main" val="2275834498"/>
+      </p:ext>
+    </p:extLst>
+  </p:cSld>
+  <p:clrMapOvr>
+    <a:masterClrMapping/>
+  </p:clrMapOvr>
+</p:sld>
+</file>
+
+<file path=ppt/slides/slide4.xml><?xml version="1.0" encoding="utf-8"?>
+<p:sld xmlns:a="http://schemas.openxmlformats.org/drawingml/2006/main" xmlns:r="http://schemas.openxmlformats.org/officeDocument/2006/relationships" xmlns:p="http://schemas.openxmlformats.org/presentationml/2006/main">
+  <p:cSld>
+    <p:spTree>
+      <p:nvGrpSpPr>
+        <p:cNvPr id="1" name=""/>
+        <p:cNvGrpSpPr/>
+        <p:nvPr/>
+      </p:nvGrpSpPr>
+      <p:grpSpPr>
+        <a:xfrm>
+          <a:off x="0" y="0"/>
+          <a:ext cx="0" cy="0"/>
+          <a:chOff x="0" y="0"/>
+          <a:chExt cx="0" cy="0"/>
+        </a:xfrm>
+      </p:grpSpPr>
+      <p:cxnSp>
+        <p:nvCxnSpPr>
+          <p:cNvPr id="4" name="Straight Connector 3">
+            <a:extLst>
+              <a:ext uri="{FF2B5EF4-FFF2-40B4-BE49-F238E27FC236}">
+                <a16:creationId xmlns:a16="http://schemas.microsoft.com/office/drawing/2014/main" id="{670C714C-56DA-AE4A-87D6-C56FD43255BB}"/>
+              </a:ext>
+            </a:extLst>
+          </p:cNvPr>
+          <p:cNvCxnSpPr>
+            <a:cxnSpLocks/>
+          </p:cNvCxnSpPr>
+          <p:nvPr/>
+        </p:nvCxnSpPr>
+        <p:spPr>
+          <a:xfrm flipH="1">
+            <a:off x="7389067" y="1885988"/>
+            <a:ext cx="6148" cy="3753708"/>
+          </a:xfrm>
+          <a:prstGeom prst="line">
+            <a:avLst/>
+          </a:prstGeom>
+          <a:ln w="76200">
+            <a:solidFill>
+              <a:schemeClr val="accent1">
+                <a:lumMod val="40000"/>
+                <a:lumOff val="60000"/>
+              </a:schemeClr>
+            </a:solidFill>
+            <a:prstDash val="sysDot"/>
+          </a:ln>
+        </p:spPr>
+        <p:style>
+          <a:lnRef idx="1">
+            <a:schemeClr val="accent1"/>
+          </a:lnRef>
+          <a:fillRef idx="0">
+            <a:schemeClr val="accent1"/>
+          </a:fillRef>
+          <a:effectRef idx="0">
+            <a:schemeClr val="accent1"/>
+          </a:effectRef>
+          <a:fontRef idx="minor">
+            <a:schemeClr val="tx1"/>
+          </a:fontRef>
+        </p:style>
+      </p:cxnSp>
+      <p:sp>
+        <p:nvSpPr>
+          <p:cNvPr id="5" name="TextBox 4">
+            <a:extLst>
+              <a:ext uri="{FF2B5EF4-FFF2-40B4-BE49-F238E27FC236}">
+                <a16:creationId xmlns:a16="http://schemas.microsoft.com/office/drawing/2014/main" id="{CFA43281-FABA-4742-8467-429C74453073}"/>
+              </a:ext>
+            </a:extLst>
+          </p:cNvPr>
+          <p:cNvSpPr txBox="1"/>
+          <p:nvPr/>
+        </p:nvSpPr>
+        <p:spPr>
+          <a:xfrm>
+            <a:off x="927158" y="4826888"/>
+            <a:ext cx="1269835" cy="369332"/>
+          </a:xfrm>
+          <a:prstGeom prst="rect">
+            <a:avLst/>
+          </a:prstGeom>
+          <a:noFill/>
+        </p:spPr>
+        <p:txBody>
+          <a:bodyPr wrap="none" rtlCol="0">
+            <a:spAutoFit/>
+          </a:bodyPr>
+          <a:lstStyle/>
+          <a:p>
+            <a:r>
+              <a:rPr lang="en-US" dirty="0"/>
+              <a:t>CPU Tx </a:t>
+            </a:r>
+            <a:r>
+              <a:rPr lang="en-US" dirty="0" err="1"/>
+              <a:t>Pkts</a:t>
+            </a:r>
+            <a:endParaRPr lang="en-US" dirty="0"/>
+          </a:p>
+        </p:txBody>
+      </p:sp>
+      <p:sp>
+        <p:nvSpPr>
+          <p:cNvPr id="6" name="TextBox 5">
+            <a:extLst>
+              <a:ext uri="{FF2B5EF4-FFF2-40B4-BE49-F238E27FC236}">
+                <a16:creationId xmlns:a16="http://schemas.microsoft.com/office/drawing/2014/main" id="{C640D83C-93FB-3142-9135-B2644A915CFA}"/>
+              </a:ext>
+            </a:extLst>
+          </p:cNvPr>
+          <p:cNvSpPr txBox="1"/>
+          <p:nvPr/>
+        </p:nvSpPr>
+        <p:spPr>
+          <a:xfrm>
+            <a:off x="976685" y="2842366"/>
+            <a:ext cx="1292790" cy="369332"/>
+          </a:xfrm>
+          <a:prstGeom prst="rect">
+            <a:avLst/>
+          </a:prstGeom>
+          <a:noFill/>
+        </p:spPr>
+        <p:txBody>
+          <a:bodyPr wrap="none" rtlCol="0">
+            <a:spAutoFit/>
+          </a:bodyPr>
+          <a:lstStyle/>
+          <a:p>
+            <a:r>
+              <a:rPr lang="en-US" dirty="0"/>
+              <a:t>CPU Rx </a:t>
+            </a:r>
+            <a:r>
+              <a:rPr lang="en-US" dirty="0" err="1"/>
+              <a:t>Pkts</a:t>
+            </a:r>
+            <a:endParaRPr lang="en-US" dirty="0"/>
+          </a:p>
+        </p:txBody>
+      </p:sp>
+      <p:sp>
+        <p:nvSpPr>
+          <p:cNvPr id="7" name="Rectangle 6">
+            <a:extLst>
+              <a:ext uri="{FF2B5EF4-FFF2-40B4-BE49-F238E27FC236}">
+                <a16:creationId xmlns:a16="http://schemas.microsoft.com/office/drawing/2014/main" id="{05969AA2-34DE-0E4D-AE68-5150598F6461}"/>
+              </a:ext>
+            </a:extLst>
+          </p:cNvPr>
+          <p:cNvSpPr/>
+          <p:nvPr/>
+        </p:nvSpPr>
+        <p:spPr>
+          <a:xfrm>
+            <a:off x="8532421" y="2255319"/>
+            <a:ext cx="2200893" cy="3384377"/>
+          </a:xfrm>
+          <a:prstGeom prst="rect">
+            <a:avLst/>
+          </a:prstGeom>
+          <a:solidFill>
+            <a:schemeClr val="bg2">
+              <a:lumMod val="90000"/>
+            </a:schemeClr>
+          </a:solidFill>
+          <a:ln>
+            <a:solidFill>
+              <a:schemeClr val="tx1"/>
+            </a:solidFill>
+          </a:ln>
+        </p:spPr>
+        <p:style>
+          <a:lnRef idx="2">
+            <a:schemeClr val="accent1">
+              <a:shade val="50000"/>
+            </a:schemeClr>
+          </a:lnRef>
+          <a:fillRef idx="1">
+            <a:schemeClr val="accent1"/>
+          </a:fillRef>
+          <a:effectRef idx="0">
+            <a:schemeClr val="accent1"/>
+          </a:effectRef>
+          <a:fontRef idx="minor">
+            <a:schemeClr val="lt1"/>
+          </a:fontRef>
+        </p:style>
+        <p:txBody>
+          <a:bodyPr rtlCol="0" anchor="ctr"/>
+          <a:lstStyle/>
+          <a:p>
+            <a:pPr algn="ctr"/>
+            <a:endParaRPr lang="en-US" dirty="0">
+              <a:solidFill>
+                <a:schemeClr val="tx1"/>
+              </a:solidFill>
+            </a:endParaRPr>
+          </a:p>
+        </p:txBody>
+      </p:sp>
+      <p:sp>
+        <p:nvSpPr>
+          <p:cNvPr id="8" name="Rectangle 7">
+            <a:extLst>
+              <a:ext uri="{FF2B5EF4-FFF2-40B4-BE49-F238E27FC236}">
+                <a16:creationId xmlns:a16="http://schemas.microsoft.com/office/drawing/2014/main" id="{291E897C-90F1-0746-9463-A63A18434FF6}"/>
+              </a:ext>
+            </a:extLst>
+          </p:cNvPr>
+          <p:cNvSpPr/>
+          <p:nvPr/>
+        </p:nvSpPr>
+        <p:spPr>
+          <a:xfrm>
+            <a:off x="3471160" y="1985498"/>
+            <a:ext cx="2983080" cy="2083068"/>
+          </a:xfrm>
+          <a:prstGeom prst="rect">
+            <a:avLst/>
+          </a:prstGeom>
+          <a:noFill/>
+          <a:ln w="19050">
+            <a:solidFill>
+              <a:schemeClr val="tx1"/>
+            </a:solidFill>
+          </a:ln>
+        </p:spPr>
+        <p:style>
+          <a:lnRef idx="2">
+            <a:schemeClr val="accent1">
+              <a:shade val="50000"/>
+            </a:schemeClr>
+          </a:lnRef>
+          <a:fillRef idx="1">
+            <a:schemeClr val="accent1"/>
+          </a:fillRef>
+          <a:effectRef idx="0">
+            <a:schemeClr val="accent1"/>
+          </a:effectRef>
+          <a:fontRef idx="minor">
+            <a:schemeClr val="lt1"/>
+          </a:fontRef>
+        </p:style>
+        <p:txBody>
+          <a:bodyPr rtlCol="0" anchor="ctr"/>
+          <a:lstStyle/>
+          <a:p>
+            <a:pPr algn="ctr"/>
+            <a:endParaRPr lang="en-US" dirty="0">
+              <a:solidFill>
+                <a:schemeClr val="tx1"/>
+              </a:solidFill>
+            </a:endParaRPr>
+          </a:p>
+        </p:txBody>
+      </p:sp>
+      <p:sp>
+        <p:nvSpPr>
+          <p:cNvPr id="9" name="Rectangle 8">
+            <a:extLst>
+              <a:ext uri="{FF2B5EF4-FFF2-40B4-BE49-F238E27FC236}">
+                <a16:creationId xmlns:a16="http://schemas.microsoft.com/office/drawing/2014/main" id="{9277A956-D371-C64F-AFCC-12C72DB20309}"/>
+              </a:ext>
+            </a:extLst>
+          </p:cNvPr>
+          <p:cNvSpPr/>
+          <p:nvPr/>
+        </p:nvSpPr>
+        <p:spPr>
+          <a:xfrm>
+            <a:off x="3466448" y="4511800"/>
+            <a:ext cx="2983079" cy="1127896"/>
+          </a:xfrm>
+          <a:prstGeom prst="rect">
+            <a:avLst/>
+          </a:prstGeom>
+          <a:solidFill>
+            <a:schemeClr val="bg2">
+              <a:lumMod val="90000"/>
+            </a:schemeClr>
+          </a:solidFill>
+          <a:ln>
+            <a:solidFill>
+              <a:schemeClr val="tx1"/>
+            </a:solidFill>
+          </a:ln>
+        </p:spPr>
+        <p:style>
+          <a:lnRef idx="2">
+            <a:schemeClr val="accent1">
+              <a:shade val="50000"/>
+            </a:schemeClr>
+          </a:lnRef>
+          <a:fillRef idx="1">
+            <a:schemeClr val="accent1"/>
+          </a:fillRef>
+          <a:effectRef idx="0">
+            <a:schemeClr val="accent1"/>
+          </a:effectRef>
+          <a:fontRef idx="minor">
+            <a:schemeClr val="lt1"/>
+          </a:fontRef>
+        </p:style>
+        <p:txBody>
+          <a:bodyPr rtlCol="0" anchor="ctr"/>
+          <a:lstStyle/>
+          <a:p>
+            <a:pPr algn="ctr"/>
+            <a:r>
+              <a:rPr lang="en-US" dirty="0">
+                <a:solidFill>
+                  <a:schemeClr val="tx1"/>
+                </a:solidFill>
+              </a:rPr>
+              <a:t> Message Packetization</a:t>
+            </a:r>
+          </a:p>
+          <a:p>
+            <a:pPr algn="ctr"/>
+            <a:r>
+              <a:rPr lang="en-US" dirty="0">
+                <a:solidFill>
+                  <a:schemeClr val="tx1"/>
+                </a:solidFill>
+              </a:rPr>
+              <a:t>&amp; Per-Context Queues</a:t>
+            </a:r>
+          </a:p>
+        </p:txBody>
+      </p:sp>
+      <p:sp>
+        <p:nvSpPr>
+          <p:cNvPr id="16" name="TextBox 15">
+            <a:extLst>
+              <a:ext uri="{FF2B5EF4-FFF2-40B4-BE49-F238E27FC236}">
+                <a16:creationId xmlns:a16="http://schemas.microsoft.com/office/drawing/2014/main" id="{7F1507DA-7E86-8447-8280-749FBDA82852}"/>
+              </a:ext>
+            </a:extLst>
+          </p:cNvPr>
+          <p:cNvSpPr txBox="1"/>
+          <p:nvPr/>
+        </p:nvSpPr>
+        <p:spPr>
+          <a:xfrm>
+            <a:off x="6879145" y="2311817"/>
+            <a:ext cx="1046633" cy="369332"/>
+          </a:xfrm>
+          <a:prstGeom prst="rect">
+            <a:avLst/>
+          </a:prstGeom>
+          <a:noFill/>
+        </p:spPr>
+        <p:txBody>
+          <a:bodyPr wrap="none" rtlCol="0">
+            <a:spAutoFit/>
+          </a:bodyPr>
+          <a:lstStyle/>
+          <a:p>
+            <a:r>
+              <a:rPr lang="en-US" dirty="0"/>
+              <a:t>CDC FIFO</a:t>
+            </a:r>
+          </a:p>
+        </p:txBody>
+      </p:sp>
+      <p:grpSp>
+        <p:nvGrpSpPr>
+          <p:cNvPr id="17" name="Group 16">
+            <a:extLst>
+              <a:ext uri="{FF2B5EF4-FFF2-40B4-BE49-F238E27FC236}">
+                <a16:creationId xmlns:a16="http://schemas.microsoft.com/office/drawing/2014/main" id="{4266B448-5F2C-334E-BCDC-14747AA70F27}"/>
+              </a:ext>
+            </a:extLst>
+          </p:cNvPr>
+          <p:cNvGrpSpPr/>
+          <p:nvPr/>
+        </p:nvGrpSpPr>
+        <p:grpSpPr>
+          <a:xfrm rot="10800000">
+            <a:off x="6989717" y="4971341"/>
+            <a:ext cx="880175" cy="201880"/>
+            <a:chOff x="6274340" y="5985164"/>
+            <a:chExt cx="1195239" cy="201880"/>
+          </a:xfrm>
+        </p:grpSpPr>
+        <p:sp>
+          <p:nvSpPr>
+            <p:cNvPr id="18" name="Rectangle 17">
+              <a:extLst>
+                <a:ext uri="{FF2B5EF4-FFF2-40B4-BE49-F238E27FC236}">
+                  <a16:creationId xmlns:a16="http://schemas.microsoft.com/office/drawing/2014/main" id="{F8DA2FB9-F702-CE4C-9B8E-3975D706A2FF}"/>
+                </a:ext>
+              </a:extLst>
+            </p:cNvPr>
+            <p:cNvSpPr/>
+            <p:nvPr/>
+          </p:nvSpPr>
+          <p:spPr>
+            <a:xfrm>
+              <a:off x="7160821" y="5985164"/>
+              <a:ext cx="308758" cy="201880"/>
+            </a:xfrm>
+            <a:prstGeom prst="rect">
+              <a:avLst/>
+            </a:prstGeom>
+            <a:noFill/>
+            <a:ln w="19050">
+              <a:solidFill>
+                <a:schemeClr val="tx1"/>
+              </a:solidFill>
+            </a:ln>
+          </p:spPr>
+          <p:style>
+            <a:lnRef idx="2">
+              <a:schemeClr val="accent1">
+                <a:shade val="50000"/>
+              </a:schemeClr>
+            </a:lnRef>
+            <a:fillRef idx="1">
+              <a:schemeClr val="accent1"/>
+            </a:fillRef>
+            <a:effectRef idx="0">
+              <a:schemeClr val="accent1"/>
+            </a:effectRef>
+            <a:fontRef idx="minor">
+              <a:schemeClr val="lt1"/>
+            </a:fontRef>
+          </p:style>
+          <p:txBody>
+            <a:bodyPr rtlCol="0" anchor="ctr"/>
+            <a:lstStyle/>
+            <a:p>
+              <a:pPr algn="ctr"/>
+              <a:endParaRPr lang="en-US"/>
+            </a:p>
+          </p:txBody>
+        </p:sp>
+        <p:sp>
+          <p:nvSpPr>
+            <p:cNvPr id="19" name="Rectangle 18">
+              <a:extLst>
+                <a:ext uri="{FF2B5EF4-FFF2-40B4-BE49-F238E27FC236}">
+                  <a16:creationId xmlns:a16="http://schemas.microsoft.com/office/drawing/2014/main" id="{FB9A4F03-62F5-CB46-9CB5-DCD5E25CEB38}"/>
+                </a:ext>
+              </a:extLst>
+            </p:cNvPr>
+            <p:cNvSpPr/>
+            <p:nvPr/>
+          </p:nvSpPr>
+          <p:spPr>
+            <a:xfrm>
+              <a:off x="6852063" y="5985164"/>
+              <a:ext cx="308758" cy="201880"/>
+            </a:xfrm>
+            <a:prstGeom prst="rect">
+              <a:avLst/>
+            </a:prstGeom>
+            <a:noFill/>
+            <a:ln w="19050">
+              <a:solidFill>
+                <a:schemeClr val="tx1"/>
+              </a:solidFill>
+            </a:ln>
+          </p:spPr>
+          <p:style>
+            <a:lnRef idx="2">
+              <a:schemeClr val="accent1">
+                <a:shade val="50000"/>
+              </a:schemeClr>
+            </a:lnRef>
+            <a:fillRef idx="1">
+              <a:schemeClr val="accent1"/>
+            </a:fillRef>
+            <a:effectRef idx="0">
+              <a:schemeClr val="accent1"/>
+            </a:effectRef>
+            <a:fontRef idx="minor">
+              <a:schemeClr val="lt1"/>
+            </a:fontRef>
+          </p:style>
+          <p:txBody>
+            <a:bodyPr rtlCol="0" anchor="ctr"/>
+            <a:lstStyle/>
+            <a:p>
+              <a:pPr algn="ctr"/>
+              <a:endParaRPr lang="en-US"/>
+            </a:p>
+          </p:txBody>
+        </p:sp>
+        <p:sp>
+          <p:nvSpPr>
+            <p:cNvPr id="20" name="Rectangle 19">
+              <a:extLst>
+                <a:ext uri="{FF2B5EF4-FFF2-40B4-BE49-F238E27FC236}">
+                  <a16:creationId xmlns:a16="http://schemas.microsoft.com/office/drawing/2014/main" id="{C2AC83C4-4EBA-BD49-A81F-CDDD9390D01B}"/>
+                </a:ext>
+              </a:extLst>
+            </p:cNvPr>
+            <p:cNvSpPr/>
+            <p:nvPr/>
+          </p:nvSpPr>
+          <p:spPr>
+            <a:xfrm>
+              <a:off x="6543305" y="5985164"/>
+              <a:ext cx="308758" cy="201880"/>
+            </a:xfrm>
+            <a:prstGeom prst="rect">
+              <a:avLst/>
+            </a:prstGeom>
+            <a:noFill/>
+            <a:ln w="19050">
+              <a:solidFill>
+                <a:schemeClr val="tx1"/>
+              </a:solidFill>
+            </a:ln>
+          </p:spPr>
+          <p:style>
+            <a:lnRef idx="2">
+              <a:schemeClr val="accent1">
+                <a:shade val="50000"/>
+              </a:schemeClr>
+            </a:lnRef>
+            <a:fillRef idx="1">
+              <a:schemeClr val="accent1"/>
+            </a:fillRef>
+            <a:effectRef idx="0">
+              <a:schemeClr val="accent1"/>
+            </a:effectRef>
+            <a:fontRef idx="minor">
+              <a:schemeClr val="lt1"/>
+            </a:fontRef>
+          </p:style>
+          <p:txBody>
+            <a:bodyPr rtlCol="0" anchor="ctr"/>
+            <a:lstStyle/>
+            <a:p>
+              <a:pPr algn="ctr"/>
+              <a:endParaRPr lang="en-US"/>
+            </a:p>
+          </p:txBody>
+        </p:sp>
+        <p:cxnSp>
+          <p:nvCxnSpPr>
+            <p:cNvPr id="21" name="Straight Connector 20">
+              <a:extLst>
+                <a:ext uri="{FF2B5EF4-FFF2-40B4-BE49-F238E27FC236}">
+                  <a16:creationId xmlns:a16="http://schemas.microsoft.com/office/drawing/2014/main" id="{BE5E48AE-6A28-3D45-8762-6A32A70CA039}"/>
+                </a:ext>
+              </a:extLst>
+            </p:cNvPr>
+            <p:cNvCxnSpPr>
+              <a:cxnSpLocks/>
+            </p:cNvCxnSpPr>
+            <p:nvPr/>
+          </p:nvCxnSpPr>
+          <p:spPr>
+            <a:xfrm>
+              <a:off x="6274340" y="5985164"/>
+              <a:ext cx="268965" cy="0"/>
+            </a:xfrm>
+            <a:prstGeom prst="line">
+              <a:avLst/>
+            </a:prstGeom>
+            <a:ln w="19050">
+              <a:solidFill>
+                <a:schemeClr val="tx1"/>
+              </a:solidFill>
+            </a:ln>
+          </p:spPr>
+          <p:style>
+            <a:lnRef idx="1">
+              <a:schemeClr val="accent1"/>
+            </a:lnRef>
+            <a:fillRef idx="0">
+              <a:schemeClr val="accent1"/>
+            </a:fillRef>
+            <a:effectRef idx="0">
+              <a:schemeClr val="accent1"/>
+            </a:effectRef>
+            <a:fontRef idx="minor">
+              <a:schemeClr val="tx1"/>
+            </a:fontRef>
+          </p:style>
+        </p:cxnSp>
+        <p:cxnSp>
+          <p:nvCxnSpPr>
+            <p:cNvPr id="22" name="Straight Connector 21">
+              <a:extLst>
+                <a:ext uri="{FF2B5EF4-FFF2-40B4-BE49-F238E27FC236}">
+                  <a16:creationId xmlns:a16="http://schemas.microsoft.com/office/drawing/2014/main" id="{C2F659C2-3056-2646-A77E-5387C43519DF}"/>
+                </a:ext>
+              </a:extLst>
+            </p:cNvPr>
+            <p:cNvCxnSpPr>
+              <a:cxnSpLocks/>
+            </p:cNvCxnSpPr>
+            <p:nvPr/>
+          </p:nvCxnSpPr>
+          <p:spPr>
+            <a:xfrm>
+              <a:off x="6274340" y="6187044"/>
+              <a:ext cx="268965" cy="0"/>
+            </a:xfrm>
+            <a:prstGeom prst="line">
+              <a:avLst/>
+            </a:prstGeom>
+            <a:ln w="19050">
+              <a:solidFill>
+                <a:schemeClr val="tx1"/>
+              </a:solidFill>
+            </a:ln>
+          </p:spPr>
+          <p:style>
+            <a:lnRef idx="1">
+              <a:schemeClr val="accent1"/>
+            </a:lnRef>
+            <a:fillRef idx="0">
+              <a:schemeClr val="accent1"/>
+            </a:fillRef>
+            <a:effectRef idx="0">
+              <a:schemeClr val="accent1"/>
+            </a:effectRef>
+            <a:fontRef idx="minor">
+              <a:schemeClr val="tx1"/>
+            </a:fontRef>
+          </p:style>
+        </p:cxnSp>
+      </p:grpSp>
+      <p:sp>
+        <p:nvSpPr>
+          <p:cNvPr id="23" name="TextBox 22">
+            <a:extLst>
+              <a:ext uri="{FF2B5EF4-FFF2-40B4-BE49-F238E27FC236}">
+                <a16:creationId xmlns:a16="http://schemas.microsoft.com/office/drawing/2014/main" id="{442ADE67-631C-6D47-AAEE-82E0866D6052}"/>
+              </a:ext>
+            </a:extLst>
+          </p:cNvPr>
+          <p:cNvSpPr txBox="1"/>
+          <p:nvPr/>
+        </p:nvSpPr>
+        <p:spPr>
+          <a:xfrm>
+            <a:off x="6891836" y="4602008"/>
+            <a:ext cx="1046633" cy="369332"/>
+          </a:xfrm>
+          <a:prstGeom prst="rect">
+            <a:avLst/>
+          </a:prstGeom>
+          <a:noFill/>
+        </p:spPr>
+        <p:txBody>
+          <a:bodyPr wrap="none" rtlCol="0">
+            <a:spAutoFit/>
+          </a:bodyPr>
+          <a:lstStyle/>
+          <a:p>
+            <a:r>
+              <a:rPr lang="en-US" dirty="0"/>
+              <a:t>CDC FIFO</a:t>
+            </a:r>
+          </a:p>
+        </p:txBody>
+      </p:sp>
+      <p:cxnSp>
+        <p:nvCxnSpPr>
+          <p:cNvPr id="24" name="Straight Arrow Connector 23">
+            <a:extLst>
+              <a:ext uri="{FF2B5EF4-FFF2-40B4-BE49-F238E27FC236}">
+                <a16:creationId xmlns:a16="http://schemas.microsoft.com/office/drawing/2014/main" id="{8730A64B-0821-2847-B569-2490A5B34BA2}"/>
+              </a:ext>
+            </a:extLst>
+          </p:cNvPr>
+          <p:cNvCxnSpPr>
+            <a:cxnSpLocks/>
+          </p:cNvCxnSpPr>
+          <p:nvPr/>
+        </p:nvCxnSpPr>
+        <p:spPr>
+          <a:xfrm>
+            <a:off x="6145261" y="3107034"/>
+            <a:ext cx="2387160" cy="0"/>
+          </a:xfrm>
+          <a:prstGeom prst="straightConnector1">
+            <a:avLst/>
+          </a:prstGeom>
+          <a:ln w="38100">
+            <a:solidFill>
+              <a:srgbClr val="C00000"/>
+            </a:solidFill>
+            <a:prstDash val="dash"/>
+            <a:tailEnd type="triangle"/>
+          </a:ln>
+        </p:spPr>
+        <p:style>
+          <a:lnRef idx="1">
+            <a:schemeClr val="accent1"/>
+          </a:lnRef>
+          <a:fillRef idx="0">
+            <a:schemeClr val="accent1"/>
+          </a:fillRef>
+          <a:effectRef idx="0">
+            <a:schemeClr val="accent1"/>
+          </a:effectRef>
+          <a:fontRef idx="minor">
+            <a:schemeClr val="tx1"/>
+          </a:fontRef>
+        </p:style>
+      </p:cxnSp>
+      <p:sp>
+        <p:nvSpPr>
+          <p:cNvPr id="25" name="TextBox 24">
+            <a:extLst>
+              <a:ext uri="{FF2B5EF4-FFF2-40B4-BE49-F238E27FC236}">
+                <a16:creationId xmlns:a16="http://schemas.microsoft.com/office/drawing/2014/main" id="{B3A48708-F7B0-174D-8164-5870D7110CFA}"/>
+              </a:ext>
+            </a:extLst>
+          </p:cNvPr>
+          <p:cNvSpPr txBox="1"/>
+          <p:nvPr/>
+        </p:nvSpPr>
+        <p:spPr>
+          <a:xfrm>
+            <a:off x="6893957" y="3077600"/>
+            <a:ext cx="1031821" cy="369332"/>
+          </a:xfrm>
+          <a:prstGeom prst="rect">
+            <a:avLst/>
+          </a:prstGeom>
+          <a:noFill/>
+        </p:spPr>
+        <p:txBody>
+          <a:bodyPr wrap="none" rtlCol="0">
+            <a:spAutoFit/>
+          </a:bodyPr>
+          <a:lstStyle/>
+          <a:p>
+            <a:r>
+              <a:rPr lang="en-US" dirty="0">
+                <a:solidFill>
+                  <a:srgbClr val="C00000"/>
+                </a:solidFill>
+              </a:rPr>
+              <a:t>Interrupt</a:t>
+            </a:r>
+          </a:p>
+        </p:txBody>
+      </p:sp>
+      <p:cxnSp>
+        <p:nvCxnSpPr>
+          <p:cNvPr id="26" name="Straight Arrow Connector 25">
+            <a:extLst>
+              <a:ext uri="{FF2B5EF4-FFF2-40B4-BE49-F238E27FC236}">
+                <a16:creationId xmlns:a16="http://schemas.microsoft.com/office/drawing/2014/main" id="{0A661BD5-87A9-4B40-8ED6-D7D62026DCA0}"/>
+              </a:ext>
+            </a:extLst>
+          </p:cNvPr>
+          <p:cNvCxnSpPr>
+            <a:cxnSpLocks/>
+            <a:stCxn id="6" idx="3"/>
+            <a:endCxn id="8" idx="1"/>
+          </p:cNvCxnSpPr>
+          <p:nvPr/>
+        </p:nvCxnSpPr>
+        <p:spPr>
+          <a:xfrm>
+            <a:off x="2269475" y="3027032"/>
+            <a:ext cx="1201685" cy="0"/>
+          </a:xfrm>
+          <a:prstGeom prst="straightConnector1">
+            <a:avLst/>
+          </a:prstGeom>
+          <a:ln w="38100">
+            <a:solidFill>
+              <a:schemeClr val="tx1"/>
+            </a:solidFill>
+            <a:tailEnd type="triangle"/>
+          </a:ln>
+        </p:spPr>
+        <p:style>
+          <a:lnRef idx="1">
+            <a:schemeClr val="accent1"/>
+          </a:lnRef>
+          <a:fillRef idx="0">
+            <a:schemeClr val="accent1"/>
+          </a:fillRef>
+          <a:effectRef idx="0">
+            <a:schemeClr val="accent1"/>
+          </a:effectRef>
+          <a:fontRef idx="minor">
+            <a:schemeClr val="tx1"/>
+          </a:fontRef>
+        </p:style>
+      </p:cxnSp>
+      <p:cxnSp>
+        <p:nvCxnSpPr>
+          <p:cNvPr id="27" name="Straight Arrow Connector 26">
+            <a:extLst>
+              <a:ext uri="{FF2B5EF4-FFF2-40B4-BE49-F238E27FC236}">
+                <a16:creationId xmlns:a16="http://schemas.microsoft.com/office/drawing/2014/main" id="{125D3517-5E09-3D44-AAD8-3C112CA3FD7C}"/>
+              </a:ext>
+            </a:extLst>
+          </p:cNvPr>
+          <p:cNvCxnSpPr>
+            <a:cxnSpLocks/>
+          </p:cNvCxnSpPr>
+          <p:nvPr/>
+        </p:nvCxnSpPr>
+        <p:spPr>
+          <a:xfrm>
+            <a:off x="6482624" y="2773498"/>
+            <a:ext cx="457493" cy="0"/>
+          </a:xfrm>
+          <a:prstGeom prst="straightConnector1">
+            <a:avLst/>
+          </a:prstGeom>
+          <a:ln w="38100">
+            <a:solidFill>
+              <a:schemeClr val="tx1"/>
+            </a:solidFill>
+            <a:tailEnd type="triangle"/>
+          </a:ln>
+        </p:spPr>
+        <p:style>
+          <a:lnRef idx="1">
+            <a:schemeClr val="accent1"/>
+          </a:lnRef>
+          <a:fillRef idx="0">
+            <a:schemeClr val="accent1"/>
+          </a:fillRef>
+          <a:effectRef idx="0">
+            <a:schemeClr val="accent1"/>
+          </a:effectRef>
+          <a:fontRef idx="minor">
+            <a:schemeClr val="tx1"/>
+          </a:fontRef>
+        </p:style>
+      </p:cxnSp>
+      <p:cxnSp>
+        <p:nvCxnSpPr>
+          <p:cNvPr id="28" name="Straight Arrow Connector 27">
+            <a:extLst>
+              <a:ext uri="{FF2B5EF4-FFF2-40B4-BE49-F238E27FC236}">
+                <a16:creationId xmlns:a16="http://schemas.microsoft.com/office/drawing/2014/main" id="{1C47068D-95B2-C742-ABBB-93C38475FF1F}"/>
+              </a:ext>
+            </a:extLst>
+          </p:cNvPr>
+          <p:cNvCxnSpPr>
+            <a:cxnSpLocks/>
+            <a:stCxn id="11" idx="3"/>
+          </p:cNvCxnSpPr>
+          <p:nvPr/>
+        </p:nvCxnSpPr>
+        <p:spPr>
+          <a:xfrm>
+            <a:off x="7849954" y="2767137"/>
+            <a:ext cx="682467" cy="0"/>
+          </a:xfrm>
+          <a:prstGeom prst="straightConnector1">
+            <a:avLst/>
+          </a:prstGeom>
+          <a:ln w="38100">
+            <a:solidFill>
+              <a:schemeClr val="tx1"/>
+            </a:solidFill>
+            <a:tailEnd type="triangle"/>
+          </a:ln>
+        </p:spPr>
+        <p:style>
+          <a:lnRef idx="1">
+            <a:schemeClr val="accent1"/>
+          </a:lnRef>
+          <a:fillRef idx="0">
+            <a:schemeClr val="accent1"/>
+          </a:fillRef>
+          <a:effectRef idx="0">
+            <a:schemeClr val="accent1"/>
+          </a:effectRef>
+          <a:fontRef idx="minor">
+            <a:schemeClr val="tx1"/>
+          </a:fontRef>
+        </p:style>
+      </p:cxnSp>
+      <p:cxnSp>
+        <p:nvCxnSpPr>
+          <p:cNvPr id="29" name="Straight Arrow Connector 28">
+            <a:extLst>
+              <a:ext uri="{FF2B5EF4-FFF2-40B4-BE49-F238E27FC236}">
+                <a16:creationId xmlns:a16="http://schemas.microsoft.com/office/drawing/2014/main" id="{856B7D31-8E1A-DA41-B32A-A07B4ABF6BDC}"/>
+              </a:ext>
+            </a:extLst>
+          </p:cNvPr>
+          <p:cNvCxnSpPr>
+            <a:cxnSpLocks/>
+          </p:cNvCxnSpPr>
+          <p:nvPr/>
+        </p:nvCxnSpPr>
+        <p:spPr>
+          <a:xfrm flipH="1">
+            <a:off x="7862271" y="5072279"/>
+            <a:ext cx="668028" cy="2"/>
+          </a:xfrm>
+          <a:prstGeom prst="straightConnector1">
+            <a:avLst/>
+          </a:prstGeom>
+          <a:ln w="38100">
+            <a:solidFill>
+              <a:schemeClr val="tx1"/>
+            </a:solidFill>
+            <a:tailEnd type="triangle"/>
+          </a:ln>
+        </p:spPr>
+        <p:style>
+          <a:lnRef idx="1">
+            <a:schemeClr val="accent1"/>
+          </a:lnRef>
+          <a:fillRef idx="0">
+            <a:schemeClr val="accent1"/>
+          </a:fillRef>
+          <a:effectRef idx="0">
+            <a:schemeClr val="accent1"/>
+          </a:effectRef>
+          <a:fontRef idx="minor">
+            <a:schemeClr val="tx1"/>
+          </a:fontRef>
+        </p:style>
+      </p:cxnSp>
+      <p:cxnSp>
+        <p:nvCxnSpPr>
+          <p:cNvPr id="30" name="Straight Arrow Connector 29">
+            <a:extLst>
+              <a:ext uri="{FF2B5EF4-FFF2-40B4-BE49-F238E27FC236}">
+                <a16:creationId xmlns:a16="http://schemas.microsoft.com/office/drawing/2014/main" id="{5BB5387B-3AD2-2540-ACA9-1156BA717FE0}"/>
+              </a:ext>
+            </a:extLst>
+          </p:cNvPr>
+          <p:cNvCxnSpPr>
+            <a:cxnSpLocks/>
+            <a:stCxn id="18" idx="3"/>
+            <a:endCxn id="9" idx="3"/>
+          </p:cNvCxnSpPr>
+          <p:nvPr/>
+        </p:nvCxnSpPr>
+        <p:spPr>
+          <a:xfrm flipH="1">
+            <a:off x="6449527" y="5072281"/>
+            <a:ext cx="540190" cy="3467"/>
+          </a:xfrm>
+          <a:prstGeom prst="straightConnector1">
+            <a:avLst/>
+          </a:prstGeom>
+          <a:ln w="38100">
+            <a:solidFill>
+              <a:schemeClr val="tx1"/>
+            </a:solidFill>
+            <a:tailEnd type="triangle"/>
+          </a:ln>
+        </p:spPr>
+        <p:style>
+          <a:lnRef idx="1">
+            <a:schemeClr val="accent1"/>
+          </a:lnRef>
+          <a:fillRef idx="0">
+            <a:schemeClr val="accent1"/>
+          </a:fillRef>
+          <a:effectRef idx="0">
+            <a:schemeClr val="accent1"/>
+          </a:effectRef>
+          <a:fontRef idx="minor">
+            <a:schemeClr val="tx1"/>
+          </a:fontRef>
+        </p:style>
+      </p:cxnSp>
+      <p:cxnSp>
+        <p:nvCxnSpPr>
+          <p:cNvPr id="31" name="Straight Arrow Connector 30">
+            <a:extLst>
+              <a:ext uri="{FF2B5EF4-FFF2-40B4-BE49-F238E27FC236}">
+                <a16:creationId xmlns:a16="http://schemas.microsoft.com/office/drawing/2014/main" id="{8F905FD1-7761-D646-B7CD-D90A941BFC20}"/>
+              </a:ext>
+            </a:extLst>
+          </p:cNvPr>
+          <p:cNvCxnSpPr>
+            <a:cxnSpLocks/>
+            <a:endCxn id="5" idx="3"/>
+          </p:cNvCxnSpPr>
+          <p:nvPr/>
+        </p:nvCxnSpPr>
+        <p:spPr>
+          <a:xfrm flipH="1">
+            <a:off x="2196993" y="5011554"/>
+            <a:ext cx="926986" cy="0"/>
+          </a:xfrm>
+          <a:prstGeom prst="straightConnector1">
+            <a:avLst/>
+          </a:prstGeom>
+          <a:ln w="38100">
+            <a:solidFill>
+              <a:schemeClr val="tx1"/>
+            </a:solidFill>
+            <a:tailEnd type="triangle"/>
+          </a:ln>
+        </p:spPr>
+        <p:style>
+          <a:lnRef idx="1">
+            <a:schemeClr val="accent1"/>
+          </a:lnRef>
+          <a:fillRef idx="0">
+            <a:schemeClr val="accent1"/>
+          </a:fillRef>
+          <a:effectRef idx="0">
+            <a:schemeClr val="accent1"/>
+          </a:effectRef>
+          <a:fontRef idx="minor">
+            <a:schemeClr val="tx1"/>
+          </a:fontRef>
+        </p:style>
+      </p:cxnSp>
+      <p:sp>
+        <p:nvSpPr>
+          <p:cNvPr id="32" name="TextBox 31">
+            <a:extLst>
+              <a:ext uri="{FF2B5EF4-FFF2-40B4-BE49-F238E27FC236}">
+                <a16:creationId xmlns:a16="http://schemas.microsoft.com/office/drawing/2014/main" id="{323E4C0A-FFCC-E047-9844-85D89D808B68}"/>
+              </a:ext>
+            </a:extLst>
+          </p:cNvPr>
+          <p:cNvSpPr txBox="1"/>
+          <p:nvPr/>
+        </p:nvSpPr>
+        <p:spPr>
+          <a:xfrm>
+            <a:off x="9321628" y="1885988"/>
+            <a:ext cx="622478" cy="369332"/>
+          </a:xfrm>
+          <a:prstGeom prst="rect">
+            <a:avLst/>
+          </a:prstGeom>
+          <a:noFill/>
+        </p:spPr>
+        <p:txBody>
+          <a:bodyPr wrap="none" rtlCol="0">
+            <a:spAutoFit/>
+          </a:bodyPr>
+          <a:lstStyle/>
+          <a:p>
+            <a:r>
+              <a:rPr lang="en-US" dirty="0"/>
+              <a:t>Core</a:t>
+            </a:r>
+          </a:p>
+        </p:txBody>
+      </p:sp>
+      <p:sp>
+        <p:nvSpPr>
+          <p:cNvPr id="33" name="Rectangle 32">
+            <a:extLst>
+              <a:ext uri="{FF2B5EF4-FFF2-40B4-BE49-F238E27FC236}">
+                <a16:creationId xmlns:a16="http://schemas.microsoft.com/office/drawing/2014/main" id="{1434B2E7-3536-4742-A7FC-C7454C7F3E94}"/>
+              </a:ext>
+            </a:extLst>
+          </p:cNvPr>
+          <p:cNvSpPr/>
+          <p:nvPr/>
+        </p:nvSpPr>
+        <p:spPr>
+          <a:xfrm>
+            <a:off x="8532420" y="2438593"/>
+            <a:ext cx="788575" cy="2228756"/>
+          </a:xfrm>
+          <a:prstGeom prst="rect">
+            <a:avLst/>
+          </a:prstGeom>
+          <a:noFill/>
+          <a:ln>
+            <a:solidFill>
+              <a:schemeClr val="tx1"/>
+            </a:solidFill>
+          </a:ln>
+        </p:spPr>
+        <p:style>
+          <a:lnRef idx="2">
+            <a:schemeClr val="accent1">
+              <a:shade val="50000"/>
+            </a:schemeClr>
+          </a:lnRef>
+          <a:fillRef idx="1">
+            <a:schemeClr val="accent1"/>
+          </a:fillRef>
+          <a:effectRef idx="0">
+            <a:schemeClr val="accent1"/>
+          </a:effectRef>
+          <a:fontRef idx="minor">
+            <a:schemeClr val="lt1"/>
+          </a:fontRef>
+        </p:style>
+        <p:txBody>
+          <a:bodyPr rtlCol="0" anchor="ctr"/>
+          <a:lstStyle/>
+          <a:p>
+            <a:pPr algn="ctr"/>
+            <a:endParaRPr lang="en-US" dirty="0">
+              <a:solidFill>
+                <a:schemeClr val="tx1"/>
+              </a:solidFill>
+            </a:endParaRPr>
+          </a:p>
+        </p:txBody>
+      </p:sp>
+      <p:sp>
+        <p:nvSpPr>
+          <p:cNvPr id="34" name="TextBox 33">
+            <a:extLst>
+              <a:ext uri="{FF2B5EF4-FFF2-40B4-BE49-F238E27FC236}">
+                <a16:creationId xmlns:a16="http://schemas.microsoft.com/office/drawing/2014/main" id="{C3F010F2-BA31-A640-8175-7B32B5E413F7}"/>
+              </a:ext>
+            </a:extLst>
+          </p:cNvPr>
+          <p:cNvSpPr txBox="1"/>
+          <p:nvPr/>
+        </p:nvSpPr>
+        <p:spPr>
+          <a:xfrm>
+            <a:off x="4868015" y="948232"/>
+            <a:ext cx="1770678" cy="369332"/>
+          </a:xfrm>
+          <a:prstGeom prst="rect">
+            <a:avLst/>
+          </a:prstGeom>
+          <a:noFill/>
+        </p:spPr>
+        <p:txBody>
+          <a:bodyPr wrap="none" rtlCol="0">
+            <a:spAutoFit/>
+          </a:bodyPr>
+          <a:lstStyle/>
+          <a:p>
+            <a:r>
+              <a:rPr lang="en-US" b="1" dirty="0"/>
+              <a:t>Scheduler Figure</a:t>
+            </a:r>
+          </a:p>
+        </p:txBody>
+      </p:sp>
+      <p:sp>
+        <p:nvSpPr>
+          <p:cNvPr id="55" name="TextBox 54">
+            <a:extLst>
+              <a:ext uri="{FF2B5EF4-FFF2-40B4-BE49-F238E27FC236}">
+                <a16:creationId xmlns:a16="http://schemas.microsoft.com/office/drawing/2014/main" id="{4629B1EB-FE9B-9947-887E-58118F5271CB}"/>
+              </a:ext>
+            </a:extLst>
+          </p:cNvPr>
+          <p:cNvSpPr txBox="1"/>
+          <p:nvPr/>
+        </p:nvSpPr>
+        <p:spPr>
+          <a:xfrm>
+            <a:off x="3731263" y="2008789"/>
+            <a:ext cx="1620059" cy="369332"/>
+          </a:xfrm>
+          <a:prstGeom prst="rect">
+            <a:avLst/>
+          </a:prstGeom>
+          <a:noFill/>
+        </p:spPr>
+        <p:txBody>
+          <a:bodyPr wrap="none" rtlCol="0">
+            <a:spAutoFit/>
+          </a:bodyPr>
+          <a:lstStyle/>
+          <a:p>
+            <a:r>
+              <a:rPr lang="en-US" dirty="0"/>
+              <a:t>Low Priority (1)</a:t>
+            </a:r>
+          </a:p>
+        </p:txBody>
+      </p:sp>
+      <p:sp>
+        <p:nvSpPr>
+          <p:cNvPr id="56" name="TextBox 55">
+            <a:extLst>
+              <a:ext uri="{FF2B5EF4-FFF2-40B4-BE49-F238E27FC236}">
+                <a16:creationId xmlns:a16="http://schemas.microsoft.com/office/drawing/2014/main" id="{C3ACE062-81B2-CD47-B2CE-F5A6157165E0}"/>
+              </a:ext>
+            </a:extLst>
+          </p:cNvPr>
+          <p:cNvSpPr txBox="1"/>
+          <p:nvPr/>
+        </p:nvSpPr>
+        <p:spPr>
+          <a:xfrm>
+            <a:off x="3707987" y="2790559"/>
+            <a:ext cx="1664238" cy="369332"/>
+          </a:xfrm>
+          <a:prstGeom prst="rect">
+            <a:avLst/>
+          </a:prstGeom>
+          <a:noFill/>
+        </p:spPr>
+        <p:txBody>
+          <a:bodyPr wrap="none" rtlCol="0">
+            <a:spAutoFit/>
+          </a:bodyPr>
+          <a:lstStyle/>
+          <a:p>
+            <a:r>
+              <a:rPr lang="en-US" dirty="0"/>
+              <a:t>High Priority (0)</a:t>
+            </a:r>
+          </a:p>
+        </p:txBody>
+      </p:sp>
+      <p:sp>
+        <p:nvSpPr>
+          <p:cNvPr id="57" name="Rectangle 56">
+            <a:extLst>
+              <a:ext uri="{FF2B5EF4-FFF2-40B4-BE49-F238E27FC236}">
+                <a16:creationId xmlns:a16="http://schemas.microsoft.com/office/drawing/2014/main" id="{42062E33-B198-7744-A341-A2D452E69B57}"/>
+              </a:ext>
+            </a:extLst>
+          </p:cNvPr>
+          <p:cNvSpPr/>
+          <p:nvPr/>
+        </p:nvSpPr>
+        <p:spPr>
+          <a:xfrm>
+            <a:off x="4730287" y="2405776"/>
+            <a:ext cx="228288" cy="200286"/>
+          </a:xfrm>
+          <a:prstGeom prst="rect">
+            <a:avLst/>
+          </a:prstGeom>
+          <a:solidFill>
+            <a:schemeClr val="accent1">
+              <a:lumMod val="60000"/>
+              <a:lumOff val="40000"/>
+            </a:schemeClr>
+          </a:solidFill>
+        </p:spPr>
+        <p:style>
+          <a:lnRef idx="2">
+            <a:schemeClr val="accent1">
+              <a:shade val="50000"/>
+            </a:schemeClr>
+          </a:lnRef>
+          <a:fillRef idx="1">
+            <a:schemeClr val="accent1"/>
+          </a:fillRef>
+          <a:effectRef idx="0">
+            <a:schemeClr val="accent1"/>
+          </a:effectRef>
+          <a:fontRef idx="minor">
+            <a:schemeClr val="lt1"/>
+          </a:fontRef>
+        </p:style>
+        <p:txBody>
+          <a:bodyPr rtlCol="0" anchor="ctr"/>
+          <a:lstStyle/>
+          <a:p>
+            <a:pPr algn="ctr"/>
+            <a:endParaRPr lang="en-US"/>
+          </a:p>
+        </p:txBody>
+      </p:sp>
+      <p:grpSp>
+        <p:nvGrpSpPr>
+          <p:cNvPr id="35" name="Group 34">
+            <a:extLst>
+              <a:ext uri="{FF2B5EF4-FFF2-40B4-BE49-F238E27FC236}">
+                <a16:creationId xmlns:a16="http://schemas.microsoft.com/office/drawing/2014/main" id="{6C390DB9-D53C-BA44-AA19-97BAB556081A}"/>
+              </a:ext>
+            </a:extLst>
+          </p:cNvPr>
+          <p:cNvGrpSpPr/>
+          <p:nvPr/>
+        </p:nvGrpSpPr>
+        <p:grpSpPr>
+          <a:xfrm>
+            <a:off x="4078400" y="2405776"/>
+            <a:ext cx="880175" cy="201880"/>
+            <a:chOff x="6274340" y="5985164"/>
+            <a:chExt cx="1195239" cy="201880"/>
+          </a:xfrm>
+        </p:grpSpPr>
+        <p:sp>
+          <p:nvSpPr>
+            <p:cNvPr id="36" name="Rectangle 35">
+              <a:extLst>
+                <a:ext uri="{FF2B5EF4-FFF2-40B4-BE49-F238E27FC236}">
+                  <a16:creationId xmlns:a16="http://schemas.microsoft.com/office/drawing/2014/main" id="{D2A40175-57CC-874B-BCCA-FF5CDD465980}"/>
+                </a:ext>
+              </a:extLst>
+            </p:cNvPr>
+            <p:cNvSpPr/>
+            <p:nvPr/>
+          </p:nvSpPr>
+          <p:spPr>
+            <a:xfrm>
+              <a:off x="7160821" y="5985164"/>
+              <a:ext cx="308758" cy="201880"/>
+            </a:xfrm>
+            <a:prstGeom prst="rect">
+              <a:avLst/>
+            </a:prstGeom>
+            <a:noFill/>
+            <a:ln w="19050">
+              <a:solidFill>
+                <a:schemeClr val="tx1"/>
+              </a:solidFill>
+            </a:ln>
+          </p:spPr>
+          <p:style>
+            <a:lnRef idx="2">
+              <a:schemeClr val="accent1">
+                <a:shade val="50000"/>
+              </a:schemeClr>
+            </a:lnRef>
+            <a:fillRef idx="1">
+              <a:schemeClr val="accent1"/>
+            </a:fillRef>
+            <a:effectRef idx="0">
+              <a:schemeClr val="accent1"/>
+            </a:effectRef>
+            <a:fontRef idx="minor">
+              <a:schemeClr val="lt1"/>
+            </a:fontRef>
+          </p:style>
+          <p:txBody>
+            <a:bodyPr rtlCol="0" anchor="ctr"/>
+            <a:lstStyle/>
+            <a:p>
+              <a:pPr algn="ctr"/>
+              <a:endParaRPr lang="en-US"/>
+            </a:p>
+          </p:txBody>
+        </p:sp>
+        <p:sp>
+          <p:nvSpPr>
+            <p:cNvPr id="37" name="Rectangle 36">
+              <a:extLst>
+                <a:ext uri="{FF2B5EF4-FFF2-40B4-BE49-F238E27FC236}">
+                  <a16:creationId xmlns:a16="http://schemas.microsoft.com/office/drawing/2014/main" id="{0C3CDDBB-D8EE-7949-B827-EDEB035DF4F9}"/>
+                </a:ext>
+              </a:extLst>
+            </p:cNvPr>
+            <p:cNvSpPr/>
+            <p:nvPr/>
+          </p:nvSpPr>
+          <p:spPr>
+            <a:xfrm>
+              <a:off x="6852063" y="5985164"/>
+              <a:ext cx="308758" cy="201880"/>
+            </a:xfrm>
+            <a:prstGeom prst="rect">
+              <a:avLst/>
+            </a:prstGeom>
+            <a:noFill/>
+            <a:ln w="19050">
+              <a:solidFill>
+                <a:schemeClr val="tx1"/>
+              </a:solidFill>
+            </a:ln>
+          </p:spPr>
+          <p:style>
+            <a:lnRef idx="2">
+              <a:schemeClr val="accent1">
+                <a:shade val="50000"/>
+              </a:schemeClr>
+            </a:lnRef>
+            <a:fillRef idx="1">
+              <a:schemeClr val="accent1"/>
+            </a:fillRef>
+            <a:effectRef idx="0">
+              <a:schemeClr val="accent1"/>
+            </a:effectRef>
+            <a:fontRef idx="minor">
+              <a:schemeClr val="lt1"/>
+            </a:fontRef>
+          </p:style>
+          <p:txBody>
+            <a:bodyPr rtlCol="0" anchor="ctr"/>
+            <a:lstStyle/>
+            <a:p>
+              <a:pPr algn="ctr"/>
+              <a:endParaRPr lang="en-US"/>
+            </a:p>
+          </p:txBody>
+        </p:sp>
+        <p:cxnSp>
+          <p:nvCxnSpPr>
+            <p:cNvPr id="39" name="Straight Connector 38">
+              <a:extLst>
+                <a:ext uri="{FF2B5EF4-FFF2-40B4-BE49-F238E27FC236}">
+                  <a16:creationId xmlns:a16="http://schemas.microsoft.com/office/drawing/2014/main" id="{3392CB32-E36A-6046-BD17-151AEA4937F3}"/>
+                </a:ext>
+              </a:extLst>
+            </p:cNvPr>
+            <p:cNvCxnSpPr>
+              <a:cxnSpLocks/>
+            </p:cNvCxnSpPr>
+            <p:nvPr/>
+          </p:nvCxnSpPr>
+          <p:spPr>
+            <a:xfrm>
+              <a:off x="6274340" y="5985164"/>
+              <a:ext cx="268965" cy="0"/>
+            </a:xfrm>
+            <a:prstGeom prst="line">
+              <a:avLst/>
+            </a:prstGeom>
+            <a:ln w="19050">
+              <a:solidFill>
+                <a:schemeClr val="tx1"/>
+              </a:solidFill>
+            </a:ln>
+          </p:spPr>
+          <p:style>
+            <a:lnRef idx="1">
+              <a:schemeClr val="accent1"/>
+            </a:lnRef>
+            <a:fillRef idx="0">
+              <a:schemeClr val="accent1"/>
+            </a:fillRef>
+            <a:effectRef idx="0">
+              <a:schemeClr val="accent1"/>
+            </a:effectRef>
+            <a:fontRef idx="minor">
+              <a:schemeClr val="tx1"/>
+            </a:fontRef>
+          </p:style>
+        </p:cxnSp>
+        <p:cxnSp>
+          <p:nvCxnSpPr>
+            <p:cNvPr id="40" name="Straight Connector 39">
+              <a:extLst>
+                <a:ext uri="{FF2B5EF4-FFF2-40B4-BE49-F238E27FC236}">
+                  <a16:creationId xmlns:a16="http://schemas.microsoft.com/office/drawing/2014/main" id="{C1390BC7-6151-554D-B528-280E63B5ADB7}"/>
+                </a:ext>
+              </a:extLst>
+            </p:cNvPr>
+            <p:cNvCxnSpPr>
+              <a:cxnSpLocks/>
+            </p:cNvCxnSpPr>
+            <p:nvPr/>
+          </p:nvCxnSpPr>
+          <p:spPr>
+            <a:xfrm>
+              <a:off x="6274340" y="6187044"/>
+              <a:ext cx="268965" cy="0"/>
+            </a:xfrm>
+            <a:prstGeom prst="line">
+              <a:avLst/>
+            </a:prstGeom>
+            <a:ln w="19050">
+              <a:solidFill>
+                <a:schemeClr val="tx1"/>
+              </a:solidFill>
+            </a:ln>
+          </p:spPr>
+          <p:style>
+            <a:lnRef idx="1">
+              <a:schemeClr val="accent1"/>
+            </a:lnRef>
+            <a:fillRef idx="0">
+              <a:schemeClr val="accent1"/>
+            </a:fillRef>
+            <a:effectRef idx="0">
+              <a:schemeClr val="accent1"/>
+            </a:effectRef>
+            <a:fontRef idx="minor">
+              <a:schemeClr val="tx1"/>
+            </a:fontRef>
+          </p:style>
+        </p:cxnSp>
+        <p:sp>
+          <p:nvSpPr>
+            <p:cNvPr id="38" name="Rectangle 37">
+              <a:extLst>
+                <a:ext uri="{FF2B5EF4-FFF2-40B4-BE49-F238E27FC236}">
+                  <a16:creationId xmlns:a16="http://schemas.microsoft.com/office/drawing/2014/main" id="{942E02D7-9611-ED46-AD59-97117F6F600F}"/>
+                </a:ext>
+              </a:extLst>
+            </p:cNvPr>
+            <p:cNvSpPr/>
+            <p:nvPr/>
+          </p:nvSpPr>
+          <p:spPr>
+            <a:xfrm>
+              <a:off x="6543305" y="5985164"/>
+              <a:ext cx="308758" cy="201880"/>
+            </a:xfrm>
+            <a:prstGeom prst="rect">
+              <a:avLst/>
+            </a:prstGeom>
+            <a:noFill/>
+            <a:ln w="19050">
+              <a:solidFill>
+                <a:schemeClr val="tx1"/>
+              </a:solidFill>
+            </a:ln>
+          </p:spPr>
+          <p:style>
+            <a:lnRef idx="2">
+              <a:schemeClr val="accent1">
+                <a:shade val="50000"/>
+              </a:schemeClr>
+            </a:lnRef>
+            <a:fillRef idx="1">
+              <a:schemeClr val="accent1"/>
+            </a:fillRef>
+            <a:effectRef idx="0">
+              <a:schemeClr val="accent1"/>
+            </a:effectRef>
+            <a:fontRef idx="minor">
+              <a:schemeClr val="lt1"/>
+            </a:fontRef>
+          </p:style>
+          <p:txBody>
+            <a:bodyPr rtlCol="0" anchor="ctr"/>
+            <a:lstStyle/>
+            <a:p>
+              <a:pPr algn="ctr"/>
+              <a:endParaRPr lang="en-US"/>
+            </a:p>
+          </p:txBody>
+        </p:sp>
+      </p:grpSp>
+      <p:sp>
+        <p:nvSpPr>
+          <p:cNvPr id="58" name="Rectangle 57">
+            <a:extLst>
+              <a:ext uri="{FF2B5EF4-FFF2-40B4-BE49-F238E27FC236}">
+                <a16:creationId xmlns:a16="http://schemas.microsoft.com/office/drawing/2014/main" id="{0733970D-2D42-5D4E-963C-80912D52BA0D}"/>
+              </a:ext>
+            </a:extLst>
+          </p:cNvPr>
+          <p:cNvSpPr/>
+          <p:nvPr/>
+        </p:nvSpPr>
+        <p:spPr>
+          <a:xfrm>
+            <a:off x="4713001" y="3189793"/>
+            <a:ext cx="228288" cy="200286"/>
+          </a:xfrm>
+          <a:prstGeom prst="rect">
+            <a:avLst/>
+          </a:prstGeom>
+          <a:solidFill>
+            <a:srgbClr val="FF7265"/>
+          </a:solidFill>
+          <a:ln>
+            <a:noFill/>
+          </a:ln>
+        </p:spPr>
+        <p:style>
+          <a:lnRef idx="2">
+            <a:schemeClr val="accent1">
+              <a:shade val="50000"/>
+            </a:schemeClr>
+          </a:lnRef>
+          <a:fillRef idx="1">
+            <a:schemeClr val="accent1"/>
+          </a:fillRef>
+          <a:effectRef idx="0">
+            <a:schemeClr val="accent1"/>
+          </a:effectRef>
+          <a:fontRef idx="minor">
+            <a:schemeClr val="lt1"/>
+          </a:fontRef>
+        </p:style>
+        <p:txBody>
+          <a:bodyPr rtlCol="0" anchor="ctr"/>
+          <a:lstStyle/>
+          <a:p>
+            <a:pPr algn="ctr"/>
+            <a:endParaRPr lang="en-US"/>
+          </a:p>
+        </p:txBody>
+      </p:sp>
+      <p:sp>
+        <p:nvSpPr>
+          <p:cNvPr id="61" name="Rounded Rectangle 60">
+            <a:extLst>
+              <a:ext uri="{FF2B5EF4-FFF2-40B4-BE49-F238E27FC236}">
+                <a16:creationId xmlns:a16="http://schemas.microsoft.com/office/drawing/2014/main" id="{5FBCFCEE-166D-8244-80C9-500C01090340}"/>
+              </a:ext>
+            </a:extLst>
+          </p:cNvPr>
+          <p:cNvSpPr/>
+          <p:nvPr/>
+        </p:nvSpPr>
+        <p:spPr>
+          <a:xfrm rot="5400000">
+            <a:off x="5252437" y="2554108"/>
+            <a:ext cx="1242338" cy="543310"/>
+          </a:xfrm>
+          <a:prstGeom prst="roundRect">
+            <a:avLst/>
+          </a:prstGeom>
+          <a:solidFill>
+            <a:schemeClr val="bg2">
+              <a:lumMod val="90000"/>
+            </a:schemeClr>
+          </a:solidFill>
+          <a:ln>
+            <a:noFill/>
+          </a:ln>
+        </p:spPr>
+        <p:style>
+          <a:lnRef idx="2">
+            <a:schemeClr val="accent1">
+              <a:shade val="50000"/>
+            </a:schemeClr>
+          </a:lnRef>
+          <a:fillRef idx="1">
+            <a:schemeClr val="accent1"/>
+          </a:fillRef>
+          <a:effectRef idx="0">
+            <a:schemeClr val="accent1"/>
+          </a:effectRef>
+          <a:fontRef idx="minor">
+            <a:schemeClr val="lt1"/>
+          </a:fontRef>
+        </p:style>
+        <p:txBody>
+          <a:bodyPr rtlCol="0" anchor="ctr"/>
+          <a:lstStyle/>
+          <a:p>
+            <a:pPr algn="ctr"/>
+            <a:r>
+              <a:rPr lang="en-US" dirty="0">
+                <a:solidFill>
+                  <a:schemeClr val="tx1"/>
+                </a:solidFill>
+              </a:rPr>
+              <a:t>Scheduler</a:t>
+            </a:r>
+          </a:p>
+        </p:txBody>
+      </p:sp>
+      <p:grpSp>
+        <p:nvGrpSpPr>
+          <p:cNvPr id="49" name="Group 48">
+            <a:extLst>
+              <a:ext uri="{FF2B5EF4-FFF2-40B4-BE49-F238E27FC236}">
+                <a16:creationId xmlns:a16="http://schemas.microsoft.com/office/drawing/2014/main" id="{23573A2E-14BB-6F49-B65A-C641012D2FAF}"/>
+              </a:ext>
+            </a:extLst>
+          </p:cNvPr>
+          <p:cNvGrpSpPr/>
+          <p:nvPr/>
+        </p:nvGrpSpPr>
+        <p:grpSpPr>
+          <a:xfrm>
+            <a:off x="4062435" y="3177734"/>
+            <a:ext cx="880175" cy="201880"/>
+            <a:chOff x="6274340" y="5985164"/>
+            <a:chExt cx="1195239" cy="201880"/>
+          </a:xfrm>
+        </p:grpSpPr>
+        <p:sp>
+          <p:nvSpPr>
+            <p:cNvPr id="50" name="Rectangle 49">
+              <a:extLst>
+                <a:ext uri="{FF2B5EF4-FFF2-40B4-BE49-F238E27FC236}">
+                  <a16:creationId xmlns:a16="http://schemas.microsoft.com/office/drawing/2014/main" id="{9E10E238-6A95-8E4D-A6EF-53C7FBE85307}"/>
+                </a:ext>
+              </a:extLst>
+            </p:cNvPr>
+            <p:cNvSpPr/>
+            <p:nvPr/>
+          </p:nvSpPr>
+          <p:spPr>
+            <a:xfrm>
+              <a:off x="7160821" y="5985164"/>
+              <a:ext cx="308758" cy="201880"/>
+            </a:xfrm>
+            <a:prstGeom prst="rect">
+              <a:avLst/>
+            </a:prstGeom>
+            <a:noFill/>
+            <a:ln w="19050">
+              <a:solidFill>
+                <a:schemeClr val="tx1"/>
+              </a:solidFill>
+            </a:ln>
+          </p:spPr>
+          <p:style>
+            <a:lnRef idx="2">
+              <a:schemeClr val="accent1">
+                <a:shade val="50000"/>
+              </a:schemeClr>
+            </a:lnRef>
+            <a:fillRef idx="1">
+              <a:schemeClr val="accent1"/>
+            </a:fillRef>
+            <a:effectRef idx="0">
+              <a:schemeClr val="accent1"/>
+            </a:effectRef>
+            <a:fontRef idx="minor">
+              <a:schemeClr val="lt1"/>
+            </a:fontRef>
+          </p:style>
+          <p:txBody>
+            <a:bodyPr rtlCol="0" anchor="ctr"/>
+            <a:lstStyle/>
+            <a:p>
+              <a:pPr algn="ctr"/>
+              <a:endParaRPr lang="en-US"/>
+            </a:p>
+          </p:txBody>
+        </p:sp>
+        <p:sp>
+          <p:nvSpPr>
+            <p:cNvPr id="51" name="Rectangle 50">
+              <a:extLst>
+                <a:ext uri="{FF2B5EF4-FFF2-40B4-BE49-F238E27FC236}">
+                  <a16:creationId xmlns:a16="http://schemas.microsoft.com/office/drawing/2014/main" id="{D7497F9F-C678-6844-A42D-474FF0015F1F}"/>
+                </a:ext>
+              </a:extLst>
+            </p:cNvPr>
+            <p:cNvSpPr/>
+            <p:nvPr/>
+          </p:nvSpPr>
+          <p:spPr>
+            <a:xfrm>
+              <a:off x="6852063" y="5985164"/>
+              <a:ext cx="308758" cy="201880"/>
+            </a:xfrm>
+            <a:prstGeom prst="rect">
+              <a:avLst/>
+            </a:prstGeom>
+            <a:noFill/>
+            <a:ln w="19050">
+              <a:solidFill>
+                <a:schemeClr val="tx1"/>
+              </a:solidFill>
+            </a:ln>
+          </p:spPr>
+          <p:style>
+            <a:lnRef idx="2">
+              <a:schemeClr val="accent1">
+                <a:shade val="50000"/>
+              </a:schemeClr>
+            </a:lnRef>
+            <a:fillRef idx="1">
+              <a:schemeClr val="accent1"/>
+            </a:fillRef>
+            <a:effectRef idx="0">
+              <a:schemeClr val="accent1"/>
+            </a:effectRef>
+            <a:fontRef idx="minor">
+              <a:schemeClr val="lt1"/>
+            </a:fontRef>
+          </p:style>
+          <p:txBody>
+            <a:bodyPr rtlCol="0" anchor="ctr"/>
+            <a:lstStyle/>
+            <a:p>
+              <a:pPr algn="ctr"/>
+              <a:endParaRPr lang="en-US"/>
+            </a:p>
+          </p:txBody>
+        </p:sp>
+        <p:cxnSp>
+          <p:nvCxnSpPr>
+            <p:cNvPr id="53" name="Straight Connector 52">
+              <a:extLst>
+                <a:ext uri="{FF2B5EF4-FFF2-40B4-BE49-F238E27FC236}">
+                  <a16:creationId xmlns:a16="http://schemas.microsoft.com/office/drawing/2014/main" id="{F96F01F1-C142-CA48-84AF-7D27351CCE8A}"/>
+                </a:ext>
+              </a:extLst>
+            </p:cNvPr>
+            <p:cNvCxnSpPr>
+              <a:cxnSpLocks/>
+            </p:cNvCxnSpPr>
+            <p:nvPr/>
+          </p:nvCxnSpPr>
+          <p:spPr>
+            <a:xfrm>
+              <a:off x="6274340" y="5985164"/>
+              <a:ext cx="268965" cy="0"/>
+            </a:xfrm>
+            <a:prstGeom prst="line">
+              <a:avLst/>
+            </a:prstGeom>
+            <a:ln w="19050">
+              <a:solidFill>
+                <a:schemeClr val="tx1"/>
+              </a:solidFill>
+            </a:ln>
+          </p:spPr>
+          <p:style>
+            <a:lnRef idx="1">
+              <a:schemeClr val="accent1"/>
+            </a:lnRef>
+            <a:fillRef idx="0">
+              <a:schemeClr val="accent1"/>
+            </a:fillRef>
+            <a:effectRef idx="0">
+              <a:schemeClr val="accent1"/>
+            </a:effectRef>
+            <a:fontRef idx="minor">
+              <a:schemeClr val="tx1"/>
+            </a:fontRef>
+          </p:style>
+        </p:cxnSp>
+        <p:cxnSp>
+          <p:nvCxnSpPr>
+            <p:cNvPr id="54" name="Straight Connector 53">
+              <a:extLst>
+                <a:ext uri="{FF2B5EF4-FFF2-40B4-BE49-F238E27FC236}">
+                  <a16:creationId xmlns:a16="http://schemas.microsoft.com/office/drawing/2014/main" id="{DB2874C0-F6E7-0F4A-92CD-EA4690BD12E2}"/>
+                </a:ext>
+              </a:extLst>
+            </p:cNvPr>
+            <p:cNvCxnSpPr>
+              <a:cxnSpLocks/>
+            </p:cNvCxnSpPr>
+            <p:nvPr/>
+          </p:nvCxnSpPr>
+          <p:spPr>
+            <a:xfrm>
+              <a:off x="6274340" y="6187044"/>
+              <a:ext cx="268965" cy="0"/>
+            </a:xfrm>
+            <a:prstGeom prst="line">
+              <a:avLst/>
+            </a:prstGeom>
+            <a:ln w="19050">
+              <a:solidFill>
+                <a:schemeClr val="tx1"/>
+              </a:solidFill>
+            </a:ln>
+          </p:spPr>
+          <p:style>
+            <a:lnRef idx="1">
+              <a:schemeClr val="accent1"/>
+            </a:lnRef>
+            <a:fillRef idx="0">
+              <a:schemeClr val="accent1"/>
+            </a:fillRef>
+            <a:effectRef idx="0">
+              <a:schemeClr val="accent1"/>
+            </a:effectRef>
+            <a:fontRef idx="minor">
+              <a:schemeClr val="tx1"/>
+            </a:fontRef>
+          </p:style>
+        </p:cxnSp>
+        <p:sp>
+          <p:nvSpPr>
+            <p:cNvPr id="52" name="Rectangle 51">
+              <a:extLst>
+                <a:ext uri="{FF2B5EF4-FFF2-40B4-BE49-F238E27FC236}">
+                  <a16:creationId xmlns:a16="http://schemas.microsoft.com/office/drawing/2014/main" id="{7CB4DC96-1BB7-004D-B1E6-4FE2D08CAD0F}"/>
+                </a:ext>
+              </a:extLst>
+            </p:cNvPr>
+            <p:cNvSpPr/>
+            <p:nvPr/>
+          </p:nvSpPr>
+          <p:spPr>
+            <a:xfrm>
+              <a:off x="6543305" y="5985164"/>
+              <a:ext cx="308758" cy="201880"/>
+            </a:xfrm>
+            <a:prstGeom prst="rect">
+              <a:avLst/>
+            </a:prstGeom>
+            <a:noFill/>
+            <a:ln w="19050">
+              <a:solidFill>
+                <a:schemeClr val="tx1"/>
+              </a:solidFill>
+            </a:ln>
+          </p:spPr>
+          <p:style>
+            <a:lnRef idx="2">
+              <a:schemeClr val="accent1">
+                <a:shade val="50000"/>
+              </a:schemeClr>
+            </a:lnRef>
+            <a:fillRef idx="1">
+              <a:schemeClr val="accent1"/>
+            </a:fillRef>
+            <a:effectRef idx="0">
+              <a:schemeClr val="accent1"/>
+            </a:effectRef>
+            <a:fontRef idx="minor">
+              <a:schemeClr val="lt1"/>
+            </a:fontRef>
+          </p:style>
+          <p:txBody>
+            <a:bodyPr rtlCol="0" anchor="ctr"/>
+            <a:lstStyle/>
+            <a:p>
+              <a:pPr algn="ctr"/>
+              <a:endParaRPr lang="en-US"/>
+            </a:p>
+          </p:txBody>
+        </p:sp>
+      </p:grpSp>
+      <p:sp>
+        <p:nvSpPr>
+          <p:cNvPr id="63" name="Rectangle 62">
+            <a:extLst>
+              <a:ext uri="{FF2B5EF4-FFF2-40B4-BE49-F238E27FC236}">
+                <a16:creationId xmlns:a16="http://schemas.microsoft.com/office/drawing/2014/main" id="{C2BD0CD5-8AEA-1A46-AA9D-33AAC9C48B79}"/>
+              </a:ext>
+            </a:extLst>
+          </p:cNvPr>
+          <p:cNvSpPr/>
+          <p:nvPr/>
+        </p:nvSpPr>
+        <p:spPr>
+          <a:xfrm>
+            <a:off x="2727333" y="2460826"/>
+            <a:ext cx="228288" cy="200286"/>
+          </a:xfrm>
+          <a:prstGeom prst="rect">
+            <a:avLst/>
+          </a:prstGeom>
+          <a:solidFill>
+            <a:srgbClr val="FF7265"/>
+          </a:solidFill>
+          <a:ln>
+            <a:noFill/>
+          </a:ln>
+        </p:spPr>
+        <p:style>
+          <a:lnRef idx="2">
+            <a:schemeClr val="accent1">
+              <a:shade val="50000"/>
+            </a:schemeClr>
+          </a:lnRef>
+          <a:fillRef idx="1">
+            <a:schemeClr val="accent1"/>
+          </a:fillRef>
+          <a:effectRef idx="0">
+            <a:schemeClr val="accent1"/>
+          </a:effectRef>
+          <a:fontRef idx="minor">
+            <a:schemeClr val="lt1"/>
+          </a:fontRef>
+        </p:style>
+        <p:txBody>
+          <a:bodyPr rtlCol="0" anchor="ctr"/>
+          <a:lstStyle/>
+          <a:p>
+            <a:pPr algn="ctr"/>
+            <a:endParaRPr lang="en-US"/>
+          </a:p>
+        </p:txBody>
+      </p:sp>
+      <p:sp>
+        <p:nvSpPr>
+          <p:cNvPr id="67" name="Rectangle 66">
+            <a:extLst>
+              <a:ext uri="{FF2B5EF4-FFF2-40B4-BE49-F238E27FC236}">
+                <a16:creationId xmlns:a16="http://schemas.microsoft.com/office/drawing/2014/main" id="{0F7A81A0-700A-9B4B-9D19-E77759F292F1}"/>
+              </a:ext>
+            </a:extLst>
+          </p:cNvPr>
+          <p:cNvSpPr/>
+          <p:nvPr/>
+        </p:nvSpPr>
+        <p:spPr>
+          <a:xfrm>
+            <a:off x="7622348" y="2661112"/>
+            <a:ext cx="228288" cy="200286"/>
+          </a:xfrm>
+          <a:prstGeom prst="rect">
+            <a:avLst/>
+          </a:prstGeom>
+          <a:solidFill>
+            <a:schemeClr val="accent1">
+              <a:lumMod val="60000"/>
+              <a:lumOff val="40000"/>
+            </a:schemeClr>
+          </a:solidFill>
+        </p:spPr>
+        <p:style>
+          <a:lnRef idx="2">
+            <a:schemeClr val="accent1">
+              <a:shade val="50000"/>
+            </a:schemeClr>
+          </a:lnRef>
+          <a:fillRef idx="1">
+            <a:schemeClr val="accent1"/>
+          </a:fillRef>
+          <a:effectRef idx="0">
+            <a:schemeClr val="accent1"/>
+          </a:effectRef>
+          <a:fontRef idx="minor">
+            <a:schemeClr val="lt1"/>
+          </a:fontRef>
+        </p:style>
+        <p:txBody>
+          <a:bodyPr rtlCol="0" anchor="ctr"/>
+          <a:lstStyle/>
+          <a:p>
+            <a:pPr algn="ctr"/>
+            <a:endParaRPr lang="en-US"/>
+          </a:p>
+        </p:txBody>
+      </p:sp>
+      <p:sp>
+        <p:nvSpPr>
+          <p:cNvPr id="69" name="Oval 68">
+            <a:extLst>
+              <a:ext uri="{FF2B5EF4-FFF2-40B4-BE49-F238E27FC236}">
+                <a16:creationId xmlns:a16="http://schemas.microsoft.com/office/drawing/2014/main" id="{92A3A782-7787-7548-9890-46E548ACE5CF}"/>
+              </a:ext>
+            </a:extLst>
+          </p:cNvPr>
+          <p:cNvSpPr/>
+          <p:nvPr/>
+        </p:nvSpPr>
+        <p:spPr>
+          <a:xfrm>
+            <a:off x="2238478" y="2044888"/>
+            <a:ext cx="380144" cy="369332"/>
+          </a:xfrm>
+          <a:prstGeom prst="ellipse">
+            <a:avLst/>
+          </a:prstGeom>
+        </p:spPr>
+        <p:style>
+          <a:lnRef idx="2">
+            <a:schemeClr val="accent1">
+              <a:shade val="50000"/>
+            </a:schemeClr>
+          </a:lnRef>
+          <a:fillRef idx="1">
+            <a:schemeClr val="accent1"/>
+          </a:fillRef>
+          <a:effectRef idx="0">
+            <a:schemeClr val="accent1"/>
+          </a:effectRef>
+          <a:fontRef idx="minor">
+            <a:schemeClr val="lt1"/>
+          </a:fontRef>
+        </p:style>
+        <p:txBody>
+          <a:bodyPr rtlCol="0" anchor="ctr"/>
+          <a:lstStyle/>
+          <a:p>
+            <a:pPr algn="ctr"/>
+            <a:r>
+              <a:rPr lang="en-US" dirty="0"/>
+              <a:t>1</a:t>
+            </a:r>
+          </a:p>
+        </p:txBody>
+      </p:sp>
+      <p:sp>
+        <p:nvSpPr>
+          <p:cNvPr id="70" name="Oval 69">
+            <a:extLst>
+              <a:ext uri="{FF2B5EF4-FFF2-40B4-BE49-F238E27FC236}">
+                <a16:creationId xmlns:a16="http://schemas.microsoft.com/office/drawing/2014/main" id="{BE94D215-076B-3240-93B9-5B2D97EBC007}"/>
+              </a:ext>
+            </a:extLst>
+          </p:cNvPr>
+          <p:cNvSpPr/>
+          <p:nvPr/>
+        </p:nvSpPr>
+        <p:spPr>
+          <a:xfrm>
+            <a:off x="5031632" y="3091473"/>
+            <a:ext cx="380144" cy="369332"/>
+          </a:xfrm>
+          <a:prstGeom prst="ellipse">
+            <a:avLst/>
+          </a:prstGeom>
+        </p:spPr>
+        <p:style>
+          <a:lnRef idx="2">
+            <a:schemeClr val="accent1">
+              <a:shade val="50000"/>
+            </a:schemeClr>
+          </a:lnRef>
+          <a:fillRef idx="1">
+            <a:schemeClr val="accent1"/>
+          </a:fillRef>
+          <a:effectRef idx="0">
+            <a:schemeClr val="accent1"/>
+          </a:effectRef>
+          <a:fontRef idx="minor">
+            <a:schemeClr val="lt1"/>
+          </a:fontRef>
+        </p:style>
+        <p:txBody>
+          <a:bodyPr rtlCol="0" anchor="ctr"/>
+          <a:lstStyle/>
+          <a:p>
+            <a:pPr algn="ctr"/>
+            <a:r>
+              <a:rPr lang="en-US" dirty="0"/>
+              <a:t>2</a:t>
+            </a:r>
+          </a:p>
+        </p:txBody>
+      </p:sp>
+      <p:sp>
+        <p:nvSpPr>
+          <p:cNvPr id="71" name="Oval 70">
+            <a:extLst>
+              <a:ext uri="{FF2B5EF4-FFF2-40B4-BE49-F238E27FC236}">
+                <a16:creationId xmlns:a16="http://schemas.microsoft.com/office/drawing/2014/main" id="{3697F953-DF34-BF44-A148-6EBCF82B3B73}"/>
+              </a:ext>
+            </a:extLst>
+          </p:cNvPr>
+          <p:cNvSpPr/>
+          <p:nvPr/>
+        </p:nvSpPr>
+        <p:spPr>
+          <a:xfrm>
+            <a:off x="8114236" y="3179267"/>
+            <a:ext cx="380144" cy="369332"/>
+          </a:xfrm>
+          <a:prstGeom prst="ellipse">
+            <a:avLst/>
+          </a:prstGeom>
+        </p:spPr>
+        <p:style>
+          <a:lnRef idx="2">
+            <a:schemeClr val="accent1">
+              <a:shade val="50000"/>
+            </a:schemeClr>
+          </a:lnRef>
+          <a:fillRef idx="1">
+            <a:schemeClr val="accent1"/>
+          </a:fillRef>
+          <a:effectRef idx="0">
+            <a:schemeClr val="accent1"/>
+          </a:effectRef>
+          <a:fontRef idx="minor">
+            <a:schemeClr val="lt1"/>
+          </a:fontRef>
+        </p:style>
+        <p:txBody>
+          <a:bodyPr rtlCol="0" anchor="ctr"/>
+          <a:lstStyle/>
+          <a:p>
+            <a:pPr algn="ctr"/>
+            <a:r>
+              <a:rPr lang="en-US" dirty="0"/>
+              <a:t>3</a:t>
+            </a:r>
+          </a:p>
+        </p:txBody>
+      </p:sp>
+      <p:sp>
+        <p:nvSpPr>
+          <p:cNvPr id="72" name="Rectangle 71">
+            <a:extLst>
+              <a:ext uri="{FF2B5EF4-FFF2-40B4-BE49-F238E27FC236}">
+                <a16:creationId xmlns:a16="http://schemas.microsoft.com/office/drawing/2014/main" id="{2B8DD099-D484-3E47-AB05-13AC0AF0F74E}"/>
+              </a:ext>
+            </a:extLst>
+          </p:cNvPr>
+          <p:cNvSpPr/>
+          <p:nvPr/>
+        </p:nvSpPr>
+        <p:spPr>
+          <a:xfrm>
+            <a:off x="8532420" y="2438592"/>
+            <a:ext cx="394287" cy="3016985"/>
+          </a:xfrm>
+          <a:prstGeom prst="rect">
+            <a:avLst/>
+          </a:prstGeom>
+          <a:solidFill>
+            <a:schemeClr val="accent1">
+              <a:lumMod val="40000"/>
+              <a:lumOff val="60000"/>
+            </a:schemeClr>
+          </a:solidFill>
+        </p:spPr>
+        <p:style>
+          <a:lnRef idx="2">
+            <a:schemeClr val="accent1">
+              <a:shade val="50000"/>
+            </a:schemeClr>
+          </a:lnRef>
+          <a:fillRef idx="1">
+            <a:schemeClr val="accent1"/>
+          </a:fillRef>
+          <a:effectRef idx="0">
+            <a:schemeClr val="accent1"/>
+          </a:effectRef>
+          <a:fontRef idx="minor">
+            <a:schemeClr val="lt1"/>
+          </a:fontRef>
+        </p:style>
+        <p:txBody>
+          <a:bodyPr rtlCol="0" anchor="ctr"/>
+          <a:lstStyle/>
+          <a:p>
+            <a:pPr algn="ctr"/>
+            <a:endParaRPr lang="en-US"/>
+          </a:p>
+        </p:txBody>
+      </p:sp>
+      <p:sp>
+        <p:nvSpPr>
+          <p:cNvPr id="73" name="Rectangle 72">
+            <a:extLst>
+              <a:ext uri="{FF2B5EF4-FFF2-40B4-BE49-F238E27FC236}">
+                <a16:creationId xmlns:a16="http://schemas.microsoft.com/office/drawing/2014/main" id="{3B1BBE4C-EAFB-3F43-8371-4908AC59C6B2}"/>
+              </a:ext>
+            </a:extLst>
+          </p:cNvPr>
+          <p:cNvSpPr/>
+          <p:nvPr/>
+        </p:nvSpPr>
+        <p:spPr>
+          <a:xfrm>
+            <a:off x="8926707" y="2434220"/>
+            <a:ext cx="394287" cy="3016985"/>
+          </a:xfrm>
+          <a:prstGeom prst="rect">
+            <a:avLst/>
+          </a:prstGeom>
+          <a:solidFill>
+            <a:srgbClr val="FF7265"/>
+          </a:solidFill>
+        </p:spPr>
+        <p:style>
+          <a:lnRef idx="2">
+            <a:schemeClr val="accent1">
+              <a:shade val="50000"/>
+            </a:schemeClr>
+          </a:lnRef>
+          <a:fillRef idx="1">
+            <a:schemeClr val="accent1"/>
+          </a:fillRef>
+          <a:effectRef idx="0">
+            <a:schemeClr val="accent1"/>
+          </a:effectRef>
+          <a:fontRef idx="minor">
+            <a:schemeClr val="lt1"/>
+          </a:fontRef>
+        </p:style>
+        <p:txBody>
+          <a:bodyPr rtlCol="0" anchor="ctr"/>
+          <a:lstStyle/>
+          <a:p>
+            <a:pPr algn="ctr"/>
+            <a:endParaRPr lang="en-US"/>
+          </a:p>
+        </p:txBody>
+      </p:sp>
+      <p:sp>
+        <p:nvSpPr>
+          <p:cNvPr id="74" name="TextBox 73">
+            <a:extLst>
+              <a:ext uri="{FF2B5EF4-FFF2-40B4-BE49-F238E27FC236}">
+                <a16:creationId xmlns:a16="http://schemas.microsoft.com/office/drawing/2014/main" id="{D2F0D4ED-D57C-404C-85FB-C5B31F99C29B}"/>
+              </a:ext>
+            </a:extLst>
+          </p:cNvPr>
+          <p:cNvSpPr txBox="1"/>
+          <p:nvPr/>
+        </p:nvSpPr>
+        <p:spPr>
+          <a:xfrm>
+            <a:off x="8644798" y="3163363"/>
+            <a:ext cx="530082" cy="646331"/>
+          </a:xfrm>
+          <a:prstGeom prst="rect">
+            <a:avLst/>
+          </a:prstGeom>
+          <a:noFill/>
+        </p:spPr>
+        <p:txBody>
+          <a:bodyPr wrap="none" rtlCol="0">
+            <a:spAutoFit/>
+          </a:bodyPr>
+          <a:lstStyle/>
+          <a:p>
+            <a:r>
+              <a:rPr lang="en-US" dirty="0"/>
+              <a:t>Reg</a:t>
+            </a:r>
+          </a:p>
+          <a:p>
+            <a:r>
+              <a:rPr lang="en-US" dirty="0"/>
+              <a:t>File</a:t>
+            </a:r>
+          </a:p>
+        </p:txBody>
+      </p:sp>
+      <p:sp>
+        <p:nvSpPr>
+          <p:cNvPr id="75" name="Rectangle 74">
+            <a:extLst>
+              <a:ext uri="{FF2B5EF4-FFF2-40B4-BE49-F238E27FC236}">
+                <a16:creationId xmlns:a16="http://schemas.microsoft.com/office/drawing/2014/main" id="{3ECEB184-1EB4-5C42-BDBF-D2B2E4A93315}"/>
+              </a:ext>
+            </a:extLst>
+          </p:cNvPr>
+          <p:cNvSpPr/>
+          <p:nvPr/>
+        </p:nvSpPr>
+        <p:spPr>
+          <a:xfrm>
+            <a:off x="7393378" y="2667830"/>
+            <a:ext cx="228288" cy="200286"/>
+          </a:xfrm>
+          <a:prstGeom prst="rect">
+            <a:avLst/>
+          </a:prstGeom>
+          <a:solidFill>
+            <a:schemeClr val="accent1">
+              <a:lumMod val="60000"/>
+              <a:lumOff val="40000"/>
+            </a:schemeClr>
+          </a:solidFill>
+        </p:spPr>
+        <p:style>
+          <a:lnRef idx="2">
+            <a:schemeClr val="accent1">
+              <a:shade val="50000"/>
+            </a:schemeClr>
+          </a:lnRef>
+          <a:fillRef idx="1">
+            <a:schemeClr val="accent1"/>
+          </a:fillRef>
+          <a:effectRef idx="0">
+            <a:schemeClr val="accent1"/>
+          </a:effectRef>
+          <a:fontRef idx="minor">
+            <a:schemeClr val="lt1"/>
+          </a:fontRef>
+        </p:style>
+        <p:txBody>
+          <a:bodyPr rtlCol="0" anchor="ctr"/>
+          <a:lstStyle/>
+          <a:p>
+            <a:pPr algn="ctr"/>
+            <a:endParaRPr lang="en-US"/>
+          </a:p>
+        </p:txBody>
+      </p:sp>
+      <p:sp>
+        <p:nvSpPr>
+          <p:cNvPr id="76" name="Rectangle 75">
+            <a:extLst>
+              <a:ext uri="{FF2B5EF4-FFF2-40B4-BE49-F238E27FC236}">
+                <a16:creationId xmlns:a16="http://schemas.microsoft.com/office/drawing/2014/main" id="{2FB91F24-82CE-5D4A-A09F-5DBB9B9A0A94}"/>
+              </a:ext>
+            </a:extLst>
+          </p:cNvPr>
+          <p:cNvSpPr/>
+          <p:nvPr/>
+        </p:nvSpPr>
+        <p:spPr>
+          <a:xfrm>
+            <a:off x="7160779" y="2664196"/>
+            <a:ext cx="228288" cy="200286"/>
+          </a:xfrm>
+          <a:prstGeom prst="rect">
+            <a:avLst/>
+          </a:prstGeom>
+          <a:solidFill>
+            <a:schemeClr val="accent1">
+              <a:lumMod val="60000"/>
+              <a:lumOff val="40000"/>
+            </a:schemeClr>
+          </a:solidFill>
+        </p:spPr>
+        <p:style>
+          <a:lnRef idx="2">
+            <a:schemeClr val="accent1">
+              <a:shade val="50000"/>
+            </a:schemeClr>
+          </a:lnRef>
+          <a:fillRef idx="1">
+            <a:schemeClr val="accent1"/>
+          </a:fillRef>
+          <a:effectRef idx="0">
+            <a:schemeClr val="accent1"/>
+          </a:effectRef>
+          <a:fontRef idx="minor">
+            <a:schemeClr val="lt1"/>
+          </a:fontRef>
+        </p:style>
+        <p:txBody>
+          <a:bodyPr rtlCol="0" anchor="ctr"/>
+          <a:lstStyle/>
+          <a:p>
+            <a:pPr algn="ctr"/>
+            <a:endParaRPr lang="en-US"/>
+          </a:p>
+        </p:txBody>
+      </p:sp>
+      <p:grpSp>
+        <p:nvGrpSpPr>
+          <p:cNvPr id="10" name="Group 9">
+            <a:extLst>
+              <a:ext uri="{FF2B5EF4-FFF2-40B4-BE49-F238E27FC236}">
+                <a16:creationId xmlns:a16="http://schemas.microsoft.com/office/drawing/2014/main" id="{A485531E-B88B-E441-8AB8-08B6D48C3E7F}"/>
+              </a:ext>
+            </a:extLst>
+          </p:cNvPr>
+          <p:cNvGrpSpPr/>
+          <p:nvPr/>
+        </p:nvGrpSpPr>
+        <p:grpSpPr>
+          <a:xfrm>
+            <a:off x="6969779" y="2666197"/>
+            <a:ext cx="880175" cy="201880"/>
+            <a:chOff x="6274340" y="5985164"/>
+            <a:chExt cx="1195239" cy="201880"/>
+          </a:xfrm>
+        </p:grpSpPr>
+        <p:sp>
+          <p:nvSpPr>
+            <p:cNvPr id="11" name="Rectangle 10">
+              <a:extLst>
+                <a:ext uri="{FF2B5EF4-FFF2-40B4-BE49-F238E27FC236}">
+                  <a16:creationId xmlns:a16="http://schemas.microsoft.com/office/drawing/2014/main" id="{CB2E16FD-2C9A-7E47-9447-9FD31EA0FA14}"/>
+                </a:ext>
+              </a:extLst>
+            </p:cNvPr>
+            <p:cNvSpPr/>
+            <p:nvPr/>
+          </p:nvSpPr>
+          <p:spPr>
+            <a:xfrm>
+              <a:off x="7160821" y="5985164"/>
+              <a:ext cx="308758" cy="201880"/>
+            </a:xfrm>
+            <a:prstGeom prst="rect">
+              <a:avLst/>
+            </a:prstGeom>
+            <a:noFill/>
+            <a:ln w="19050">
+              <a:solidFill>
+                <a:schemeClr val="tx1"/>
+              </a:solidFill>
+            </a:ln>
+          </p:spPr>
+          <p:style>
+            <a:lnRef idx="2">
+              <a:schemeClr val="accent1">
+                <a:shade val="50000"/>
+              </a:schemeClr>
+            </a:lnRef>
+            <a:fillRef idx="1">
+              <a:schemeClr val="accent1"/>
+            </a:fillRef>
+            <a:effectRef idx="0">
+              <a:schemeClr val="accent1"/>
+            </a:effectRef>
+            <a:fontRef idx="minor">
+              <a:schemeClr val="lt1"/>
+            </a:fontRef>
+          </p:style>
+          <p:txBody>
+            <a:bodyPr rtlCol="0" anchor="ctr"/>
+            <a:lstStyle/>
+            <a:p>
+              <a:pPr algn="ctr"/>
+              <a:endParaRPr lang="en-US"/>
+            </a:p>
+          </p:txBody>
+        </p:sp>
+        <p:sp>
+          <p:nvSpPr>
+            <p:cNvPr id="12" name="Rectangle 11">
+              <a:extLst>
+                <a:ext uri="{FF2B5EF4-FFF2-40B4-BE49-F238E27FC236}">
+                  <a16:creationId xmlns:a16="http://schemas.microsoft.com/office/drawing/2014/main" id="{F16F6E0C-451D-DC44-A164-9E3F853CF608}"/>
+                </a:ext>
+              </a:extLst>
+            </p:cNvPr>
+            <p:cNvSpPr/>
+            <p:nvPr/>
+          </p:nvSpPr>
+          <p:spPr>
+            <a:xfrm>
+              <a:off x="6852063" y="5985164"/>
+              <a:ext cx="308758" cy="201880"/>
+            </a:xfrm>
+            <a:prstGeom prst="rect">
+              <a:avLst/>
+            </a:prstGeom>
+            <a:noFill/>
+            <a:ln w="19050">
+              <a:solidFill>
+                <a:schemeClr val="tx1"/>
+              </a:solidFill>
+            </a:ln>
+          </p:spPr>
+          <p:style>
+            <a:lnRef idx="2">
+              <a:schemeClr val="accent1">
+                <a:shade val="50000"/>
+              </a:schemeClr>
+            </a:lnRef>
+            <a:fillRef idx="1">
+              <a:schemeClr val="accent1"/>
+            </a:fillRef>
+            <a:effectRef idx="0">
+              <a:schemeClr val="accent1"/>
+            </a:effectRef>
+            <a:fontRef idx="minor">
+              <a:schemeClr val="lt1"/>
+            </a:fontRef>
+          </p:style>
+          <p:txBody>
+            <a:bodyPr rtlCol="0" anchor="ctr"/>
+            <a:lstStyle/>
+            <a:p>
+              <a:pPr algn="ctr"/>
+              <a:endParaRPr lang="en-US"/>
+            </a:p>
+          </p:txBody>
+        </p:sp>
+        <p:sp>
+          <p:nvSpPr>
+            <p:cNvPr id="13" name="Rectangle 12">
+              <a:extLst>
+                <a:ext uri="{FF2B5EF4-FFF2-40B4-BE49-F238E27FC236}">
+                  <a16:creationId xmlns:a16="http://schemas.microsoft.com/office/drawing/2014/main" id="{CEB2DB32-FE11-AE40-8E85-6538C1B7E8DF}"/>
+                </a:ext>
+              </a:extLst>
+            </p:cNvPr>
+            <p:cNvSpPr/>
+            <p:nvPr/>
+          </p:nvSpPr>
+          <p:spPr>
+            <a:xfrm>
+              <a:off x="6543305" y="5985164"/>
+              <a:ext cx="308758" cy="201880"/>
+            </a:xfrm>
+            <a:prstGeom prst="rect">
+              <a:avLst/>
+            </a:prstGeom>
+            <a:noFill/>
+            <a:ln w="19050">
+              <a:solidFill>
+                <a:schemeClr val="tx1"/>
+              </a:solidFill>
+            </a:ln>
+          </p:spPr>
+          <p:style>
+            <a:lnRef idx="2">
+              <a:schemeClr val="accent1">
+                <a:shade val="50000"/>
+              </a:schemeClr>
+            </a:lnRef>
+            <a:fillRef idx="1">
+              <a:schemeClr val="accent1"/>
+            </a:fillRef>
+            <a:effectRef idx="0">
+              <a:schemeClr val="accent1"/>
+            </a:effectRef>
+            <a:fontRef idx="minor">
+              <a:schemeClr val="lt1"/>
+            </a:fontRef>
+          </p:style>
+          <p:txBody>
+            <a:bodyPr rtlCol="0" anchor="ctr"/>
+            <a:lstStyle/>
+            <a:p>
+              <a:pPr algn="ctr"/>
+              <a:endParaRPr lang="en-US"/>
+            </a:p>
+          </p:txBody>
+        </p:sp>
+        <p:cxnSp>
+          <p:nvCxnSpPr>
+            <p:cNvPr id="14" name="Straight Connector 13">
+              <a:extLst>
+                <a:ext uri="{FF2B5EF4-FFF2-40B4-BE49-F238E27FC236}">
+                  <a16:creationId xmlns:a16="http://schemas.microsoft.com/office/drawing/2014/main" id="{BAD2EB3E-7596-8447-837C-FB9495F37B5E}"/>
+                </a:ext>
+              </a:extLst>
+            </p:cNvPr>
+            <p:cNvCxnSpPr>
+              <a:cxnSpLocks/>
+            </p:cNvCxnSpPr>
+            <p:nvPr/>
+          </p:nvCxnSpPr>
+          <p:spPr>
+            <a:xfrm>
+              <a:off x="6274340" y="5985164"/>
+              <a:ext cx="268965" cy="0"/>
+            </a:xfrm>
+            <a:prstGeom prst="line">
+              <a:avLst/>
+            </a:prstGeom>
+            <a:ln w="19050">
+              <a:solidFill>
+                <a:schemeClr val="tx1"/>
+              </a:solidFill>
+            </a:ln>
+          </p:spPr>
+          <p:style>
+            <a:lnRef idx="1">
+              <a:schemeClr val="accent1"/>
+            </a:lnRef>
+            <a:fillRef idx="0">
+              <a:schemeClr val="accent1"/>
+            </a:fillRef>
+            <a:effectRef idx="0">
+              <a:schemeClr val="accent1"/>
+            </a:effectRef>
+            <a:fontRef idx="minor">
+              <a:schemeClr val="tx1"/>
+            </a:fontRef>
+          </p:style>
+        </p:cxnSp>
+        <p:cxnSp>
+          <p:nvCxnSpPr>
+            <p:cNvPr id="15" name="Straight Connector 14">
+              <a:extLst>
+                <a:ext uri="{FF2B5EF4-FFF2-40B4-BE49-F238E27FC236}">
+                  <a16:creationId xmlns:a16="http://schemas.microsoft.com/office/drawing/2014/main" id="{9B862BC0-09E9-804F-BDF2-5ECA93EC0BFD}"/>
+                </a:ext>
+              </a:extLst>
+            </p:cNvPr>
+            <p:cNvCxnSpPr>
+              <a:cxnSpLocks/>
+            </p:cNvCxnSpPr>
+            <p:nvPr/>
+          </p:nvCxnSpPr>
+          <p:spPr>
+            <a:xfrm>
+              <a:off x="6274340" y="6187044"/>
+              <a:ext cx="268965" cy="0"/>
+            </a:xfrm>
+            <a:prstGeom prst="line">
+              <a:avLst/>
+            </a:prstGeom>
+            <a:ln w="19050">
+              <a:solidFill>
+                <a:schemeClr val="tx1"/>
+              </a:solidFill>
+            </a:ln>
+          </p:spPr>
+          <p:style>
+            <a:lnRef idx="1">
+              <a:schemeClr val="accent1"/>
+            </a:lnRef>
+            <a:fillRef idx="0">
+              <a:schemeClr val="accent1"/>
+            </a:fillRef>
+            <a:effectRef idx="0">
+              <a:schemeClr val="accent1"/>
+            </a:effectRef>
+            <a:fontRef idx="minor">
+              <a:schemeClr val="tx1"/>
+            </a:fontRef>
+          </p:style>
+        </p:cxnSp>
+      </p:grpSp>
+      <p:sp>
+        <p:nvSpPr>
+          <p:cNvPr id="81" name="Rounded Rectangle 80">
+            <a:extLst>
+              <a:ext uri="{FF2B5EF4-FFF2-40B4-BE49-F238E27FC236}">
+                <a16:creationId xmlns:a16="http://schemas.microsoft.com/office/drawing/2014/main" id="{B274CFDA-A94C-B148-B266-DFD1C5914D94}"/>
+              </a:ext>
+            </a:extLst>
+          </p:cNvPr>
+          <p:cNvSpPr/>
+          <p:nvPr/>
+        </p:nvSpPr>
+        <p:spPr>
+          <a:xfrm>
+            <a:off x="4161034" y="3595762"/>
+            <a:ext cx="1821861" cy="369190"/>
+          </a:xfrm>
+          <a:prstGeom prst="roundRect">
+            <a:avLst/>
+          </a:prstGeom>
+          <a:noFill/>
+          <a:ln w="19050">
+            <a:solidFill>
+              <a:schemeClr val="tx1"/>
+            </a:solidFill>
+          </a:ln>
+        </p:spPr>
+        <p:style>
+          <a:lnRef idx="2">
+            <a:schemeClr val="accent1">
+              <a:shade val="50000"/>
+            </a:schemeClr>
+          </a:lnRef>
+          <a:fillRef idx="1">
+            <a:schemeClr val="accent1"/>
+          </a:fillRef>
+          <a:effectRef idx="0">
+            <a:schemeClr val="accent1"/>
+          </a:effectRef>
+          <a:fontRef idx="minor">
+            <a:schemeClr val="lt1"/>
+          </a:fontRef>
+        </p:style>
+        <p:txBody>
+          <a:bodyPr rtlCol="0" anchor="ctr"/>
+          <a:lstStyle/>
+          <a:p>
+            <a:pPr algn="ctr"/>
+            <a:endParaRPr lang="en-US" dirty="0">
+              <a:solidFill>
+                <a:schemeClr val="tx1"/>
+              </a:solidFill>
+            </a:endParaRPr>
+          </a:p>
+        </p:txBody>
+      </p:sp>
+      <p:sp>
+        <p:nvSpPr>
+          <p:cNvPr id="82" name="Rectangle 81">
+            <a:extLst>
+              <a:ext uri="{FF2B5EF4-FFF2-40B4-BE49-F238E27FC236}">
+                <a16:creationId xmlns:a16="http://schemas.microsoft.com/office/drawing/2014/main" id="{D7956803-29CE-C94A-A3A6-924A728C54A7}"/>
+              </a:ext>
+            </a:extLst>
+          </p:cNvPr>
+          <p:cNvSpPr/>
+          <p:nvPr/>
+        </p:nvSpPr>
+        <p:spPr>
+          <a:xfrm>
+            <a:off x="4161035" y="3603125"/>
+            <a:ext cx="870598" cy="361827"/>
+          </a:xfrm>
+          <a:prstGeom prst="rect">
+            <a:avLst/>
+          </a:prstGeom>
+          <a:solidFill>
+            <a:schemeClr val="accent1">
+              <a:lumMod val="40000"/>
+              <a:lumOff val="60000"/>
+            </a:schemeClr>
+          </a:solidFill>
+        </p:spPr>
+        <p:style>
+          <a:lnRef idx="2">
+            <a:schemeClr val="accent1">
+              <a:shade val="50000"/>
+            </a:schemeClr>
+          </a:lnRef>
+          <a:fillRef idx="1">
+            <a:schemeClr val="accent1"/>
+          </a:fillRef>
+          <a:effectRef idx="0">
+            <a:schemeClr val="accent1"/>
+          </a:effectRef>
+          <a:fontRef idx="minor">
+            <a:schemeClr val="lt1"/>
+          </a:fontRef>
+        </p:style>
+        <p:txBody>
+          <a:bodyPr rtlCol="0" anchor="ctr"/>
+          <a:lstStyle/>
+          <a:p>
+            <a:pPr algn="ctr"/>
+            <a:endParaRPr lang="en-US"/>
+          </a:p>
+        </p:txBody>
+      </p:sp>
+      <p:sp>
+        <p:nvSpPr>
+          <p:cNvPr id="84" name="Rectangle 83">
+            <a:extLst>
+              <a:ext uri="{FF2B5EF4-FFF2-40B4-BE49-F238E27FC236}">
+                <a16:creationId xmlns:a16="http://schemas.microsoft.com/office/drawing/2014/main" id="{8BB2721E-6BDD-7F49-8082-12ACA86D660D}"/>
+              </a:ext>
+            </a:extLst>
+          </p:cNvPr>
+          <p:cNvSpPr/>
+          <p:nvPr/>
+        </p:nvSpPr>
+        <p:spPr>
+          <a:xfrm>
+            <a:off x="5033504" y="3600241"/>
+            <a:ext cx="939104" cy="361827"/>
+          </a:xfrm>
+          <a:prstGeom prst="rect">
+            <a:avLst/>
+          </a:prstGeom>
+          <a:solidFill>
+            <a:srgbClr val="FF7265"/>
+          </a:solidFill>
+        </p:spPr>
+        <p:style>
+          <a:lnRef idx="2">
+            <a:schemeClr val="accent1">
+              <a:shade val="50000"/>
+            </a:schemeClr>
+          </a:lnRef>
+          <a:fillRef idx="1">
+            <a:schemeClr val="accent1"/>
+          </a:fillRef>
+          <a:effectRef idx="0">
+            <a:schemeClr val="accent1"/>
+          </a:effectRef>
+          <a:fontRef idx="minor">
+            <a:schemeClr val="lt1"/>
+          </a:fontRef>
+        </p:style>
+        <p:txBody>
+          <a:bodyPr rtlCol="0" anchor="ctr"/>
+          <a:lstStyle/>
+          <a:p>
+            <a:pPr algn="ctr"/>
+            <a:endParaRPr lang="en-US"/>
+          </a:p>
+        </p:txBody>
+      </p:sp>
+      <p:sp>
+        <p:nvSpPr>
+          <p:cNvPr id="83" name="TextBox 82">
+            <a:extLst>
+              <a:ext uri="{FF2B5EF4-FFF2-40B4-BE49-F238E27FC236}">
+                <a16:creationId xmlns:a16="http://schemas.microsoft.com/office/drawing/2014/main" id="{8D0B9412-C2C0-114D-905C-33EA4EF2BE31}"/>
+              </a:ext>
+            </a:extLst>
+          </p:cNvPr>
+          <p:cNvSpPr txBox="1"/>
+          <p:nvPr/>
+        </p:nvSpPr>
+        <p:spPr>
+          <a:xfrm>
+            <a:off x="4390151" y="3593330"/>
+            <a:ext cx="1498359" cy="369332"/>
+          </a:xfrm>
+          <a:prstGeom prst="rect">
+            <a:avLst/>
+          </a:prstGeom>
+          <a:noFill/>
+        </p:spPr>
+        <p:txBody>
+          <a:bodyPr wrap="none" rtlCol="0">
+            <a:spAutoFit/>
+          </a:bodyPr>
+          <a:lstStyle/>
+          <a:p>
+            <a:r>
+              <a:rPr lang="en-US" dirty="0"/>
+              <a:t>target context</a:t>
+            </a:r>
+          </a:p>
+        </p:txBody>
+      </p:sp>
+    </p:spTree>
+    <p:extLst>
+      <p:ext uri="{BB962C8B-B14F-4D97-AF65-F5344CB8AC3E}">
+        <p14:creationId xmlns:p14="http://schemas.microsoft.com/office/powerpoint/2010/main" val="1904776658"/>
+      </p:ext>
+    </p:extLst>
+  </p:cSld>
+  <p:clrMapOvr>
+    <a:masterClrMapping/>
+  </p:clrMapOvr>
+</p:sld>
+</file>
+
+<file path=ppt/slides/slide5.xml><?xml version="1.0" encoding="utf-8"?>
+<p:sld xmlns:a="http://schemas.openxmlformats.org/drawingml/2006/main" xmlns:r="http://schemas.openxmlformats.org/officeDocument/2006/relationships" xmlns:p="http://schemas.openxmlformats.org/presentationml/2006/main">
+  <p:cSld>
+    <p:spTree>
+      <p:nvGrpSpPr>
+        <p:cNvPr id="1" name=""/>
+        <p:cNvGrpSpPr/>
+        <p:nvPr/>
+      </p:nvGrpSpPr>
+      <p:grpSpPr>
+        <a:xfrm>
+          <a:off x="0" y="0"/>
+          <a:ext cx="0" cy="0"/>
+          <a:chOff x="0" y="0"/>
+          <a:chExt cx="0" cy="0"/>
+        </a:xfrm>
+      </p:grpSpPr>
+      <p:sp>
+        <p:nvSpPr>
+          <p:cNvPr id="4" name="Rectangle 3">
+            <a:extLst>
+              <a:ext uri="{FF2B5EF4-FFF2-40B4-BE49-F238E27FC236}">
+                <a16:creationId xmlns:a16="http://schemas.microsoft.com/office/drawing/2014/main" id="{0E3A1258-58E6-2A4F-B478-1EBC57738303}"/>
+              </a:ext>
+            </a:extLst>
+          </p:cNvPr>
+          <p:cNvSpPr/>
+          <p:nvPr/>
+        </p:nvSpPr>
+        <p:spPr>
+          <a:xfrm>
+            <a:off x="4715838" y="904126"/>
+            <a:ext cx="1910993" cy="1726058"/>
+          </a:xfrm>
+          <a:prstGeom prst="rect">
+            <a:avLst/>
+          </a:prstGeom>
+          <a:solidFill>
+            <a:schemeClr val="accent4">
+              <a:lumMod val="20000"/>
+              <a:lumOff val="80000"/>
+            </a:schemeClr>
+          </a:solidFill>
+          <a:ln>
+            <a:solidFill>
+              <a:schemeClr val="tx1"/>
+            </a:solidFill>
+          </a:ln>
+        </p:spPr>
+        <p:style>
+          <a:lnRef idx="2">
+            <a:schemeClr val="accent1">
+              <a:shade val="50000"/>
+            </a:schemeClr>
+          </a:lnRef>
+          <a:fillRef idx="1">
+            <a:schemeClr val="accent1"/>
+          </a:fillRef>
+          <a:effectRef idx="0">
+            <a:schemeClr val="accent1"/>
+          </a:effectRef>
+          <a:fontRef idx="minor">
+            <a:schemeClr val="lt1"/>
+          </a:fontRef>
+        </p:style>
+        <p:txBody>
+          <a:bodyPr rtlCol="0" anchor="ctr"/>
+          <a:lstStyle/>
+          <a:p>
+            <a:pPr algn="ctr"/>
+            <a:endParaRPr lang="en-US"/>
+          </a:p>
+        </p:txBody>
+      </p:sp>
+      <p:sp>
+        <p:nvSpPr>
+          <p:cNvPr id="5" name="TextBox 4">
+            <a:extLst>
+              <a:ext uri="{FF2B5EF4-FFF2-40B4-BE49-F238E27FC236}">
+                <a16:creationId xmlns:a16="http://schemas.microsoft.com/office/drawing/2014/main" id="{C7DC014C-BD23-F54C-B5FF-8F0E9BCA8858}"/>
+              </a:ext>
+            </a:extLst>
+          </p:cNvPr>
+          <p:cNvSpPr txBox="1"/>
+          <p:nvPr/>
+        </p:nvSpPr>
+        <p:spPr>
+          <a:xfrm>
+            <a:off x="5218752" y="903382"/>
+            <a:ext cx="975780" cy="307777"/>
+          </a:xfrm>
+          <a:prstGeom prst="rect">
+            <a:avLst/>
+          </a:prstGeom>
+          <a:noFill/>
+        </p:spPr>
+        <p:txBody>
+          <a:bodyPr wrap="none" rtlCol="0">
+            <a:spAutoFit/>
+          </a:bodyPr>
+          <a:lstStyle/>
+          <a:p>
+            <a:r>
+              <a:rPr lang="en-US" sz="1400" dirty="0"/>
+              <a:t>Rocket Tile</a:t>
+            </a:r>
+          </a:p>
+        </p:txBody>
+      </p:sp>
+      <p:sp>
+        <p:nvSpPr>
+          <p:cNvPr id="6" name="Rectangle 5">
+            <a:extLst>
+              <a:ext uri="{FF2B5EF4-FFF2-40B4-BE49-F238E27FC236}">
+                <a16:creationId xmlns:a16="http://schemas.microsoft.com/office/drawing/2014/main" id="{FB5AE3DC-6B1F-B648-B018-EB02A56DF7C7}"/>
+              </a:ext>
+            </a:extLst>
+          </p:cNvPr>
+          <p:cNvSpPr/>
+          <p:nvPr/>
+        </p:nvSpPr>
+        <p:spPr>
+          <a:xfrm>
+            <a:off x="4868239" y="1210414"/>
+            <a:ext cx="784989" cy="307777"/>
+          </a:xfrm>
+          <a:prstGeom prst="rect">
+            <a:avLst/>
+          </a:prstGeom>
+          <a:solidFill>
+            <a:schemeClr val="accent4">
+              <a:lumMod val="60000"/>
+              <a:lumOff val="40000"/>
+            </a:schemeClr>
+          </a:solidFill>
+          <a:ln>
+            <a:solidFill>
+              <a:schemeClr val="tx1"/>
+            </a:solidFill>
+          </a:ln>
+        </p:spPr>
+        <p:style>
+          <a:lnRef idx="2">
+            <a:schemeClr val="accent1">
+              <a:shade val="50000"/>
+            </a:schemeClr>
+          </a:lnRef>
+          <a:fillRef idx="1">
+            <a:schemeClr val="accent1"/>
+          </a:fillRef>
+          <a:effectRef idx="0">
+            <a:schemeClr val="accent1"/>
+          </a:effectRef>
+          <a:fontRef idx="minor">
+            <a:schemeClr val="lt1"/>
+          </a:fontRef>
+        </p:style>
+        <p:txBody>
+          <a:bodyPr rtlCol="0" anchor="ctr"/>
+          <a:lstStyle/>
+          <a:p>
+            <a:pPr algn="ctr"/>
+            <a:endParaRPr lang="en-US"/>
+          </a:p>
+        </p:txBody>
+      </p:sp>
+      <p:sp>
+        <p:nvSpPr>
+          <p:cNvPr id="7" name="TextBox 6">
+            <a:extLst>
+              <a:ext uri="{FF2B5EF4-FFF2-40B4-BE49-F238E27FC236}">
+                <a16:creationId xmlns:a16="http://schemas.microsoft.com/office/drawing/2014/main" id="{A99F88CA-FC4C-C244-895E-E989ABE44D6B}"/>
+              </a:ext>
+            </a:extLst>
+          </p:cNvPr>
+          <p:cNvSpPr txBox="1"/>
+          <p:nvPr/>
+        </p:nvSpPr>
+        <p:spPr>
+          <a:xfrm>
+            <a:off x="4923525" y="1210414"/>
+            <a:ext cx="674415" cy="307777"/>
+          </a:xfrm>
+          <a:prstGeom prst="rect">
+            <a:avLst/>
+          </a:prstGeom>
+          <a:noFill/>
+        </p:spPr>
+        <p:txBody>
+          <a:bodyPr wrap="none" rtlCol="0">
+            <a:spAutoFit/>
+          </a:bodyPr>
+          <a:lstStyle/>
+          <a:p>
+            <a:r>
+              <a:rPr lang="en-US" sz="1400" dirty="0"/>
+              <a:t>Rocket</a:t>
+            </a:r>
+          </a:p>
+        </p:txBody>
+      </p:sp>
+      <p:sp>
+        <p:nvSpPr>
+          <p:cNvPr id="10" name="Rectangle 9">
+            <a:extLst>
+              <a:ext uri="{FF2B5EF4-FFF2-40B4-BE49-F238E27FC236}">
+                <a16:creationId xmlns:a16="http://schemas.microsoft.com/office/drawing/2014/main" id="{6650E36B-C174-B140-9067-1AAB7156C940}"/>
+              </a:ext>
+            </a:extLst>
+          </p:cNvPr>
+          <p:cNvSpPr/>
+          <p:nvPr/>
+        </p:nvSpPr>
+        <p:spPr>
+          <a:xfrm>
+            <a:off x="5934671" y="1210414"/>
+            <a:ext cx="525337" cy="307777"/>
+          </a:xfrm>
+          <a:prstGeom prst="rect">
+            <a:avLst/>
+          </a:prstGeom>
+          <a:solidFill>
+            <a:schemeClr val="accent4">
+              <a:lumMod val="60000"/>
+              <a:lumOff val="40000"/>
+            </a:schemeClr>
+          </a:solidFill>
+          <a:ln>
+            <a:solidFill>
+              <a:schemeClr val="tx1"/>
+            </a:solidFill>
+          </a:ln>
+        </p:spPr>
+        <p:style>
+          <a:lnRef idx="2">
+            <a:schemeClr val="accent1">
+              <a:shade val="50000"/>
+            </a:schemeClr>
+          </a:lnRef>
+          <a:fillRef idx="1">
+            <a:schemeClr val="accent1"/>
+          </a:fillRef>
+          <a:effectRef idx="0">
+            <a:schemeClr val="accent1"/>
+          </a:effectRef>
+          <a:fontRef idx="minor">
+            <a:schemeClr val="lt1"/>
+          </a:fontRef>
+        </p:style>
+        <p:txBody>
+          <a:bodyPr rtlCol="0" anchor="ctr"/>
+          <a:lstStyle/>
+          <a:p>
+            <a:pPr algn="ctr"/>
+            <a:endParaRPr lang="en-US"/>
+          </a:p>
+        </p:txBody>
+      </p:sp>
+      <p:sp>
+        <p:nvSpPr>
+          <p:cNvPr id="11" name="TextBox 10">
+            <a:extLst>
+              <a:ext uri="{FF2B5EF4-FFF2-40B4-BE49-F238E27FC236}">
+                <a16:creationId xmlns:a16="http://schemas.microsoft.com/office/drawing/2014/main" id="{5C72BEA4-E533-524C-9915-A2C1E4C5C92F}"/>
+              </a:ext>
+            </a:extLst>
+          </p:cNvPr>
+          <p:cNvSpPr txBox="1"/>
+          <p:nvPr/>
+        </p:nvSpPr>
+        <p:spPr>
+          <a:xfrm>
+            <a:off x="5951517" y="1219685"/>
+            <a:ext cx="525337" cy="307777"/>
+          </a:xfrm>
+          <a:prstGeom prst="rect">
+            <a:avLst/>
+          </a:prstGeom>
+          <a:noFill/>
+        </p:spPr>
+        <p:txBody>
+          <a:bodyPr wrap="none" rtlCol="0">
+            <a:spAutoFit/>
+          </a:bodyPr>
+          <a:lstStyle/>
+          <a:p>
+            <a:r>
+              <a:rPr lang="en-US" sz="1400" dirty="0"/>
+              <a:t>PTW</a:t>
+            </a:r>
+          </a:p>
+        </p:txBody>
+      </p:sp>
+      <p:sp>
+        <p:nvSpPr>
+          <p:cNvPr id="12" name="Rectangle 11">
+            <a:extLst>
+              <a:ext uri="{FF2B5EF4-FFF2-40B4-BE49-F238E27FC236}">
+                <a16:creationId xmlns:a16="http://schemas.microsoft.com/office/drawing/2014/main" id="{B2A36CF9-A529-334C-BF2A-7216EF12CDB0}"/>
+              </a:ext>
+            </a:extLst>
+          </p:cNvPr>
+          <p:cNvSpPr/>
+          <p:nvPr/>
+        </p:nvSpPr>
+        <p:spPr>
+          <a:xfrm>
+            <a:off x="4998045" y="1710718"/>
+            <a:ext cx="525337" cy="307777"/>
+          </a:xfrm>
+          <a:prstGeom prst="rect">
+            <a:avLst/>
+          </a:prstGeom>
+          <a:solidFill>
+            <a:schemeClr val="accent4">
+              <a:lumMod val="60000"/>
+              <a:lumOff val="40000"/>
+            </a:schemeClr>
+          </a:solidFill>
+          <a:ln>
+            <a:solidFill>
+              <a:schemeClr val="tx1"/>
+            </a:solidFill>
+          </a:ln>
+        </p:spPr>
+        <p:style>
+          <a:lnRef idx="2">
+            <a:schemeClr val="accent1">
+              <a:shade val="50000"/>
+            </a:schemeClr>
+          </a:lnRef>
+          <a:fillRef idx="1">
+            <a:schemeClr val="accent1"/>
+          </a:fillRef>
+          <a:effectRef idx="0">
+            <a:schemeClr val="accent1"/>
+          </a:effectRef>
+          <a:fontRef idx="minor">
+            <a:schemeClr val="lt1"/>
+          </a:fontRef>
+        </p:style>
+        <p:txBody>
+          <a:bodyPr rtlCol="0" anchor="ctr"/>
+          <a:lstStyle/>
+          <a:p>
+            <a:pPr algn="ctr"/>
+            <a:endParaRPr lang="en-US"/>
+          </a:p>
+        </p:txBody>
+      </p:sp>
+      <p:sp>
+        <p:nvSpPr>
+          <p:cNvPr id="13" name="TextBox 12">
+            <a:extLst>
+              <a:ext uri="{FF2B5EF4-FFF2-40B4-BE49-F238E27FC236}">
+                <a16:creationId xmlns:a16="http://schemas.microsoft.com/office/drawing/2014/main" id="{B97FE83A-BEC9-3046-9C05-0C393D30A035}"/>
+              </a:ext>
+            </a:extLst>
+          </p:cNvPr>
+          <p:cNvSpPr txBox="1"/>
+          <p:nvPr/>
+        </p:nvSpPr>
+        <p:spPr>
+          <a:xfrm>
+            <a:off x="5020941" y="1710718"/>
+            <a:ext cx="487634" cy="307777"/>
+          </a:xfrm>
+          <a:prstGeom prst="rect">
+            <a:avLst/>
+          </a:prstGeom>
+          <a:noFill/>
+        </p:spPr>
+        <p:txBody>
+          <a:bodyPr wrap="none" rtlCol="0">
+            <a:spAutoFit/>
+          </a:bodyPr>
+          <a:lstStyle/>
+          <a:p>
+            <a:r>
+              <a:rPr lang="en-US" sz="1400" dirty="0"/>
+              <a:t>L1I$</a:t>
+            </a:r>
+          </a:p>
+        </p:txBody>
+      </p:sp>
+      <p:sp>
+        <p:nvSpPr>
+          <p:cNvPr id="14" name="Rectangle 13">
+            <a:extLst>
+              <a:ext uri="{FF2B5EF4-FFF2-40B4-BE49-F238E27FC236}">
+                <a16:creationId xmlns:a16="http://schemas.microsoft.com/office/drawing/2014/main" id="{D1ABB756-D2A4-0145-892B-929F2076D1D6}"/>
+              </a:ext>
+            </a:extLst>
+          </p:cNvPr>
+          <p:cNvSpPr/>
+          <p:nvPr/>
+        </p:nvSpPr>
+        <p:spPr>
+          <a:xfrm>
+            <a:off x="5938646" y="1731117"/>
+            <a:ext cx="525337" cy="307777"/>
+          </a:xfrm>
+          <a:prstGeom prst="rect">
+            <a:avLst/>
+          </a:prstGeom>
+          <a:solidFill>
+            <a:schemeClr val="accent4">
+              <a:lumMod val="60000"/>
+              <a:lumOff val="40000"/>
+            </a:schemeClr>
+          </a:solidFill>
+          <a:ln>
+            <a:solidFill>
+              <a:schemeClr val="tx1"/>
+            </a:solidFill>
+          </a:ln>
+        </p:spPr>
+        <p:style>
+          <a:lnRef idx="2">
+            <a:schemeClr val="accent1">
+              <a:shade val="50000"/>
+            </a:schemeClr>
+          </a:lnRef>
+          <a:fillRef idx="1">
+            <a:schemeClr val="accent1"/>
+          </a:fillRef>
+          <a:effectRef idx="0">
+            <a:schemeClr val="accent1"/>
+          </a:effectRef>
+          <a:fontRef idx="minor">
+            <a:schemeClr val="lt1"/>
+          </a:fontRef>
+        </p:style>
+        <p:txBody>
+          <a:bodyPr rtlCol="0" anchor="ctr"/>
+          <a:lstStyle/>
+          <a:p>
+            <a:pPr algn="ctr"/>
+            <a:endParaRPr lang="en-US"/>
+          </a:p>
+        </p:txBody>
+      </p:sp>
+      <p:sp>
+        <p:nvSpPr>
+          <p:cNvPr id="15" name="TextBox 14">
+            <a:extLst>
+              <a:ext uri="{FF2B5EF4-FFF2-40B4-BE49-F238E27FC236}">
+                <a16:creationId xmlns:a16="http://schemas.microsoft.com/office/drawing/2014/main" id="{C4E8D72A-2497-5143-A6C2-917224CA18DB}"/>
+              </a:ext>
+            </a:extLst>
+          </p:cNvPr>
+          <p:cNvSpPr txBox="1"/>
+          <p:nvPr/>
+        </p:nvSpPr>
+        <p:spPr>
+          <a:xfrm>
+            <a:off x="5934626" y="1731117"/>
+            <a:ext cx="553357" cy="307777"/>
+          </a:xfrm>
+          <a:prstGeom prst="rect">
+            <a:avLst/>
+          </a:prstGeom>
+          <a:noFill/>
+        </p:spPr>
+        <p:txBody>
+          <a:bodyPr wrap="none" rtlCol="0">
+            <a:spAutoFit/>
+          </a:bodyPr>
+          <a:lstStyle/>
+          <a:p>
+            <a:r>
+              <a:rPr lang="en-US" sz="1400" dirty="0"/>
+              <a:t>L1D$</a:t>
+            </a:r>
+          </a:p>
+        </p:txBody>
+      </p:sp>
+      <p:sp>
+        <p:nvSpPr>
+          <p:cNvPr id="16" name="Rectangle 15">
+            <a:extLst>
+              <a:ext uri="{FF2B5EF4-FFF2-40B4-BE49-F238E27FC236}">
+                <a16:creationId xmlns:a16="http://schemas.microsoft.com/office/drawing/2014/main" id="{6C0E6825-98F9-E845-B241-997913DFFEBF}"/>
+              </a:ext>
+            </a:extLst>
+          </p:cNvPr>
+          <p:cNvSpPr/>
+          <p:nvPr/>
+        </p:nvSpPr>
+        <p:spPr>
+          <a:xfrm>
+            <a:off x="4868239" y="2251821"/>
+            <a:ext cx="1619949" cy="307777"/>
+          </a:xfrm>
+          <a:prstGeom prst="rect">
+            <a:avLst/>
+          </a:prstGeom>
+          <a:solidFill>
+            <a:schemeClr val="accent4">
+              <a:lumMod val="60000"/>
+              <a:lumOff val="40000"/>
+            </a:schemeClr>
+          </a:solidFill>
+          <a:ln>
+            <a:solidFill>
+              <a:schemeClr val="tx1"/>
+            </a:solidFill>
+          </a:ln>
+        </p:spPr>
+        <p:style>
+          <a:lnRef idx="2">
+            <a:schemeClr val="accent1">
+              <a:shade val="50000"/>
+            </a:schemeClr>
+          </a:lnRef>
+          <a:fillRef idx="1">
+            <a:schemeClr val="accent1"/>
+          </a:fillRef>
+          <a:effectRef idx="0">
+            <a:schemeClr val="accent1"/>
+          </a:effectRef>
+          <a:fontRef idx="minor">
+            <a:schemeClr val="lt1"/>
+          </a:fontRef>
+        </p:style>
+        <p:txBody>
+          <a:bodyPr rtlCol="0" anchor="ctr"/>
+          <a:lstStyle/>
+          <a:p>
+            <a:pPr algn="ctr"/>
+            <a:endParaRPr lang="en-US"/>
+          </a:p>
+        </p:txBody>
+      </p:sp>
+      <p:sp>
+        <p:nvSpPr>
+          <p:cNvPr id="17" name="TextBox 16">
+            <a:extLst>
+              <a:ext uri="{FF2B5EF4-FFF2-40B4-BE49-F238E27FC236}">
+                <a16:creationId xmlns:a16="http://schemas.microsoft.com/office/drawing/2014/main" id="{F49D1114-24CB-E14E-AD55-AAE7D32C763F}"/>
+              </a:ext>
+            </a:extLst>
+          </p:cNvPr>
+          <p:cNvSpPr txBox="1"/>
+          <p:nvPr/>
+        </p:nvSpPr>
+        <p:spPr>
+          <a:xfrm>
+            <a:off x="5249747" y="2251821"/>
+            <a:ext cx="708848" cy="307777"/>
+          </a:xfrm>
+          <a:prstGeom prst="rect">
+            <a:avLst/>
+          </a:prstGeom>
+          <a:noFill/>
+        </p:spPr>
+        <p:txBody>
+          <a:bodyPr wrap="none" rtlCol="0">
+            <a:spAutoFit/>
+          </a:bodyPr>
+          <a:lstStyle/>
+          <a:p>
+            <a:r>
+              <a:rPr lang="en-US" sz="1400" dirty="0" err="1"/>
+              <a:t>TileBus</a:t>
+            </a:r>
+            <a:endParaRPr lang="en-US" sz="1400" dirty="0"/>
+          </a:p>
+        </p:txBody>
+      </p:sp>
+      <p:cxnSp>
+        <p:nvCxnSpPr>
+          <p:cNvPr id="19" name="Straight Arrow Connector 18">
+            <a:extLst>
+              <a:ext uri="{FF2B5EF4-FFF2-40B4-BE49-F238E27FC236}">
+                <a16:creationId xmlns:a16="http://schemas.microsoft.com/office/drawing/2014/main" id="{1EF3DD15-22BC-E348-BA7D-90337E70F3A5}"/>
+              </a:ext>
+            </a:extLst>
+          </p:cNvPr>
+          <p:cNvCxnSpPr>
+            <a:stCxn id="6" idx="3"/>
+            <a:endCxn id="10" idx="1"/>
+          </p:cNvCxnSpPr>
+          <p:nvPr/>
+        </p:nvCxnSpPr>
+        <p:spPr>
+          <a:xfrm>
+            <a:off x="5653228" y="1364303"/>
+            <a:ext cx="281443" cy="0"/>
+          </a:xfrm>
+          <a:prstGeom prst="straightConnector1">
+            <a:avLst/>
+          </a:prstGeom>
+          <a:ln>
+            <a:solidFill>
+              <a:schemeClr val="tx1"/>
+            </a:solidFill>
+            <a:tailEnd type="triangle"/>
+          </a:ln>
+        </p:spPr>
+        <p:style>
+          <a:lnRef idx="1">
+            <a:schemeClr val="accent1"/>
+          </a:lnRef>
+          <a:fillRef idx="0">
+            <a:schemeClr val="accent1"/>
+          </a:fillRef>
+          <a:effectRef idx="0">
+            <a:schemeClr val="accent1"/>
+          </a:effectRef>
+          <a:fontRef idx="minor">
+            <a:schemeClr val="tx1"/>
+          </a:fontRef>
+        </p:style>
+      </p:cxnSp>
+      <p:cxnSp>
+        <p:nvCxnSpPr>
+          <p:cNvPr id="20" name="Straight Arrow Connector 19">
+            <a:extLst>
+              <a:ext uri="{FF2B5EF4-FFF2-40B4-BE49-F238E27FC236}">
+                <a16:creationId xmlns:a16="http://schemas.microsoft.com/office/drawing/2014/main" id="{0C5D443F-7872-B74E-842B-88F2F701E62A}"/>
+              </a:ext>
+            </a:extLst>
+          </p:cNvPr>
+          <p:cNvCxnSpPr>
+            <a:cxnSpLocks/>
+            <a:endCxn id="13" idx="0"/>
+          </p:cNvCxnSpPr>
+          <p:nvPr/>
+        </p:nvCxnSpPr>
+        <p:spPr>
+          <a:xfrm>
+            <a:off x="5264758" y="1528390"/>
+            <a:ext cx="0" cy="182328"/>
+          </a:xfrm>
+          <a:prstGeom prst="straightConnector1">
+            <a:avLst/>
+          </a:prstGeom>
+          <a:ln>
+            <a:solidFill>
+              <a:schemeClr val="tx1"/>
+            </a:solidFill>
+            <a:tailEnd type="triangle"/>
+          </a:ln>
+        </p:spPr>
+        <p:style>
+          <a:lnRef idx="1">
+            <a:schemeClr val="accent1"/>
+          </a:lnRef>
+          <a:fillRef idx="0">
+            <a:schemeClr val="accent1"/>
+          </a:fillRef>
+          <a:effectRef idx="0">
+            <a:schemeClr val="accent1"/>
+          </a:effectRef>
+          <a:fontRef idx="minor">
+            <a:schemeClr val="tx1"/>
+          </a:fontRef>
+        </p:style>
+      </p:cxnSp>
+      <p:cxnSp>
+        <p:nvCxnSpPr>
+          <p:cNvPr id="23" name="Straight Arrow Connector 22">
+            <a:extLst>
+              <a:ext uri="{FF2B5EF4-FFF2-40B4-BE49-F238E27FC236}">
+                <a16:creationId xmlns:a16="http://schemas.microsoft.com/office/drawing/2014/main" id="{EE219710-A778-7344-8F2A-DC9A640CDDC1}"/>
+              </a:ext>
+            </a:extLst>
+          </p:cNvPr>
+          <p:cNvCxnSpPr>
+            <a:cxnSpLocks/>
+            <a:stCxn id="11" idx="2"/>
+            <a:endCxn id="15" idx="0"/>
+          </p:cNvCxnSpPr>
+          <p:nvPr/>
+        </p:nvCxnSpPr>
+        <p:spPr>
+          <a:xfrm flipH="1">
+            <a:off x="6211305" y="1527462"/>
+            <a:ext cx="2881" cy="203655"/>
+          </a:xfrm>
+          <a:prstGeom prst="straightConnector1">
+            <a:avLst/>
+          </a:prstGeom>
+          <a:ln>
+            <a:solidFill>
+              <a:schemeClr val="tx1"/>
+            </a:solidFill>
+            <a:tailEnd type="triangle"/>
+          </a:ln>
+        </p:spPr>
+        <p:style>
+          <a:lnRef idx="1">
+            <a:schemeClr val="accent1"/>
+          </a:lnRef>
+          <a:fillRef idx="0">
+            <a:schemeClr val="accent1"/>
+          </a:fillRef>
+          <a:effectRef idx="0">
+            <a:schemeClr val="accent1"/>
+          </a:effectRef>
+          <a:fontRef idx="minor">
+            <a:schemeClr val="tx1"/>
+          </a:fontRef>
+        </p:style>
+      </p:cxnSp>
+      <p:cxnSp>
+        <p:nvCxnSpPr>
+          <p:cNvPr id="30" name="Elbow Connector 29">
+            <a:extLst>
+              <a:ext uri="{FF2B5EF4-FFF2-40B4-BE49-F238E27FC236}">
+                <a16:creationId xmlns:a16="http://schemas.microsoft.com/office/drawing/2014/main" id="{D30881EB-A382-7A4B-BF9E-40BB9814BBAB}"/>
+              </a:ext>
+            </a:extLst>
+          </p:cNvPr>
+          <p:cNvCxnSpPr>
+            <a:cxnSpLocks/>
+            <a:endCxn id="14" idx="1"/>
+          </p:cNvCxnSpPr>
+          <p:nvPr/>
+        </p:nvCxnSpPr>
+        <p:spPr>
+          <a:xfrm>
+            <a:off x="5458844" y="1518191"/>
+            <a:ext cx="479802" cy="366815"/>
+          </a:xfrm>
+          <a:prstGeom prst="bentConnector3">
+            <a:avLst>
+              <a:gd name="adj1" fmla="val 28587"/>
+            </a:avLst>
+          </a:prstGeom>
+          <a:ln>
+            <a:solidFill>
+              <a:schemeClr val="tx1"/>
+            </a:solidFill>
+            <a:tailEnd type="triangle"/>
+          </a:ln>
+        </p:spPr>
+        <p:style>
+          <a:lnRef idx="1">
+            <a:schemeClr val="accent1"/>
+          </a:lnRef>
+          <a:fillRef idx="0">
+            <a:schemeClr val="accent1"/>
+          </a:fillRef>
+          <a:effectRef idx="0">
+            <a:schemeClr val="accent1"/>
+          </a:effectRef>
+          <a:fontRef idx="minor">
+            <a:schemeClr val="tx1"/>
+          </a:fontRef>
+        </p:style>
+      </p:cxnSp>
+      <p:cxnSp>
+        <p:nvCxnSpPr>
+          <p:cNvPr id="35" name="Straight Arrow Connector 34">
+            <a:extLst>
+              <a:ext uri="{FF2B5EF4-FFF2-40B4-BE49-F238E27FC236}">
+                <a16:creationId xmlns:a16="http://schemas.microsoft.com/office/drawing/2014/main" id="{5F9D8EFE-7788-174C-899A-0B8D447F3844}"/>
+              </a:ext>
+            </a:extLst>
+          </p:cNvPr>
+          <p:cNvCxnSpPr>
+            <a:cxnSpLocks/>
+          </p:cNvCxnSpPr>
+          <p:nvPr/>
+        </p:nvCxnSpPr>
+        <p:spPr>
+          <a:xfrm>
+            <a:off x="5260713" y="2038894"/>
+            <a:ext cx="0" cy="212927"/>
+          </a:xfrm>
+          <a:prstGeom prst="straightConnector1">
+            <a:avLst/>
+          </a:prstGeom>
+          <a:ln>
+            <a:solidFill>
+              <a:schemeClr val="tx1"/>
+            </a:solidFill>
+            <a:tailEnd type="triangle"/>
+          </a:ln>
+        </p:spPr>
+        <p:style>
+          <a:lnRef idx="1">
+            <a:schemeClr val="accent1"/>
+          </a:lnRef>
+          <a:fillRef idx="0">
+            <a:schemeClr val="accent1"/>
+          </a:fillRef>
+          <a:effectRef idx="0">
+            <a:schemeClr val="accent1"/>
+          </a:effectRef>
+          <a:fontRef idx="minor">
+            <a:schemeClr val="tx1"/>
+          </a:fontRef>
+        </p:style>
+      </p:cxnSp>
+      <p:cxnSp>
+        <p:nvCxnSpPr>
+          <p:cNvPr id="38" name="Straight Arrow Connector 37">
+            <a:extLst>
+              <a:ext uri="{FF2B5EF4-FFF2-40B4-BE49-F238E27FC236}">
+                <a16:creationId xmlns:a16="http://schemas.microsoft.com/office/drawing/2014/main" id="{F4758C64-FA3E-6D4B-A5A9-8C26BF8E38A3}"/>
+              </a:ext>
+            </a:extLst>
+          </p:cNvPr>
+          <p:cNvCxnSpPr>
+            <a:cxnSpLocks/>
+          </p:cNvCxnSpPr>
+          <p:nvPr/>
+        </p:nvCxnSpPr>
+        <p:spPr>
+          <a:xfrm>
+            <a:off x="6215991" y="2038894"/>
+            <a:ext cx="0" cy="212927"/>
+          </a:xfrm>
+          <a:prstGeom prst="straightConnector1">
+            <a:avLst/>
+          </a:prstGeom>
+          <a:ln>
+            <a:solidFill>
+              <a:schemeClr val="tx1"/>
+            </a:solidFill>
+            <a:tailEnd type="triangle"/>
+          </a:ln>
+        </p:spPr>
+        <p:style>
+          <a:lnRef idx="1">
+            <a:schemeClr val="accent1"/>
+          </a:lnRef>
+          <a:fillRef idx="0">
+            <a:schemeClr val="accent1"/>
+          </a:fillRef>
+          <a:effectRef idx="0">
+            <a:schemeClr val="accent1"/>
+          </a:effectRef>
+          <a:fontRef idx="minor">
+            <a:schemeClr val="tx1"/>
+          </a:fontRef>
+        </p:style>
+      </p:cxnSp>
+      <p:sp>
+        <p:nvSpPr>
+          <p:cNvPr id="39" name="Rectangle 38">
+            <a:extLst>
+              <a:ext uri="{FF2B5EF4-FFF2-40B4-BE49-F238E27FC236}">
+                <a16:creationId xmlns:a16="http://schemas.microsoft.com/office/drawing/2014/main" id="{E2FECC2C-9FB4-794A-B091-7153E0707EA6}"/>
+              </a:ext>
+            </a:extLst>
+          </p:cNvPr>
+          <p:cNvSpPr/>
+          <p:nvPr/>
+        </p:nvSpPr>
+        <p:spPr>
+          <a:xfrm>
+            <a:off x="3719246" y="2955013"/>
+            <a:ext cx="4525090" cy="385056"/>
+          </a:xfrm>
+          <a:prstGeom prst="rect">
+            <a:avLst/>
+          </a:prstGeom>
+          <a:solidFill>
+            <a:schemeClr val="accent6">
+              <a:lumMod val="40000"/>
+              <a:lumOff val="60000"/>
+            </a:schemeClr>
+          </a:solidFill>
+          <a:ln>
+            <a:solidFill>
+              <a:schemeClr val="tx1"/>
+            </a:solidFill>
+          </a:ln>
+        </p:spPr>
+        <p:style>
+          <a:lnRef idx="2">
+            <a:schemeClr val="accent1">
+              <a:shade val="50000"/>
+            </a:schemeClr>
+          </a:lnRef>
+          <a:fillRef idx="1">
+            <a:schemeClr val="accent1"/>
+          </a:fillRef>
+          <a:effectRef idx="0">
+            <a:schemeClr val="accent1"/>
+          </a:effectRef>
+          <a:fontRef idx="minor">
+            <a:schemeClr val="lt1"/>
+          </a:fontRef>
+        </p:style>
+        <p:txBody>
+          <a:bodyPr rtlCol="0" anchor="ctr"/>
+          <a:lstStyle/>
+          <a:p>
+            <a:pPr algn="ctr"/>
+            <a:endParaRPr lang="en-US"/>
+          </a:p>
+        </p:txBody>
+      </p:sp>
+      <p:sp>
+        <p:nvSpPr>
+          <p:cNvPr id="40" name="TextBox 39">
+            <a:extLst>
+              <a:ext uri="{FF2B5EF4-FFF2-40B4-BE49-F238E27FC236}">
+                <a16:creationId xmlns:a16="http://schemas.microsoft.com/office/drawing/2014/main" id="{B4A03E0A-9062-E04F-B831-F809B3731861}"/>
+              </a:ext>
+            </a:extLst>
+          </p:cNvPr>
+          <p:cNvSpPr txBox="1"/>
+          <p:nvPr/>
+        </p:nvSpPr>
+        <p:spPr>
+          <a:xfrm>
+            <a:off x="5597940" y="2993652"/>
+            <a:ext cx="967188" cy="307777"/>
+          </a:xfrm>
+          <a:prstGeom prst="rect">
+            <a:avLst/>
+          </a:prstGeom>
+          <a:noFill/>
+        </p:spPr>
+        <p:txBody>
+          <a:bodyPr wrap="none" rtlCol="0">
+            <a:spAutoFit/>
+          </a:bodyPr>
+          <a:lstStyle/>
+          <a:p>
+            <a:r>
+              <a:rPr lang="en-US" sz="1400" dirty="0" err="1"/>
+              <a:t>SystemBus</a:t>
+            </a:r>
+            <a:endParaRPr lang="en-US" sz="1400" dirty="0"/>
+          </a:p>
+        </p:txBody>
+      </p:sp>
+      <p:sp>
+        <p:nvSpPr>
+          <p:cNvPr id="41" name="Rectangle 40">
+            <a:extLst>
+              <a:ext uri="{FF2B5EF4-FFF2-40B4-BE49-F238E27FC236}">
+                <a16:creationId xmlns:a16="http://schemas.microsoft.com/office/drawing/2014/main" id="{2EF93F37-F57B-F94A-9168-671F5767C5E0}"/>
+              </a:ext>
+            </a:extLst>
+          </p:cNvPr>
+          <p:cNvSpPr/>
+          <p:nvPr/>
+        </p:nvSpPr>
+        <p:spPr>
+          <a:xfrm>
+            <a:off x="7025287" y="2284144"/>
+            <a:ext cx="1042425" cy="340007"/>
+          </a:xfrm>
+          <a:prstGeom prst="rect">
+            <a:avLst/>
+          </a:prstGeom>
+          <a:solidFill>
+            <a:schemeClr val="accent6">
+              <a:lumMod val="60000"/>
+              <a:lumOff val="40000"/>
+            </a:schemeClr>
+          </a:solidFill>
+          <a:ln>
+            <a:solidFill>
+              <a:schemeClr val="tx1"/>
+            </a:solidFill>
+          </a:ln>
+        </p:spPr>
+        <p:style>
+          <a:lnRef idx="2">
+            <a:schemeClr val="accent1">
+              <a:shade val="50000"/>
+            </a:schemeClr>
+          </a:lnRef>
+          <a:fillRef idx="1">
+            <a:schemeClr val="accent1"/>
+          </a:fillRef>
+          <a:effectRef idx="0">
+            <a:schemeClr val="accent1"/>
+          </a:effectRef>
+          <a:fontRef idx="minor">
+            <a:schemeClr val="lt1"/>
+          </a:fontRef>
+        </p:style>
+        <p:txBody>
+          <a:bodyPr rtlCol="0" anchor="ctr"/>
+          <a:lstStyle/>
+          <a:p>
+            <a:pPr algn="ctr"/>
+            <a:endParaRPr lang="en-US"/>
+          </a:p>
+        </p:txBody>
+      </p:sp>
+      <p:sp>
+        <p:nvSpPr>
+          <p:cNvPr id="42" name="TextBox 41">
+            <a:extLst>
+              <a:ext uri="{FF2B5EF4-FFF2-40B4-BE49-F238E27FC236}">
+                <a16:creationId xmlns:a16="http://schemas.microsoft.com/office/drawing/2014/main" id="{31457C0E-FF2F-E447-9602-098DE7EB1C90}"/>
+              </a:ext>
+            </a:extLst>
+          </p:cNvPr>
+          <p:cNvSpPr txBox="1"/>
+          <p:nvPr/>
+        </p:nvSpPr>
+        <p:spPr>
+          <a:xfrm>
+            <a:off x="7127826" y="2300258"/>
+            <a:ext cx="837345" cy="307777"/>
+          </a:xfrm>
+          <a:prstGeom prst="rect">
+            <a:avLst/>
+          </a:prstGeom>
+          <a:noFill/>
+        </p:spPr>
+        <p:txBody>
+          <a:bodyPr wrap="none" rtlCol="0">
+            <a:spAutoFit/>
+          </a:bodyPr>
+          <a:lstStyle/>
+          <a:p>
+            <a:r>
+              <a:rPr lang="en-US" sz="1400" dirty="0" err="1"/>
+              <a:t>FrontBus</a:t>
+            </a:r>
+            <a:endParaRPr lang="en-US" sz="1400" dirty="0"/>
+          </a:p>
+        </p:txBody>
+      </p:sp>
+      <p:cxnSp>
+        <p:nvCxnSpPr>
+          <p:cNvPr id="43" name="Straight Arrow Connector 42">
+            <a:extLst>
+              <a:ext uri="{FF2B5EF4-FFF2-40B4-BE49-F238E27FC236}">
+                <a16:creationId xmlns:a16="http://schemas.microsoft.com/office/drawing/2014/main" id="{F0DC73C2-C2CE-8246-83FD-F5F7CB85BFB7}"/>
+              </a:ext>
+            </a:extLst>
+          </p:cNvPr>
+          <p:cNvCxnSpPr>
+            <a:cxnSpLocks/>
+          </p:cNvCxnSpPr>
+          <p:nvPr/>
+        </p:nvCxnSpPr>
+        <p:spPr>
+          <a:xfrm>
+            <a:off x="5725822" y="2630184"/>
+            <a:ext cx="0" cy="328773"/>
+          </a:xfrm>
+          <a:prstGeom prst="straightConnector1">
+            <a:avLst/>
+          </a:prstGeom>
+          <a:ln>
+            <a:solidFill>
+              <a:schemeClr val="tx1"/>
+            </a:solidFill>
+            <a:tailEnd type="triangle"/>
+          </a:ln>
+        </p:spPr>
+        <p:style>
+          <a:lnRef idx="1">
+            <a:schemeClr val="accent1"/>
+          </a:lnRef>
+          <a:fillRef idx="0">
+            <a:schemeClr val="accent1"/>
+          </a:fillRef>
+          <a:effectRef idx="0">
+            <a:schemeClr val="accent1"/>
+          </a:effectRef>
+          <a:fontRef idx="minor">
+            <a:schemeClr val="tx1"/>
+          </a:fontRef>
+        </p:style>
+      </p:cxnSp>
+      <p:cxnSp>
+        <p:nvCxnSpPr>
+          <p:cNvPr id="45" name="Straight Arrow Connector 44">
+            <a:extLst>
+              <a:ext uri="{FF2B5EF4-FFF2-40B4-BE49-F238E27FC236}">
+                <a16:creationId xmlns:a16="http://schemas.microsoft.com/office/drawing/2014/main" id="{ED6BB470-E6CA-0B46-83F1-A43E1F4BD051}"/>
+              </a:ext>
+            </a:extLst>
+          </p:cNvPr>
+          <p:cNvCxnSpPr>
+            <a:cxnSpLocks/>
+          </p:cNvCxnSpPr>
+          <p:nvPr/>
+        </p:nvCxnSpPr>
+        <p:spPr>
+          <a:xfrm>
+            <a:off x="7552910" y="2626239"/>
+            <a:ext cx="0" cy="328773"/>
+          </a:xfrm>
+          <a:prstGeom prst="straightConnector1">
+            <a:avLst/>
+          </a:prstGeom>
+          <a:ln>
+            <a:solidFill>
+              <a:schemeClr val="tx1"/>
+            </a:solidFill>
+            <a:tailEnd type="triangle"/>
+          </a:ln>
+        </p:spPr>
+        <p:style>
+          <a:lnRef idx="1">
+            <a:schemeClr val="accent1"/>
+          </a:lnRef>
+          <a:fillRef idx="0">
+            <a:schemeClr val="accent1"/>
+          </a:fillRef>
+          <a:effectRef idx="0">
+            <a:schemeClr val="accent1"/>
+          </a:effectRef>
+          <a:fontRef idx="minor">
+            <a:schemeClr val="tx1"/>
+          </a:fontRef>
+        </p:style>
+      </p:cxnSp>
+      <p:sp>
+        <p:nvSpPr>
+          <p:cNvPr id="46" name="Rectangle 45">
+            <a:extLst>
+              <a:ext uri="{FF2B5EF4-FFF2-40B4-BE49-F238E27FC236}">
+                <a16:creationId xmlns:a16="http://schemas.microsoft.com/office/drawing/2014/main" id="{1A4B97D3-4527-E441-9BDC-F33C122994A9}"/>
+              </a:ext>
+            </a:extLst>
+          </p:cNvPr>
+          <p:cNvSpPr/>
+          <p:nvPr/>
+        </p:nvSpPr>
+        <p:spPr>
+          <a:xfrm>
+            <a:off x="3719246" y="3580025"/>
+            <a:ext cx="883576" cy="385056"/>
+          </a:xfrm>
+          <a:prstGeom prst="rect">
+            <a:avLst/>
+          </a:prstGeom>
+          <a:solidFill>
+            <a:schemeClr val="accent1">
+              <a:lumMod val="20000"/>
+              <a:lumOff val="80000"/>
+            </a:schemeClr>
+          </a:solidFill>
+        </p:spPr>
+        <p:style>
+          <a:lnRef idx="2">
+            <a:schemeClr val="accent1">
+              <a:shade val="50000"/>
+            </a:schemeClr>
+          </a:lnRef>
+          <a:fillRef idx="1">
+            <a:schemeClr val="accent1"/>
+          </a:fillRef>
+          <a:effectRef idx="0">
+            <a:schemeClr val="accent1"/>
+          </a:effectRef>
+          <a:fontRef idx="minor">
+            <a:schemeClr val="lt1"/>
+          </a:fontRef>
+        </p:style>
+        <p:txBody>
+          <a:bodyPr rtlCol="0" anchor="ctr"/>
+          <a:lstStyle/>
+          <a:p>
+            <a:pPr algn="ctr"/>
+            <a:endParaRPr lang="en-US"/>
+          </a:p>
+        </p:txBody>
+      </p:sp>
+      <p:sp>
+        <p:nvSpPr>
+          <p:cNvPr id="47" name="TextBox 46">
+            <a:extLst>
+              <a:ext uri="{FF2B5EF4-FFF2-40B4-BE49-F238E27FC236}">
+                <a16:creationId xmlns:a16="http://schemas.microsoft.com/office/drawing/2014/main" id="{1A225AC0-D7AF-F04A-990B-B2B6850E7807}"/>
+              </a:ext>
+            </a:extLst>
+          </p:cNvPr>
+          <p:cNvSpPr txBox="1"/>
+          <p:nvPr/>
+        </p:nvSpPr>
+        <p:spPr>
+          <a:xfrm>
+            <a:off x="3939659" y="3618664"/>
+            <a:ext cx="442750" cy="307777"/>
+          </a:xfrm>
+          <a:prstGeom prst="rect">
+            <a:avLst/>
+          </a:prstGeom>
+          <a:noFill/>
+        </p:spPr>
+        <p:txBody>
+          <a:bodyPr wrap="none" rtlCol="0">
+            <a:spAutoFit/>
+          </a:bodyPr>
+          <a:lstStyle/>
+          <a:p>
+            <a:r>
+              <a:rPr lang="en-US" sz="1400" dirty="0"/>
+              <a:t>L2$</a:t>
+            </a:r>
+          </a:p>
+        </p:txBody>
+      </p:sp>
+      <p:cxnSp>
+        <p:nvCxnSpPr>
+          <p:cNvPr id="52" name="Straight Arrow Connector 51">
+            <a:extLst>
+              <a:ext uri="{FF2B5EF4-FFF2-40B4-BE49-F238E27FC236}">
+                <a16:creationId xmlns:a16="http://schemas.microsoft.com/office/drawing/2014/main" id="{F219FFAB-050E-F846-9A35-FF872860BC0B}"/>
+              </a:ext>
+            </a:extLst>
+          </p:cNvPr>
+          <p:cNvCxnSpPr>
+            <a:cxnSpLocks/>
+            <a:endCxn id="46" idx="0"/>
+          </p:cNvCxnSpPr>
+          <p:nvPr/>
+        </p:nvCxnSpPr>
+        <p:spPr>
+          <a:xfrm>
+            <a:off x="4161034" y="3340069"/>
+            <a:ext cx="0" cy="239956"/>
+          </a:xfrm>
+          <a:prstGeom prst="straightConnector1">
+            <a:avLst/>
+          </a:prstGeom>
+          <a:ln>
+            <a:solidFill>
+              <a:schemeClr val="tx1"/>
+            </a:solidFill>
+            <a:tailEnd type="triangle"/>
+          </a:ln>
+        </p:spPr>
+        <p:style>
+          <a:lnRef idx="1">
+            <a:schemeClr val="accent1"/>
+          </a:lnRef>
+          <a:fillRef idx="0">
+            <a:schemeClr val="accent1"/>
+          </a:fillRef>
+          <a:effectRef idx="0">
+            <a:schemeClr val="accent1"/>
+          </a:effectRef>
+          <a:fontRef idx="minor">
+            <a:schemeClr val="tx1"/>
+          </a:fontRef>
+        </p:style>
+      </p:cxnSp>
+      <p:cxnSp>
+        <p:nvCxnSpPr>
+          <p:cNvPr id="55" name="Straight Arrow Connector 54">
+            <a:extLst>
+              <a:ext uri="{FF2B5EF4-FFF2-40B4-BE49-F238E27FC236}">
+                <a16:creationId xmlns:a16="http://schemas.microsoft.com/office/drawing/2014/main" id="{8A0A22E4-2E5D-0243-95C6-97FEC82FBB8D}"/>
+              </a:ext>
+            </a:extLst>
+          </p:cNvPr>
+          <p:cNvCxnSpPr>
+            <a:cxnSpLocks/>
+          </p:cNvCxnSpPr>
+          <p:nvPr/>
+        </p:nvCxnSpPr>
+        <p:spPr>
+          <a:xfrm>
+            <a:off x="4161034" y="3965081"/>
+            <a:ext cx="0" cy="239956"/>
+          </a:xfrm>
+          <a:prstGeom prst="straightConnector1">
+            <a:avLst/>
+          </a:prstGeom>
+          <a:ln>
+            <a:solidFill>
+              <a:schemeClr val="tx1"/>
+            </a:solidFill>
+            <a:tailEnd type="triangle"/>
+          </a:ln>
+        </p:spPr>
+        <p:style>
+          <a:lnRef idx="1">
+            <a:schemeClr val="accent1"/>
+          </a:lnRef>
+          <a:fillRef idx="0">
+            <a:schemeClr val="accent1"/>
+          </a:fillRef>
+          <a:effectRef idx="0">
+            <a:schemeClr val="accent1"/>
+          </a:effectRef>
+          <a:fontRef idx="minor">
+            <a:schemeClr val="tx1"/>
+          </a:fontRef>
+        </p:style>
+      </p:cxnSp>
+      <p:sp>
+        <p:nvSpPr>
+          <p:cNvPr id="56" name="TextBox 55">
+            <a:extLst>
+              <a:ext uri="{FF2B5EF4-FFF2-40B4-BE49-F238E27FC236}">
+                <a16:creationId xmlns:a16="http://schemas.microsoft.com/office/drawing/2014/main" id="{6C42C1A2-0AAD-3E4F-9586-CED686EAD7E4}"/>
+              </a:ext>
+            </a:extLst>
+          </p:cNvPr>
+          <p:cNvSpPr txBox="1"/>
+          <p:nvPr/>
+        </p:nvSpPr>
+        <p:spPr>
+          <a:xfrm>
+            <a:off x="3755666" y="4205037"/>
+            <a:ext cx="810735" cy="307777"/>
+          </a:xfrm>
+          <a:prstGeom prst="rect">
+            <a:avLst/>
+          </a:prstGeom>
+          <a:noFill/>
+        </p:spPr>
+        <p:txBody>
+          <a:bodyPr wrap="none" rtlCol="0">
+            <a:spAutoFit/>
+          </a:bodyPr>
+          <a:lstStyle/>
+          <a:p>
+            <a:r>
+              <a:rPr lang="en-US" sz="1400" dirty="0"/>
+              <a:t>Memory</a:t>
+            </a:r>
+          </a:p>
+        </p:txBody>
+      </p:sp>
+      <p:sp>
+        <p:nvSpPr>
+          <p:cNvPr id="57" name="Rectangle 56">
+            <a:extLst>
+              <a:ext uri="{FF2B5EF4-FFF2-40B4-BE49-F238E27FC236}">
+                <a16:creationId xmlns:a16="http://schemas.microsoft.com/office/drawing/2014/main" id="{FB844A54-79B7-284D-B72E-C74321DFA878}"/>
+              </a:ext>
+            </a:extLst>
+          </p:cNvPr>
+          <p:cNvSpPr/>
+          <p:nvPr/>
+        </p:nvSpPr>
+        <p:spPr>
+          <a:xfrm>
+            <a:off x="6626831" y="3580025"/>
+            <a:ext cx="1617505" cy="385056"/>
+          </a:xfrm>
+          <a:prstGeom prst="rect">
+            <a:avLst/>
+          </a:prstGeom>
+          <a:solidFill>
+            <a:schemeClr val="accent2">
+              <a:lumMod val="40000"/>
+              <a:lumOff val="60000"/>
+            </a:schemeClr>
+          </a:solidFill>
+        </p:spPr>
+        <p:style>
+          <a:lnRef idx="2">
+            <a:schemeClr val="accent1">
+              <a:shade val="50000"/>
+            </a:schemeClr>
+          </a:lnRef>
+          <a:fillRef idx="1">
+            <a:schemeClr val="accent1"/>
+          </a:fillRef>
+          <a:effectRef idx="0">
+            <a:schemeClr val="accent1"/>
+          </a:effectRef>
+          <a:fontRef idx="minor">
+            <a:schemeClr val="lt1"/>
+          </a:fontRef>
+        </p:style>
+        <p:txBody>
+          <a:bodyPr rtlCol="0" anchor="ctr"/>
+          <a:lstStyle/>
+          <a:p>
+            <a:pPr algn="ctr"/>
+            <a:endParaRPr lang="en-US"/>
+          </a:p>
+        </p:txBody>
+      </p:sp>
+      <p:sp>
+        <p:nvSpPr>
+          <p:cNvPr id="58" name="TextBox 57">
+            <a:extLst>
+              <a:ext uri="{FF2B5EF4-FFF2-40B4-BE49-F238E27FC236}">
+                <a16:creationId xmlns:a16="http://schemas.microsoft.com/office/drawing/2014/main" id="{EF4E0375-667F-2D46-9587-05DD3974C16F}"/>
+              </a:ext>
+            </a:extLst>
+          </p:cNvPr>
+          <p:cNvSpPr txBox="1"/>
+          <p:nvPr/>
+        </p:nvSpPr>
+        <p:spPr>
+          <a:xfrm>
+            <a:off x="6977144" y="3618663"/>
+            <a:ext cx="988027" cy="307777"/>
+          </a:xfrm>
+          <a:prstGeom prst="rect">
+            <a:avLst/>
+          </a:prstGeom>
+          <a:noFill/>
+        </p:spPr>
+        <p:txBody>
+          <a:bodyPr wrap="none" rtlCol="0">
+            <a:spAutoFit/>
+          </a:bodyPr>
+          <a:lstStyle/>
+          <a:p>
+            <a:r>
+              <a:rPr lang="en-US" sz="1400" dirty="0" err="1"/>
+              <a:t>ControlBus</a:t>
+            </a:r>
+            <a:endParaRPr lang="en-US" sz="1400" dirty="0"/>
+          </a:p>
+        </p:txBody>
+      </p:sp>
+      <p:sp>
+        <p:nvSpPr>
+          <p:cNvPr id="59" name="Rectangle 58">
+            <a:extLst>
+              <a:ext uri="{FF2B5EF4-FFF2-40B4-BE49-F238E27FC236}">
+                <a16:creationId xmlns:a16="http://schemas.microsoft.com/office/drawing/2014/main" id="{1DB8D3E1-0578-8D41-AA8C-16EB871C034F}"/>
+              </a:ext>
+            </a:extLst>
+          </p:cNvPr>
+          <p:cNvSpPr/>
+          <p:nvPr/>
+        </p:nvSpPr>
+        <p:spPr>
+          <a:xfrm>
+            <a:off x="4787777" y="3580025"/>
+            <a:ext cx="1685886" cy="385056"/>
+          </a:xfrm>
+          <a:prstGeom prst="rect">
+            <a:avLst/>
+          </a:prstGeom>
+          <a:solidFill>
+            <a:srgbClr val="F9B8FF"/>
+          </a:solidFill>
+        </p:spPr>
+        <p:style>
+          <a:lnRef idx="2">
+            <a:schemeClr val="accent1">
+              <a:shade val="50000"/>
+            </a:schemeClr>
+          </a:lnRef>
+          <a:fillRef idx="1">
+            <a:schemeClr val="accent1"/>
+          </a:fillRef>
+          <a:effectRef idx="0">
+            <a:schemeClr val="accent1"/>
+          </a:effectRef>
+          <a:fontRef idx="minor">
+            <a:schemeClr val="lt1"/>
+          </a:fontRef>
+        </p:style>
+        <p:txBody>
+          <a:bodyPr rtlCol="0" anchor="ctr"/>
+          <a:lstStyle/>
+          <a:p>
+            <a:pPr algn="ctr"/>
+            <a:endParaRPr lang="en-US"/>
+          </a:p>
+        </p:txBody>
+      </p:sp>
+      <p:sp>
+        <p:nvSpPr>
+          <p:cNvPr id="60" name="TextBox 59">
+            <a:extLst>
+              <a:ext uri="{FF2B5EF4-FFF2-40B4-BE49-F238E27FC236}">
+                <a16:creationId xmlns:a16="http://schemas.microsoft.com/office/drawing/2014/main" id="{92C0B142-5328-F347-8700-81462D97E837}"/>
+              </a:ext>
+            </a:extLst>
+          </p:cNvPr>
+          <p:cNvSpPr txBox="1"/>
+          <p:nvPr/>
+        </p:nvSpPr>
+        <p:spPr>
+          <a:xfrm>
+            <a:off x="5085594" y="3618664"/>
+            <a:ext cx="1154996" cy="307777"/>
+          </a:xfrm>
+          <a:prstGeom prst="rect">
+            <a:avLst/>
+          </a:prstGeom>
+          <a:noFill/>
+        </p:spPr>
+        <p:txBody>
+          <a:bodyPr wrap="none" rtlCol="0">
+            <a:spAutoFit/>
+          </a:bodyPr>
+          <a:lstStyle/>
+          <a:p>
+            <a:r>
+              <a:rPr lang="en-US" sz="1400" dirty="0" err="1"/>
+              <a:t>PeripheryBus</a:t>
+            </a:r>
+            <a:endParaRPr lang="en-US" sz="1400" dirty="0"/>
+          </a:p>
+        </p:txBody>
+      </p:sp>
+      <p:cxnSp>
+        <p:nvCxnSpPr>
+          <p:cNvPr id="61" name="Straight Arrow Connector 60">
+            <a:extLst>
+              <a:ext uri="{FF2B5EF4-FFF2-40B4-BE49-F238E27FC236}">
+                <a16:creationId xmlns:a16="http://schemas.microsoft.com/office/drawing/2014/main" id="{28646BA6-5BCF-8747-9676-BFE4020DDFFA}"/>
+              </a:ext>
+            </a:extLst>
+          </p:cNvPr>
+          <p:cNvCxnSpPr>
+            <a:cxnSpLocks/>
+          </p:cNvCxnSpPr>
+          <p:nvPr/>
+        </p:nvCxnSpPr>
+        <p:spPr>
+          <a:xfrm>
+            <a:off x="5697033" y="3346287"/>
+            <a:ext cx="0" cy="239956"/>
+          </a:xfrm>
+          <a:prstGeom prst="straightConnector1">
+            <a:avLst/>
+          </a:prstGeom>
+          <a:ln>
+            <a:solidFill>
+              <a:schemeClr val="tx1"/>
+            </a:solidFill>
+            <a:tailEnd type="triangle"/>
+          </a:ln>
+        </p:spPr>
+        <p:style>
+          <a:lnRef idx="1">
+            <a:schemeClr val="accent1"/>
+          </a:lnRef>
+          <a:fillRef idx="0">
+            <a:schemeClr val="accent1"/>
+          </a:fillRef>
+          <a:effectRef idx="0">
+            <a:schemeClr val="accent1"/>
+          </a:effectRef>
+          <a:fontRef idx="minor">
+            <a:schemeClr val="tx1"/>
+          </a:fontRef>
+        </p:style>
+      </p:cxnSp>
+      <p:cxnSp>
+        <p:nvCxnSpPr>
+          <p:cNvPr id="62" name="Straight Arrow Connector 61">
+            <a:extLst>
+              <a:ext uri="{FF2B5EF4-FFF2-40B4-BE49-F238E27FC236}">
+                <a16:creationId xmlns:a16="http://schemas.microsoft.com/office/drawing/2014/main" id="{43743DF4-4C28-2F4B-8FB9-8F0D11FD4698}"/>
+              </a:ext>
+            </a:extLst>
+          </p:cNvPr>
+          <p:cNvCxnSpPr>
+            <a:cxnSpLocks/>
+          </p:cNvCxnSpPr>
+          <p:nvPr/>
+        </p:nvCxnSpPr>
+        <p:spPr>
+          <a:xfrm>
+            <a:off x="7435583" y="3340069"/>
+            <a:ext cx="0" cy="239956"/>
+          </a:xfrm>
+          <a:prstGeom prst="straightConnector1">
+            <a:avLst/>
+          </a:prstGeom>
+          <a:ln>
+            <a:solidFill>
+              <a:schemeClr val="tx1"/>
+            </a:solidFill>
+            <a:tailEnd type="triangle"/>
+          </a:ln>
+        </p:spPr>
+        <p:style>
+          <a:lnRef idx="1">
+            <a:schemeClr val="accent1"/>
+          </a:lnRef>
+          <a:fillRef idx="0">
+            <a:schemeClr val="accent1"/>
+          </a:fillRef>
+          <a:effectRef idx="0">
+            <a:schemeClr val="accent1"/>
+          </a:effectRef>
+          <a:fontRef idx="minor">
+            <a:schemeClr val="tx1"/>
+          </a:fontRef>
+        </p:style>
+      </p:cxnSp>
+      <p:sp>
+        <p:nvSpPr>
+          <p:cNvPr id="63" name="Rectangle 62">
+            <a:extLst>
+              <a:ext uri="{FF2B5EF4-FFF2-40B4-BE49-F238E27FC236}">
+                <a16:creationId xmlns:a16="http://schemas.microsoft.com/office/drawing/2014/main" id="{EE8C0908-9578-874F-8614-F95F9A668FDB}"/>
+              </a:ext>
+            </a:extLst>
+          </p:cNvPr>
+          <p:cNvSpPr/>
+          <p:nvPr/>
+        </p:nvSpPr>
+        <p:spPr>
+          <a:xfrm>
+            <a:off x="7158193" y="4210850"/>
+            <a:ext cx="554781" cy="335693"/>
+          </a:xfrm>
+          <a:prstGeom prst="rect">
+            <a:avLst/>
+          </a:prstGeom>
+          <a:solidFill>
+            <a:schemeClr val="accent2">
+              <a:lumMod val="40000"/>
+              <a:lumOff val="60000"/>
+            </a:schemeClr>
+          </a:solidFill>
+        </p:spPr>
+        <p:style>
+          <a:lnRef idx="2">
+            <a:schemeClr val="accent1">
+              <a:shade val="50000"/>
+            </a:schemeClr>
+          </a:lnRef>
+          <a:fillRef idx="1">
+            <a:schemeClr val="accent1"/>
+          </a:fillRef>
+          <a:effectRef idx="0">
+            <a:schemeClr val="accent1"/>
+          </a:effectRef>
+          <a:fontRef idx="minor">
+            <a:schemeClr val="lt1"/>
+          </a:fontRef>
+        </p:style>
+        <p:txBody>
+          <a:bodyPr rtlCol="0" anchor="ctr"/>
+          <a:lstStyle/>
+          <a:p>
+            <a:pPr algn="ctr"/>
+            <a:endParaRPr lang="en-US"/>
+          </a:p>
+        </p:txBody>
+      </p:sp>
+      <p:sp>
+        <p:nvSpPr>
+          <p:cNvPr id="64" name="TextBox 63">
+            <a:extLst>
+              <a:ext uri="{FF2B5EF4-FFF2-40B4-BE49-F238E27FC236}">
+                <a16:creationId xmlns:a16="http://schemas.microsoft.com/office/drawing/2014/main" id="{BBB43515-664C-274F-B927-0A8231170953}"/>
+              </a:ext>
+            </a:extLst>
+          </p:cNvPr>
+          <p:cNvSpPr txBox="1"/>
+          <p:nvPr/>
+        </p:nvSpPr>
+        <p:spPr>
+          <a:xfrm>
+            <a:off x="7188560" y="4224807"/>
+            <a:ext cx="494046" cy="307777"/>
+          </a:xfrm>
+          <a:prstGeom prst="rect">
+            <a:avLst/>
+          </a:prstGeom>
+          <a:noFill/>
+        </p:spPr>
+        <p:txBody>
+          <a:bodyPr wrap="none" rtlCol="0">
+            <a:spAutoFit/>
+          </a:bodyPr>
+          <a:lstStyle/>
+          <a:p>
+            <a:r>
+              <a:rPr lang="en-US" sz="1400" dirty="0"/>
+              <a:t>PLIC</a:t>
+            </a:r>
+          </a:p>
+        </p:txBody>
+      </p:sp>
+      <p:cxnSp>
+        <p:nvCxnSpPr>
+          <p:cNvPr id="65" name="Straight Arrow Connector 64">
+            <a:extLst>
+              <a:ext uri="{FF2B5EF4-FFF2-40B4-BE49-F238E27FC236}">
+                <a16:creationId xmlns:a16="http://schemas.microsoft.com/office/drawing/2014/main" id="{DE4739A2-101F-F04B-A2F0-2EBA7AFBA2F7}"/>
+              </a:ext>
+            </a:extLst>
+          </p:cNvPr>
+          <p:cNvCxnSpPr>
+            <a:cxnSpLocks/>
+          </p:cNvCxnSpPr>
+          <p:nvPr/>
+        </p:nvCxnSpPr>
+        <p:spPr>
+          <a:xfrm>
+            <a:off x="7441238" y="3965081"/>
+            <a:ext cx="0" cy="239956"/>
+          </a:xfrm>
+          <a:prstGeom prst="straightConnector1">
+            <a:avLst/>
+          </a:prstGeom>
+          <a:ln>
+            <a:solidFill>
+              <a:schemeClr val="tx1"/>
+            </a:solidFill>
+            <a:tailEnd type="triangle"/>
+          </a:ln>
+        </p:spPr>
+        <p:style>
+          <a:lnRef idx="1">
+            <a:schemeClr val="accent1"/>
+          </a:lnRef>
+          <a:fillRef idx="0">
+            <a:schemeClr val="accent1"/>
+          </a:fillRef>
+          <a:effectRef idx="0">
+            <a:schemeClr val="accent1"/>
+          </a:effectRef>
+          <a:fontRef idx="minor">
+            <a:schemeClr val="tx1"/>
+          </a:fontRef>
+        </p:style>
+      </p:cxnSp>
+      <p:sp>
+        <p:nvSpPr>
+          <p:cNvPr id="66" name="Rectangle 65">
+            <a:extLst>
+              <a:ext uri="{FF2B5EF4-FFF2-40B4-BE49-F238E27FC236}">
+                <a16:creationId xmlns:a16="http://schemas.microsoft.com/office/drawing/2014/main" id="{FFA544E4-E34B-D44D-AFB6-E27713F79DB4}"/>
+              </a:ext>
+            </a:extLst>
+          </p:cNvPr>
+          <p:cNvSpPr/>
+          <p:nvPr/>
+        </p:nvSpPr>
+        <p:spPr>
+          <a:xfrm>
+            <a:off x="8700252" y="3074133"/>
+            <a:ext cx="1096893" cy="655386"/>
+          </a:xfrm>
+          <a:prstGeom prst="rect">
+            <a:avLst/>
+          </a:prstGeom>
+          <a:solidFill>
+            <a:srgbClr val="5970FA"/>
+          </a:solidFill>
+        </p:spPr>
+        <p:style>
+          <a:lnRef idx="2">
+            <a:schemeClr val="accent1">
+              <a:shade val="50000"/>
+            </a:schemeClr>
+          </a:lnRef>
+          <a:fillRef idx="1">
+            <a:schemeClr val="accent1"/>
+          </a:fillRef>
+          <a:effectRef idx="0">
+            <a:schemeClr val="accent1"/>
+          </a:effectRef>
+          <a:fontRef idx="minor">
+            <a:schemeClr val="lt1"/>
+          </a:fontRef>
+        </p:style>
+        <p:txBody>
+          <a:bodyPr rtlCol="0" anchor="ctr"/>
+          <a:lstStyle/>
+          <a:p>
+            <a:pPr algn="ctr"/>
+            <a:r>
+              <a:rPr lang="en-US" dirty="0" err="1"/>
+              <a:t>IceNIC</a:t>
+            </a:r>
+            <a:endParaRPr lang="en-US" dirty="0"/>
+          </a:p>
+        </p:txBody>
+      </p:sp>
+      <p:cxnSp>
+        <p:nvCxnSpPr>
+          <p:cNvPr id="68" name="Elbow Connector 67">
+            <a:extLst>
+              <a:ext uri="{FF2B5EF4-FFF2-40B4-BE49-F238E27FC236}">
+                <a16:creationId xmlns:a16="http://schemas.microsoft.com/office/drawing/2014/main" id="{CD0D4183-BF9A-FC43-99F4-CF3F2FF7331D}"/>
+              </a:ext>
+            </a:extLst>
+          </p:cNvPr>
+          <p:cNvCxnSpPr>
+            <a:cxnSpLocks/>
+            <a:stCxn id="63" idx="2"/>
+          </p:cNvCxnSpPr>
+          <p:nvPr/>
+        </p:nvCxnSpPr>
+        <p:spPr>
+          <a:xfrm rot="5400000" flipH="1" flipV="1">
+            <a:off x="7723275" y="3437434"/>
+            <a:ext cx="821418" cy="1396800"/>
+          </a:xfrm>
+          <a:prstGeom prst="bentConnector4">
+            <a:avLst>
+              <a:gd name="adj1" fmla="val -27830"/>
+              <a:gd name="adj2" fmla="val 99649"/>
+            </a:avLst>
+          </a:prstGeom>
+          <a:ln>
+            <a:solidFill>
+              <a:schemeClr val="tx1"/>
+            </a:solidFill>
+            <a:tailEnd type="triangle"/>
+          </a:ln>
+        </p:spPr>
+        <p:style>
+          <a:lnRef idx="1">
+            <a:schemeClr val="accent1"/>
+          </a:lnRef>
+          <a:fillRef idx="0">
+            <a:schemeClr val="accent1"/>
+          </a:fillRef>
+          <a:effectRef idx="0">
+            <a:schemeClr val="accent1"/>
+          </a:effectRef>
+          <a:fontRef idx="minor">
+            <a:schemeClr val="tx1"/>
+          </a:fontRef>
+        </p:style>
+      </p:cxnSp>
+      <p:cxnSp>
+        <p:nvCxnSpPr>
+          <p:cNvPr id="73" name="Elbow Connector 72">
+            <a:extLst>
+              <a:ext uri="{FF2B5EF4-FFF2-40B4-BE49-F238E27FC236}">
+                <a16:creationId xmlns:a16="http://schemas.microsoft.com/office/drawing/2014/main" id="{509F0CAD-DD78-344C-8B77-C011CBA66F34}"/>
+              </a:ext>
+            </a:extLst>
+          </p:cNvPr>
+          <p:cNvCxnSpPr>
+            <a:cxnSpLocks/>
+            <a:stCxn id="59" idx="2"/>
+            <a:endCxn id="66" idx="2"/>
+          </p:cNvCxnSpPr>
+          <p:nvPr/>
+        </p:nvCxnSpPr>
+        <p:spPr>
+          <a:xfrm rot="5400000" flipH="1" flipV="1">
+            <a:off x="7321928" y="2038310"/>
+            <a:ext cx="235562" cy="3617979"/>
+          </a:xfrm>
+          <a:prstGeom prst="bentConnector3">
+            <a:avLst>
+              <a:gd name="adj1" fmla="val -397993"/>
+            </a:avLst>
+          </a:prstGeom>
+          <a:ln>
+            <a:solidFill>
+              <a:schemeClr val="tx1"/>
+            </a:solidFill>
+            <a:tailEnd type="triangle"/>
+          </a:ln>
+        </p:spPr>
+        <p:style>
+          <a:lnRef idx="1">
+            <a:schemeClr val="accent1"/>
+          </a:lnRef>
+          <a:fillRef idx="0">
+            <a:schemeClr val="accent1"/>
+          </a:fillRef>
+          <a:effectRef idx="0">
+            <a:schemeClr val="accent1"/>
+          </a:effectRef>
+          <a:fontRef idx="minor">
+            <a:schemeClr val="tx1"/>
+          </a:fontRef>
+        </p:style>
+      </p:cxnSp>
+      <p:cxnSp>
+        <p:nvCxnSpPr>
+          <p:cNvPr id="77" name="Elbow Connector 76">
+            <a:extLst>
+              <a:ext uri="{FF2B5EF4-FFF2-40B4-BE49-F238E27FC236}">
+                <a16:creationId xmlns:a16="http://schemas.microsoft.com/office/drawing/2014/main" id="{6F498748-D7E3-DE42-8B81-ED8D5449E0E8}"/>
+              </a:ext>
+            </a:extLst>
+          </p:cNvPr>
+          <p:cNvCxnSpPr>
+            <a:cxnSpLocks/>
+            <a:stCxn id="66" idx="0"/>
+            <a:endCxn id="42" idx="0"/>
+          </p:cNvCxnSpPr>
+          <p:nvPr/>
+        </p:nvCxnSpPr>
+        <p:spPr>
+          <a:xfrm rot="16200000" flipV="1">
+            <a:off x="8010662" y="1836096"/>
+            <a:ext cx="773875" cy="1702200"/>
+          </a:xfrm>
+          <a:prstGeom prst="bentConnector3">
+            <a:avLst>
+              <a:gd name="adj1" fmla="val 129540"/>
+            </a:avLst>
+          </a:prstGeom>
+          <a:ln>
+            <a:solidFill>
+              <a:schemeClr val="tx1"/>
+            </a:solidFill>
+            <a:tailEnd type="triangle"/>
+          </a:ln>
+        </p:spPr>
+        <p:style>
+          <a:lnRef idx="1">
+            <a:schemeClr val="accent1"/>
+          </a:lnRef>
+          <a:fillRef idx="0">
+            <a:schemeClr val="accent1"/>
+          </a:fillRef>
+          <a:effectRef idx="0">
+            <a:schemeClr val="accent1"/>
+          </a:effectRef>
+          <a:fontRef idx="minor">
+            <a:schemeClr val="tx1"/>
+          </a:fontRef>
+        </p:style>
+      </p:cxnSp>
+      <p:cxnSp>
+        <p:nvCxnSpPr>
+          <p:cNvPr id="80" name="Straight Arrow Connector 79">
+            <a:extLst>
+              <a:ext uri="{FF2B5EF4-FFF2-40B4-BE49-F238E27FC236}">
+                <a16:creationId xmlns:a16="http://schemas.microsoft.com/office/drawing/2014/main" id="{99AC7A76-680E-A243-9275-773E404FB179}"/>
+              </a:ext>
+            </a:extLst>
+          </p:cNvPr>
+          <p:cNvCxnSpPr>
+            <a:cxnSpLocks/>
+          </p:cNvCxnSpPr>
+          <p:nvPr/>
+        </p:nvCxnSpPr>
+        <p:spPr>
+          <a:xfrm>
+            <a:off x="9797145" y="3287060"/>
+            <a:ext cx="394819" cy="0"/>
+          </a:xfrm>
+          <a:prstGeom prst="straightConnector1">
+            <a:avLst/>
+          </a:prstGeom>
+          <a:ln>
+            <a:solidFill>
+              <a:schemeClr val="tx1"/>
+            </a:solidFill>
+            <a:tailEnd type="triangle"/>
+          </a:ln>
+        </p:spPr>
+        <p:style>
+          <a:lnRef idx="1">
+            <a:schemeClr val="accent1"/>
+          </a:lnRef>
+          <a:fillRef idx="0">
+            <a:schemeClr val="accent1"/>
+          </a:fillRef>
+          <a:effectRef idx="0">
+            <a:schemeClr val="accent1"/>
+          </a:effectRef>
+          <a:fontRef idx="minor">
+            <a:schemeClr val="tx1"/>
+          </a:fontRef>
+        </p:style>
+      </p:cxnSp>
+      <p:cxnSp>
+        <p:nvCxnSpPr>
+          <p:cNvPr id="83" name="Straight Arrow Connector 82">
+            <a:extLst>
+              <a:ext uri="{FF2B5EF4-FFF2-40B4-BE49-F238E27FC236}">
+                <a16:creationId xmlns:a16="http://schemas.microsoft.com/office/drawing/2014/main" id="{B9B14CC7-A2BD-B846-A029-13892331E1D3}"/>
+              </a:ext>
+            </a:extLst>
+          </p:cNvPr>
+          <p:cNvCxnSpPr>
+            <a:cxnSpLocks/>
+          </p:cNvCxnSpPr>
+          <p:nvPr/>
+        </p:nvCxnSpPr>
+        <p:spPr>
+          <a:xfrm>
+            <a:off x="9797145" y="3557094"/>
+            <a:ext cx="394819" cy="0"/>
+          </a:xfrm>
+          <a:prstGeom prst="straightConnector1">
+            <a:avLst/>
+          </a:prstGeom>
+          <a:ln>
+            <a:solidFill>
+              <a:schemeClr val="tx1"/>
+            </a:solidFill>
+            <a:headEnd type="triangle" w="med" len="med"/>
+            <a:tailEnd type="none" w="med" len="med"/>
+          </a:ln>
+        </p:spPr>
+        <p:style>
+          <a:lnRef idx="1">
+            <a:schemeClr val="accent1"/>
+          </a:lnRef>
+          <a:fillRef idx="0">
+            <a:schemeClr val="accent1"/>
+          </a:fillRef>
+          <a:effectRef idx="0">
+            <a:schemeClr val="accent1"/>
+          </a:effectRef>
+          <a:fontRef idx="minor">
+            <a:schemeClr val="tx1"/>
+          </a:fontRef>
+        </p:style>
+      </p:cxnSp>
+      <p:sp>
+        <p:nvSpPr>
+          <p:cNvPr id="84" name="TextBox 83">
+            <a:extLst>
+              <a:ext uri="{FF2B5EF4-FFF2-40B4-BE49-F238E27FC236}">
+                <a16:creationId xmlns:a16="http://schemas.microsoft.com/office/drawing/2014/main" id="{25F3E388-A654-CB4C-A384-A9D3AB2F746E}"/>
+              </a:ext>
+            </a:extLst>
+          </p:cNvPr>
+          <p:cNvSpPr txBox="1"/>
+          <p:nvPr/>
+        </p:nvSpPr>
+        <p:spPr>
+          <a:xfrm>
+            <a:off x="10191964" y="3230781"/>
+            <a:ext cx="822789" cy="307777"/>
+          </a:xfrm>
+          <a:prstGeom prst="rect">
+            <a:avLst/>
+          </a:prstGeom>
+          <a:noFill/>
+        </p:spPr>
+        <p:txBody>
+          <a:bodyPr wrap="none" rtlCol="0">
+            <a:spAutoFit/>
+          </a:bodyPr>
+          <a:lstStyle/>
+          <a:p>
+            <a:r>
+              <a:rPr lang="en-US" sz="1400" dirty="0"/>
+              <a:t>Ethernet</a:t>
+            </a:r>
+          </a:p>
+        </p:txBody>
+      </p:sp>
+    </p:spTree>
+    <p:extLst>
+      <p:ext uri="{BB962C8B-B14F-4D97-AF65-F5344CB8AC3E}">
+        <p14:creationId xmlns:p14="http://schemas.microsoft.com/office/powerpoint/2010/main" val="3522693671"/>
+      </p:ext>
+    </p:extLst>
+  </p:cSld>
+  <p:clrMapOvr>
+    <a:masterClrMapping/>
+  </p:clrMapOvr>
+</p:sld>
+</file>
+
+<file path=ppt/slides/slide6.xml><?xml version="1.0" encoding="utf-8"?>
+<p:sld xmlns:a="http://schemas.openxmlformats.org/drawingml/2006/main" xmlns:r="http://schemas.openxmlformats.org/officeDocument/2006/relationships" xmlns:p="http://schemas.openxmlformats.org/presentationml/2006/main">
+  <p:cSld>
+    <p:spTree>
+      <p:nvGrpSpPr>
+        <p:cNvPr id="1" name=""/>
+        <p:cNvGrpSpPr/>
+        <p:nvPr/>
+      </p:nvGrpSpPr>
+      <p:grpSpPr>
+        <a:xfrm>
+          <a:off x="0" y="0"/>
+          <a:ext cx="0" cy="0"/>
+          <a:chOff x="0" y="0"/>
+          <a:chExt cx="0" cy="0"/>
+        </a:xfrm>
+      </p:grpSpPr>
+      <p:sp>
+        <p:nvSpPr>
+          <p:cNvPr id="4" name="Rectangle 3">
+            <a:extLst>
+              <a:ext uri="{FF2B5EF4-FFF2-40B4-BE49-F238E27FC236}">
+                <a16:creationId xmlns:a16="http://schemas.microsoft.com/office/drawing/2014/main" id="{0E3A1258-58E6-2A4F-B478-1EBC57738303}"/>
+              </a:ext>
+            </a:extLst>
+          </p:cNvPr>
+          <p:cNvSpPr/>
+          <p:nvPr/>
+        </p:nvSpPr>
+        <p:spPr>
+          <a:xfrm>
+            <a:off x="3755666" y="904126"/>
+            <a:ext cx="2871166" cy="1726058"/>
+          </a:xfrm>
+          <a:prstGeom prst="rect">
+            <a:avLst/>
+          </a:prstGeom>
+          <a:solidFill>
+            <a:schemeClr val="accent4">
+              <a:lumMod val="20000"/>
+              <a:lumOff val="80000"/>
+            </a:schemeClr>
+          </a:solidFill>
+          <a:ln>
+            <a:solidFill>
+              <a:schemeClr val="tx1"/>
+            </a:solidFill>
+          </a:ln>
+        </p:spPr>
+        <p:style>
+          <a:lnRef idx="2">
+            <a:schemeClr val="accent1">
+              <a:shade val="50000"/>
+            </a:schemeClr>
+          </a:lnRef>
+          <a:fillRef idx="1">
+            <a:schemeClr val="accent1"/>
+          </a:fillRef>
+          <a:effectRef idx="0">
+            <a:schemeClr val="accent1"/>
+          </a:effectRef>
+          <a:fontRef idx="minor">
+            <a:schemeClr val="lt1"/>
+          </a:fontRef>
+        </p:style>
+        <p:txBody>
+          <a:bodyPr rtlCol="0" anchor="ctr"/>
+          <a:lstStyle/>
+          <a:p>
+            <a:pPr algn="ctr"/>
+            <a:endParaRPr lang="en-US"/>
+          </a:p>
+        </p:txBody>
+      </p:sp>
+      <p:sp>
+        <p:nvSpPr>
+          <p:cNvPr id="5" name="TextBox 4">
+            <a:extLst>
+              <a:ext uri="{FF2B5EF4-FFF2-40B4-BE49-F238E27FC236}">
+                <a16:creationId xmlns:a16="http://schemas.microsoft.com/office/drawing/2014/main" id="{C7DC014C-BD23-F54C-B5FF-8F0E9BCA8858}"/>
+              </a:ext>
+            </a:extLst>
+          </p:cNvPr>
+          <p:cNvSpPr txBox="1"/>
+          <p:nvPr/>
+        </p:nvSpPr>
+        <p:spPr>
+          <a:xfrm>
+            <a:off x="4463442" y="891328"/>
+            <a:ext cx="1594539" cy="307777"/>
+          </a:xfrm>
+          <a:prstGeom prst="rect">
+            <a:avLst/>
+          </a:prstGeom>
+          <a:noFill/>
+        </p:spPr>
+        <p:txBody>
+          <a:bodyPr wrap="none" rtlCol="0">
+            <a:spAutoFit/>
+          </a:bodyPr>
+          <a:lstStyle/>
+          <a:p>
+            <a:r>
+              <a:rPr lang="en-US" sz="1400" dirty="0" err="1"/>
+              <a:t>nanoPU</a:t>
+            </a:r>
+            <a:r>
+              <a:rPr lang="en-US" sz="1400" dirty="0"/>
+              <a:t> Rocket Tile</a:t>
+            </a:r>
+          </a:p>
+        </p:txBody>
+      </p:sp>
+      <p:sp>
+        <p:nvSpPr>
+          <p:cNvPr id="6" name="Rectangle 5">
+            <a:extLst>
+              <a:ext uri="{FF2B5EF4-FFF2-40B4-BE49-F238E27FC236}">
+                <a16:creationId xmlns:a16="http://schemas.microsoft.com/office/drawing/2014/main" id="{FB5AE3DC-6B1F-B648-B018-EB02A56DF7C7}"/>
+              </a:ext>
+            </a:extLst>
+          </p:cNvPr>
+          <p:cNvSpPr/>
+          <p:nvPr/>
+        </p:nvSpPr>
+        <p:spPr>
+          <a:xfrm>
+            <a:off x="4868239" y="1210414"/>
+            <a:ext cx="784989" cy="307777"/>
+          </a:xfrm>
+          <a:prstGeom prst="rect">
+            <a:avLst/>
+          </a:prstGeom>
+          <a:solidFill>
+            <a:schemeClr val="accent4">
+              <a:lumMod val="60000"/>
+              <a:lumOff val="40000"/>
+            </a:schemeClr>
+          </a:solidFill>
+          <a:ln>
+            <a:solidFill>
+              <a:schemeClr val="tx1"/>
+            </a:solidFill>
+          </a:ln>
+        </p:spPr>
+        <p:style>
+          <a:lnRef idx="2">
+            <a:schemeClr val="accent1">
+              <a:shade val="50000"/>
+            </a:schemeClr>
+          </a:lnRef>
+          <a:fillRef idx="1">
+            <a:schemeClr val="accent1"/>
+          </a:fillRef>
+          <a:effectRef idx="0">
+            <a:schemeClr val="accent1"/>
+          </a:effectRef>
+          <a:fontRef idx="minor">
+            <a:schemeClr val="lt1"/>
+          </a:fontRef>
+        </p:style>
+        <p:txBody>
+          <a:bodyPr rtlCol="0" anchor="ctr"/>
+          <a:lstStyle/>
+          <a:p>
+            <a:pPr algn="ctr"/>
+            <a:endParaRPr lang="en-US"/>
+          </a:p>
+        </p:txBody>
+      </p:sp>
+      <p:sp>
+        <p:nvSpPr>
+          <p:cNvPr id="7" name="TextBox 6">
+            <a:extLst>
+              <a:ext uri="{FF2B5EF4-FFF2-40B4-BE49-F238E27FC236}">
+                <a16:creationId xmlns:a16="http://schemas.microsoft.com/office/drawing/2014/main" id="{A99F88CA-FC4C-C244-895E-E989ABE44D6B}"/>
+              </a:ext>
+            </a:extLst>
+          </p:cNvPr>
+          <p:cNvSpPr txBox="1"/>
+          <p:nvPr/>
+        </p:nvSpPr>
+        <p:spPr>
+          <a:xfrm>
+            <a:off x="4923525" y="1210414"/>
+            <a:ext cx="674415" cy="307777"/>
+          </a:xfrm>
+          <a:prstGeom prst="rect">
+            <a:avLst/>
+          </a:prstGeom>
+          <a:noFill/>
+        </p:spPr>
+        <p:txBody>
+          <a:bodyPr wrap="none" rtlCol="0">
+            <a:spAutoFit/>
+          </a:bodyPr>
+          <a:lstStyle/>
+          <a:p>
+            <a:r>
+              <a:rPr lang="en-US" sz="1400" dirty="0"/>
+              <a:t>Rocket</a:t>
+            </a:r>
+          </a:p>
+        </p:txBody>
+      </p:sp>
+      <p:sp>
+        <p:nvSpPr>
+          <p:cNvPr id="10" name="Rectangle 9">
+            <a:extLst>
+              <a:ext uri="{FF2B5EF4-FFF2-40B4-BE49-F238E27FC236}">
+                <a16:creationId xmlns:a16="http://schemas.microsoft.com/office/drawing/2014/main" id="{6650E36B-C174-B140-9067-1AAB7156C940}"/>
+              </a:ext>
+            </a:extLst>
+          </p:cNvPr>
+          <p:cNvSpPr/>
+          <p:nvPr/>
+        </p:nvSpPr>
+        <p:spPr>
+          <a:xfrm>
+            <a:off x="5934671" y="1210414"/>
+            <a:ext cx="525337" cy="307777"/>
+          </a:xfrm>
+          <a:prstGeom prst="rect">
+            <a:avLst/>
+          </a:prstGeom>
+          <a:solidFill>
+            <a:schemeClr val="accent4">
+              <a:lumMod val="60000"/>
+              <a:lumOff val="40000"/>
+            </a:schemeClr>
+          </a:solidFill>
+          <a:ln>
+            <a:solidFill>
+              <a:schemeClr val="tx1"/>
+            </a:solidFill>
+          </a:ln>
+        </p:spPr>
+        <p:style>
+          <a:lnRef idx="2">
+            <a:schemeClr val="accent1">
+              <a:shade val="50000"/>
+            </a:schemeClr>
+          </a:lnRef>
+          <a:fillRef idx="1">
+            <a:schemeClr val="accent1"/>
+          </a:fillRef>
+          <a:effectRef idx="0">
+            <a:schemeClr val="accent1"/>
+          </a:effectRef>
+          <a:fontRef idx="minor">
+            <a:schemeClr val="lt1"/>
+          </a:fontRef>
+        </p:style>
+        <p:txBody>
+          <a:bodyPr rtlCol="0" anchor="ctr"/>
+          <a:lstStyle/>
+          <a:p>
+            <a:pPr algn="ctr"/>
+            <a:endParaRPr lang="en-US"/>
+          </a:p>
+        </p:txBody>
+      </p:sp>
+      <p:sp>
+        <p:nvSpPr>
+          <p:cNvPr id="11" name="TextBox 10">
+            <a:extLst>
+              <a:ext uri="{FF2B5EF4-FFF2-40B4-BE49-F238E27FC236}">
+                <a16:creationId xmlns:a16="http://schemas.microsoft.com/office/drawing/2014/main" id="{5C72BEA4-E533-524C-9915-A2C1E4C5C92F}"/>
+              </a:ext>
+            </a:extLst>
+          </p:cNvPr>
+          <p:cNvSpPr txBox="1"/>
+          <p:nvPr/>
+        </p:nvSpPr>
+        <p:spPr>
+          <a:xfrm>
+            <a:off x="5951517" y="1219685"/>
+            <a:ext cx="525337" cy="307777"/>
+          </a:xfrm>
+          <a:prstGeom prst="rect">
+            <a:avLst/>
+          </a:prstGeom>
+          <a:noFill/>
+        </p:spPr>
+        <p:txBody>
+          <a:bodyPr wrap="none" rtlCol="0">
+            <a:spAutoFit/>
+          </a:bodyPr>
+          <a:lstStyle/>
+          <a:p>
+            <a:r>
+              <a:rPr lang="en-US" sz="1400" dirty="0"/>
+              <a:t>PTW</a:t>
+            </a:r>
+          </a:p>
+        </p:txBody>
+      </p:sp>
+      <p:sp>
+        <p:nvSpPr>
+          <p:cNvPr id="12" name="Rectangle 11">
+            <a:extLst>
+              <a:ext uri="{FF2B5EF4-FFF2-40B4-BE49-F238E27FC236}">
+                <a16:creationId xmlns:a16="http://schemas.microsoft.com/office/drawing/2014/main" id="{B2A36CF9-A529-334C-BF2A-7216EF12CDB0}"/>
+              </a:ext>
+            </a:extLst>
+          </p:cNvPr>
+          <p:cNvSpPr/>
+          <p:nvPr/>
+        </p:nvSpPr>
+        <p:spPr>
+          <a:xfrm>
+            <a:off x="4998045" y="1710718"/>
+            <a:ext cx="525337" cy="307777"/>
+          </a:xfrm>
+          <a:prstGeom prst="rect">
+            <a:avLst/>
+          </a:prstGeom>
+          <a:solidFill>
+            <a:schemeClr val="accent4">
+              <a:lumMod val="60000"/>
+              <a:lumOff val="40000"/>
+            </a:schemeClr>
+          </a:solidFill>
+          <a:ln>
+            <a:solidFill>
+              <a:schemeClr val="tx1"/>
+            </a:solidFill>
+          </a:ln>
+        </p:spPr>
+        <p:style>
+          <a:lnRef idx="2">
+            <a:schemeClr val="accent1">
+              <a:shade val="50000"/>
+            </a:schemeClr>
+          </a:lnRef>
+          <a:fillRef idx="1">
+            <a:schemeClr val="accent1"/>
+          </a:fillRef>
+          <a:effectRef idx="0">
+            <a:schemeClr val="accent1"/>
+          </a:effectRef>
+          <a:fontRef idx="minor">
+            <a:schemeClr val="lt1"/>
+          </a:fontRef>
+        </p:style>
+        <p:txBody>
+          <a:bodyPr rtlCol="0" anchor="ctr"/>
+          <a:lstStyle/>
+          <a:p>
+            <a:pPr algn="ctr"/>
+            <a:endParaRPr lang="en-US"/>
+          </a:p>
+        </p:txBody>
+      </p:sp>
+      <p:sp>
+        <p:nvSpPr>
+          <p:cNvPr id="13" name="TextBox 12">
+            <a:extLst>
+              <a:ext uri="{FF2B5EF4-FFF2-40B4-BE49-F238E27FC236}">
+                <a16:creationId xmlns:a16="http://schemas.microsoft.com/office/drawing/2014/main" id="{B97FE83A-BEC9-3046-9C05-0C393D30A035}"/>
+              </a:ext>
+            </a:extLst>
+          </p:cNvPr>
+          <p:cNvSpPr txBox="1"/>
+          <p:nvPr/>
+        </p:nvSpPr>
+        <p:spPr>
+          <a:xfrm>
+            <a:off x="5020941" y="1710718"/>
+            <a:ext cx="487634" cy="307777"/>
+          </a:xfrm>
+          <a:prstGeom prst="rect">
+            <a:avLst/>
+          </a:prstGeom>
+          <a:noFill/>
+        </p:spPr>
+        <p:txBody>
+          <a:bodyPr wrap="none" rtlCol="0">
+            <a:spAutoFit/>
+          </a:bodyPr>
+          <a:lstStyle/>
+          <a:p>
+            <a:r>
+              <a:rPr lang="en-US" sz="1400" dirty="0"/>
+              <a:t>L1I$</a:t>
+            </a:r>
+          </a:p>
+        </p:txBody>
+      </p:sp>
+      <p:sp>
+        <p:nvSpPr>
+          <p:cNvPr id="14" name="Rectangle 13">
+            <a:extLst>
+              <a:ext uri="{FF2B5EF4-FFF2-40B4-BE49-F238E27FC236}">
+                <a16:creationId xmlns:a16="http://schemas.microsoft.com/office/drawing/2014/main" id="{D1ABB756-D2A4-0145-892B-929F2076D1D6}"/>
+              </a:ext>
+            </a:extLst>
+          </p:cNvPr>
+          <p:cNvSpPr/>
+          <p:nvPr/>
+        </p:nvSpPr>
+        <p:spPr>
+          <a:xfrm>
+            <a:off x="5938646" y="1731117"/>
+            <a:ext cx="525337" cy="307777"/>
+          </a:xfrm>
+          <a:prstGeom prst="rect">
+            <a:avLst/>
+          </a:prstGeom>
+          <a:solidFill>
+            <a:schemeClr val="accent4">
+              <a:lumMod val="60000"/>
+              <a:lumOff val="40000"/>
+            </a:schemeClr>
+          </a:solidFill>
+          <a:ln>
+            <a:solidFill>
+              <a:schemeClr val="tx1"/>
+            </a:solidFill>
+          </a:ln>
+        </p:spPr>
+        <p:style>
+          <a:lnRef idx="2">
+            <a:schemeClr val="accent1">
+              <a:shade val="50000"/>
+            </a:schemeClr>
+          </a:lnRef>
+          <a:fillRef idx="1">
+            <a:schemeClr val="accent1"/>
+          </a:fillRef>
+          <a:effectRef idx="0">
+            <a:schemeClr val="accent1"/>
+          </a:effectRef>
+          <a:fontRef idx="minor">
+            <a:schemeClr val="lt1"/>
+          </a:fontRef>
+        </p:style>
+        <p:txBody>
+          <a:bodyPr rtlCol="0" anchor="ctr"/>
+          <a:lstStyle/>
+          <a:p>
+            <a:pPr algn="ctr"/>
+            <a:endParaRPr lang="en-US"/>
+          </a:p>
+        </p:txBody>
+      </p:sp>
+      <p:sp>
+        <p:nvSpPr>
+          <p:cNvPr id="15" name="TextBox 14">
+            <a:extLst>
+              <a:ext uri="{FF2B5EF4-FFF2-40B4-BE49-F238E27FC236}">
+                <a16:creationId xmlns:a16="http://schemas.microsoft.com/office/drawing/2014/main" id="{C4E8D72A-2497-5143-A6C2-917224CA18DB}"/>
+              </a:ext>
+            </a:extLst>
+          </p:cNvPr>
+          <p:cNvSpPr txBox="1"/>
+          <p:nvPr/>
+        </p:nvSpPr>
+        <p:spPr>
+          <a:xfrm>
+            <a:off x="5934626" y="1731117"/>
+            <a:ext cx="553357" cy="307777"/>
+          </a:xfrm>
+          <a:prstGeom prst="rect">
+            <a:avLst/>
+          </a:prstGeom>
+          <a:noFill/>
+        </p:spPr>
+        <p:txBody>
+          <a:bodyPr wrap="none" rtlCol="0">
+            <a:spAutoFit/>
+          </a:bodyPr>
+          <a:lstStyle/>
+          <a:p>
+            <a:r>
+              <a:rPr lang="en-US" sz="1400" dirty="0"/>
+              <a:t>L1D$</a:t>
+            </a:r>
+          </a:p>
+        </p:txBody>
+      </p:sp>
+      <p:sp>
+        <p:nvSpPr>
+          <p:cNvPr id="16" name="Rectangle 15">
+            <a:extLst>
+              <a:ext uri="{FF2B5EF4-FFF2-40B4-BE49-F238E27FC236}">
+                <a16:creationId xmlns:a16="http://schemas.microsoft.com/office/drawing/2014/main" id="{6C0E6825-98F9-E845-B241-997913DFFEBF}"/>
+              </a:ext>
+            </a:extLst>
+          </p:cNvPr>
+          <p:cNvSpPr/>
+          <p:nvPr/>
+        </p:nvSpPr>
+        <p:spPr>
+          <a:xfrm>
+            <a:off x="4868239" y="2251821"/>
+            <a:ext cx="1619949" cy="307777"/>
+          </a:xfrm>
+          <a:prstGeom prst="rect">
+            <a:avLst/>
+          </a:prstGeom>
+          <a:solidFill>
+            <a:schemeClr val="accent4">
+              <a:lumMod val="60000"/>
+              <a:lumOff val="40000"/>
+            </a:schemeClr>
+          </a:solidFill>
+          <a:ln>
+            <a:solidFill>
+              <a:schemeClr val="tx1"/>
+            </a:solidFill>
+          </a:ln>
+        </p:spPr>
+        <p:style>
+          <a:lnRef idx="2">
+            <a:schemeClr val="accent1">
+              <a:shade val="50000"/>
+            </a:schemeClr>
+          </a:lnRef>
+          <a:fillRef idx="1">
+            <a:schemeClr val="accent1"/>
+          </a:fillRef>
+          <a:effectRef idx="0">
+            <a:schemeClr val="accent1"/>
+          </a:effectRef>
+          <a:fontRef idx="minor">
+            <a:schemeClr val="lt1"/>
+          </a:fontRef>
+        </p:style>
+        <p:txBody>
+          <a:bodyPr rtlCol="0" anchor="ctr"/>
+          <a:lstStyle/>
+          <a:p>
+            <a:pPr algn="ctr"/>
+            <a:endParaRPr lang="en-US"/>
+          </a:p>
+        </p:txBody>
+      </p:sp>
+      <p:sp>
+        <p:nvSpPr>
+          <p:cNvPr id="17" name="TextBox 16">
+            <a:extLst>
+              <a:ext uri="{FF2B5EF4-FFF2-40B4-BE49-F238E27FC236}">
+                <a16:creationId xmlns:a16="http://schemas.microsoft.com/office/drawing/2014/main" id="{F49D1114-24CB-E14E-AD55-AAE7D32C763F}"/>
+              </a:ext>
+            </a:extLst>
+          </p:cNvPr>
+          <p:cNvSpPr txBox="1"/>
+          <p:nvPr/>
+        </p:nvSpPr>
+        <p:spPr>
+          <a:xfrm>
+            <a:off x="5249747" y="2251821"/>
+            <a:ext cx="708848" cy="307777"/>
+          </a:xfrm>
+          <a:prstGeom prst="rect">
+            <a:avLst/>
+          </a:prstGeom>
+          <a:noFill/>
+        </p:spPr>
+        <p:txBody>
+          <a:bodyPr wrap="none" rtlCol="0">
+            <a:spAutoFit/>
+          </a:bodyPr>
+          <a:lstStyle/>
+          <a:p>
+            <a:r>
+              <a:rPr lang="en-US" sz="1400" dirty="0" err="1"/>
+              <a:t>TileBus</a:t>
+            </a:r>
+            <a:endParaRPr lang="en-US" sz="1400" dirty="0"/>
+          </a:p>
+        </p:txBody>
+      </p:sp>
+      <p:cxnSp>
+        <p:nvCxnSpPr>
+          <p:cNvPr id="19" name="Straight Arrow Connector 18">
+            <a:extLst>
+              <a:ext uri="{FF2B5EF4-FFF2-40B4-BE49-F238E27FC236}">
+                <a16:creationId xmlns:a16="http://schemas.microsoft.com/office/drawing/2014/main" id="{1EF3DD15-22BC-E348-BA7D-90337E70F3A5}"/>
+              </a:ext>
+            </a:extLst>
+          </p:cNvPr>
+          <p:cNvCxnSpPr>
+            <a:stCxn id="6" idx="3"/>
+            <a:endCxn id="10" idx="1"/>
+          </p:cNvCxnSpPr>
+          <p:nvPr/>
+        </p:nvCxnSpPr>
+        <p:spPr>
+          <a:xfrm>
+            <a:off x="5653228" y="1364303"/>
+            <a:ext cx="281443" cy="0"/>
+          </a:xfrm>
+          <a:prstGeom prst="straightConnector1">
+            <a:avLst/>
+          </a:prstGeom>
+          <a:ln>
+            <a:solidFill>
+              <a:schemeClr val="tx1"/>
+            </a:solidFill>
+            <a:tailEnd type="triangle"/>
+          </a:ln>
+        </p:spPr>
+        <p:style>
+          <a:lnRef idx="1">
+            <a:schemeClr val="accent1"/>
+          </a:lnRef>
+          <a:fillRef idx="0">
+            <a:schemeClr val="accent1"/>
+          </a:fillRef>
+          <a:effectRef idx="0">
+            <a:schemeClr val="accent1"/>
+          </a:effectRef>
+          <a:fontRef idx="minor">
+            <a:schemeClr val="tx1"/>
+          </a:fontRef>
+        </p:style>
+      </p:cxnSp>
+      <p:cxnSp>
+        <p:nvCxnSpPr>
+          <p:cNvPr id="20" name="Straight Arrow Connector 19">
+            <a:extLst>
+              <a:ext uri="{FF2B5EF4-FFF2-40B4-BE49-F238E27FC236}">
+                <a16:creationId xmlns:a16="http://schemas.microsoft.com/office/drawing/2014/main" id="{0C5D443F-7872-B74E-842B-88F2F701E62A}"/>
+              </a:ext>
+            </a:extLst>
+          </p:cNvPr>
+          <p:cNvCxnSpPr>
+            <a:cxnSpLocks/>
+            <a:endCxn id="13" idx="0"/>
+          </p:cNvCxnSpPr>
+          <p:nvPr/>
+        </p:nvCxnSpPr>
+        <p:spPr>
+          <a:xfrm>
+            <a:off x="5264758" y="1528390"/>
+            <a:ext cx="0" cy="182328"/>
+          </a:xfrm>
+          <a:prstGeom prst="straightConnector1">
+            <a:avLst/>
+          </a:prstGeom>
+          <a:ln>
+            <a:solidFill>
+              <a:schemeClr val="tx1"/>
+            </a:solidFill>
+            <a:tailEnd type="triangle"/>
+          </a:ln>
+        </p:spPr>
+        <p:style>
+          <a:lnRef idx="1">
+            <a:schemeClr val="accent1"/>
+          </a:lnRef>
+          <a:fillRef idx="0">
+            <a:schemeClr val="accent1"/>
+          </a:fillRef>
+          <a:effectRef idx="0">
+            <a:schemeClr val="accent1"/>
+          </a:effectRef>
+          <a:fontRef idx="minor">
+            <a:schemeClr val="tx1"/>
+          </a:fontRef>
+        </p:style>
+      </p:cxnSp>
+      <p:cxnSp>
+        <p:nvCxnSpPr>
+          <p:cNvPr id="23" name="Straight Arrow Connector 22">
+            <a:extLst>
+              <a:ext uri="{FF2B5EF4-FFF2-40B4-BE49-F238E27FC236}">
+                <a16:creationId xmlns:a16="http://schemas.microsoft.com/office/drawing/2014/main" id="{EE219710-A778-7344-8F2A-DC9A640CDDC1}"/>
+              </a:ext>
+            </a:extLst>
+          </p:cNvPr>
+          <p:cNvCxnSpPr>
+            <a:cxnSpLocks/>
+            <a:stCxn id="11" idx="2"/>
+            <a:endCxn id="15" idx="0"/>
+          </p:cNvCxnSpPr>
+          <p:nvPr/>
+        </p:nvCxnSpPr>
+        <p:spPr>
+          <a:xfrm flipH="1">
+            <a:off x="6211305" y="1527462"/>
+            <a:ext cx="2881" cy="203655"/>
+          </a:xfrm>
+          <a:prstGeom prst="straightConnector1">
+            <a:avLst/>
+          </a:prstGeom>
+          <a:ln>
+            <a:solidFill>
+              <a:schemeClr val="tx1"/>
+            </a:solidFill>
+            <a:tailEnd type="triangle"/>
+          </a:ln>
+        </p:spPr>
+        <p:style>
+          <a:lnRef idx="1">
+            <a:schemeClr val="accent1"/>
+          </a:lnRef>
+          <a:fillRef idx="0">
+            <a:schemeClr val="accent1"/>
+          </a:fillRef>
+          <a:effectRef idx="0">
+            <a:schemeClr val="accent1"/>
+          </a:effectRef>
+          <a:fontRef idx="minor">
+            <a:schemeClr val="tx1"/>
+          </a:fontRef>
+        </p:style>
+      </p:cxnSp>
+      <p:cxnSp>
+        <p:nvCxnSpPr>
+          <p:cNvPr id="30" name="Elbow Connector 29">
+            <a:extLst>
+              <a:ext uri="{FF2B5EF4-FFF2-40B4-BE49-F238E27FC236}">
+                <a16:creationId xmlns:a16="http://schemas.microsoft.com/office/drawing/2014/main" id="{D30881EB-A382-7A4B-BF9E-40BB9814BBAB}"/>
+              </a:ext>
+            </a:extLst>
+          </p:cNvPr>
+          <p:cNvCxnSpPr>
+            <a:cxnSpLocks/>
+            <a:endCxn id="14" idx="1"/>
+          </p:cNvCxnSpPr>
+          <p:nvPr/>
+        </p:nvCxnSpPr>
+        <p:spPr>
+          <a:xfrm>
+            <a:off x="5458844" y="1518191"/>
+            <a:ext cx="479802" cy="366815"/>
+          </a:xfrm>
+          <a:prstGeom prst="bentConnector3">
+            <a:avLst>
+              <a:gd name="adj1" fmla="val 28587"/>
+            </a:avLst>
+          </a:prstGeom>
+          <a:ln>
+            <a:solidFill>
+              <a:schemeClr val="tx1"/>
+            </a:solidFill>
+            <a:tailEnd type="triangle"/>
+          </a:ln>
+        </p:spPr>
+        <p:style>
+          <a:lnRef idx="1">
+            <a:schemeClr val="accent1"/>
+          </a:lnRef>
+          <a:fillRef idx="0">
+            <a:schemeClr val="accent1"/>
+          </a:fillRef>
+          <a:effectRef idx="0">
+            <a:schemeClr val="accent1"/>
+          </a:effectRef>
+          <a:fontRef idx="minor">
+            <a:schemeClr val="tx1"/>
+          </a:fontRef>
+        </p:style>
+      </p:cxnSp>
+      <p:cxnSp>
+        <p:nvCxnSpPr>
+          <p:cNvPr id="35" name="Straight Arrow Connector 34">
+            <a:extLst>
+              <a:ext uri="{FF2B5EF4-FFF2-40B4-BE49-F238E27FC236}">
+                <a16:creationId xmlns:a16="http://schemas.microsoft.com/office/drawing/2014/main" id="{5F9D8EFE-7788-174C-899A-0B8D447F3844}"/>
+              </a:ext>
+            </a:extLst>
+          </p:cNvPr>
+          <p:cNvCxnSpPr>
+            <a:cxnSpLocks/>
+          </p:cNvCxnSpPr>
+          <p:nvPr/>
+        </p:nvCxnSpPr>
+        <p:spPr>
+          <a:xfrm>
+            <a:off x="5260713" y="2038894"/>
+            <a:ext cx="0" cy="212927"/>
+          </a:xfrm>
+          <a:prstGeom prst="straightConnector1">
+            <a:avLst/>
+          </a:prstGeom>
+          <a:ln>
+            <a:solidFill>
+              <a:schemeClr val="tx1"/>
+            </a:solidFill>
+            <a:tailEnd type="triangle"/>
+          </a:ln>
+        </p:spPr>
+        <p:style>
+          <a:lnRef idx="1">
+            <a:schemeClr val="accent1"/>
+          </a:lnRef>
+          <a:fillRef idx="0">
+            <a:schemeClr val="accent1"/>
+          </a:fillRef>
+          <a:effectRef idx="0">
+            <a:schemeClr val="accent1"/>
+          </a:effectRef>
+          <a:fontRef idx="minor">
+            <a:schemeClr val="tx1"/>
+          </a:fontRef>
+        </p:style>
+      </p:cxnSp>
+      <p:cxnSp>
+        <p:nvCxnSpPr>
+          <p:cNvPr id="38" name="Straight Arrow Connector 37">
+            <a:extLst>
+              <a:ext uri="{FF2B5EF4-FFF2-40B4-BE49-F238E27FC236}">
+                <a16:creationId xmlns:a16="http://schemas.microsoft.com/office/drawing/2014/main" id="{F4758C64-FA3E-6D4B-A5A9-8C26BF8E38A3}"/>
+              </a:ext>
+            </a:extLst>
+          </p:cNvPr>
+          <p:cNvCxnSpPr>
+            <a:cxnSpLocks/>
+          </p:cNvCxnSpPr>
+          <p:nvPr/>
+        </p:nvCxnSpPr>
+        <p:spPr>
+          <a:xfrm>
+            <a:off x="6215991" y="2038894"/>
+            <a:ext cx="0" cy="212927"/>
+          </a:xfrm>
+          <a:prstGeom prst="straightConnector1">
+            <a:avLst/>
+          </a:prstGeom>
+          <a:ln>
+            <a:solidFill>
+              <a:schemeClr val="tx1"/>
+            </a:solidFill>
+            <a:tailEnd type="triangle"/>
+          </a:ln>
+        </p:spPr>
+        <p:style>
+          <a:lnRef idx="1">
+            <a:schemeClr val="accent1"/>
+          </a:lnRef>
+          <a:fillRef idx="0">
+            <a:schemeClr val="accent1"/>
+          </a:fillRef>
+          <a:effectRef idx="0">
+            <a:schemeClr val="accent1"/>
+          </a:effectRef>
+          <a:fontRef idx="minor">
+            <a:schemeClr val="tx1"/>
+          </a:fontRef>
+        </p:style>
+      </p:cxnSp>
+      <p:sp>
+        <p:nvSpPr>
+          <p:cNvPr id="39" name="Rectangle 38">
+            <a:extLst>
+              <a:ext uri="{FF2B5EF4-FFF2-40B4-BE49-F238E27FC236}">
+                <a16:creationId xmlns:a16="http://schemas.microsoft.com/office/drawing/2014/main" id="{E2FECC2C-9FB4-794A-B091-7153E0707EA6}"/>
+              </a:ext>
+            </a:extLst>
+          </p:cNvPr>
+          <p:cNvSpPr/>
+          <p:nvPr/>
+        </p:nvSpPr>
+        <p:spPr>
+          <a:xfrm>
+            <a:off x="3719246" y="2955013"/>
+            <a:ext cx="2907586" cy="385056"/>
+          </a:xfrm>
+          <a:prstGeom prst="rect">
+            <a:avLst/>
+          </a:prstGeom>
+          <a:solidFill>
+            <a:schemeClr val="accent6">
+              <a:lumMod val="40000"/>
+              <a:lumOff val="60000"/>
+            </a:schemeClr>
+          </a:solidFill>
+          <a:ln>
+            <a:solidFill>
+              <a:schemeClr val="tx1"/>
+            </a:solidFill>
+          </a:ln>
+        </p:spPr>
+        <p:style>
+          <a:lnRef idx="2">
+            <a:schemeClr val="accent1">
+              <a:shade val="50000"/>
+            </a:schemeClr>
+          </a:lnRef>
+          <a:fillRef idx="1">
+            <a:schemeClr val="accent1"/>
+          </a:fillRef>
+          <a:effectRef idx="0">
+            <a:schemeClr val="accent1"/>
+          </a:effectRef>
+          <a:fontRef idx="minor">
+            <a:schemeClr val="lt1"/>
+          </a:fontRef>
+        </p:style>
+        <p:txBody>
+          <a:bodyPr rtlCol="0" anchor="ctr"/>
+          <a:lstStyle/>
+          <a:p>
+            <a:pPr algn="ctr"/>
+            <a:endParaRPr lang="en-US"/>
+          </a:p>
+        </p:txBody>
+      </p:sp>
+      <p:sp>
+        <p:nvSpPr>
+          <p:cNvPr id="40" name="TextBox 39">
+            <a:extLst>
+              <a:ext uri="{FF2B5EF4-FFF2-40B4-BE49-F238E27FC236}">
+                <a16:creationId xmlns:a16="http://schemas.microsoft.com/office/drawing/2014/main" id="{B4A03E0A-9062-E04F-B831-F809B3731861}"/>
+              </a:ext>
+            </a:extLst>
+          </p:cNvPr>
+          <p:cNvSpPr txBox="1"/>
+          <p:nvPr/>
+        </p:nvSpPr>
+        <p:spPr>
+          <a:xfrm>
+            <a:off x="4818925" y="2992898"/>
+            <a:ext cx="967188" cy="307777"/>
+          </a:xfrm>
+          <a:prstGeom prst="rect">
+            <a:avLst/>
+          </a:prstGeom>
+          <a:noFill/>
+        </p:spPr>
+        <p:txBody>
+          <a:bodyPr wrap="none" rtlCol="0">
+            <a:spAutoFit/>
+          </a:bodyPr>
+          <a:lstStyle/>
+          <a:p>
+            <a:r>
+              <a:rPr lang="en-US" sz="1400" dirty="0" err="1"/>
+              <a:t>SystemBus</a:t>
+            </a:r>
+            <a:endParaRPr lang="en-US" sz="1400" dirty="0"/>
+          </a:p>
+        </p:txBody>
+      </p:sp>
+      <p:cxnSp>
+        <p:nvCxnSpPr>
+          <p:cNvPr id="43" name="Straight Arrow Connector 42">
+            <a:extLst>
+              <a:ext uri="{FF2B5EF4-FFF2-40B4-BE49-F238E27FC236}">
+                <a16:creationId xmlns:a16="http://schemas.microsoft.com/office/drawing/2014/main" id="{F0DC73C2-C2CE-8246-83FD-F5F7CB85BFB7}"/>
+              </a:ext>
+            </a:extLst>
+          </p:cNvPr>
+          <p:cNvCxnSpPr>
+            <a:cxnSpLocks/>
+          </p:cNvCxnSpPr>
+          <p:nvPr/>
+        </p:nvCxnSpPr>
+        <p:spPr>
+          <a:xfrm>
+            <a:off x="5254707" y="2630184"/>
+            <a:ext cx="0" cy="328773"/>
+          </a:xfrm>
+          <a:prstGeom prst="straightConnector1">
+            <a:avLst/>
+          </a:prstGeom>
+          <a:ln>
+            <a:solidFill>
+              <a:schemeClr val="tx1"/>
+            </a:solidFill>
+            <a:tailEnd type="triangle"/>
+          </a:ln>
+        </p:spPr>
+        <p:style>
+          <a:lnRef idx="1">
+            <a:schemeClr val="accent1"/>
+          </a:lnRef>
+          <a:fillRef idx="0">
+            <a:schemeClr val="accent1"/>
+          </a:fillRef>
+          <a:effectRef idx="0">
+            <a:schemeClr val="accent1"/>
+          </a:effectRef>
+          <a:fontRef idx="minor">
+            <a:schemeClr val="tx1"/>
+          </a:fontRef>
+        </p:style>
+      </p:cxnSp>
+      <p:sp>
+        <p:nvSpPr>
+          <p:cNvPr id="46" name="Rectangle 45">
+            <a:extLst>
+              <a:ext uri="{FF2B5EF4-FFF2-40B4-BE49-F238E27FC236}">
+                <a16:creationId xmlns:a16="http://schemas.microsoft.com/office/drawing/2014/main" id="{1A4B97D3-4527-E441-9BDC-F33C122994A9}"/>
+              </a:ext>
+            </a:extLst>
+          </p:cNvPr>
+          <p:cNvSpPr/>
+          <p:nvPr/>
+        </p:nvSpPr>
+        <p:spPr>
+          <a:xfrm>
+            <a:off x="4818925" y="3592823"/>
+            <a:ext cx="883576" cy="385056"/>
+          </a:xfrm>
+          <a:prstGeom prst="rect">
+            <a:avLst/>
+          </a:prstGeom>
+          <a:solidFill>
+            <a:schemeClr val="accent1">
+              <a:lumMod val="20000"/>
+              <a:lumOff val="80000"/>
+            </a:schemeClr>
+          </a:solidFill>
+        </p:spPr>
+        <p:style>
+          <a:lnRef idx="2">
+            <a:schemeClr val="accent1">
+              <a:shade val="50000"/>
+            </a:schemeClr>
+          </a:lnRef>
+          <a:fillRef idx="1">
+            <a:schemeClr val="accent1"/>
+          </a:fillRef>
+          <a:effectRef idx="0">
+            <a:schemeClr val="accent1"/>
+          </a:effectRef>
+          <a:fontRef idx="minor">
+            <a:schemeClr val="lt1"/>
+          </a:fontRef>
+        </p:style>
+        <p:txBody>
+          <a:bodyPr rtlCol="0" anchor="ctr"/>
+          <a:lstStyle/>
+          <a:p>
+            <a:pPr algn="ctr"/>
+            <a:endParaRPr lang="en-US"/>
+          </a:p>
+        </p:txBody>
+      </p:sp>
+      <p:sp>
+        <p:nvSpPr>
+          <p:cNvPr id="47" name="TextBox 46">
+            <a:extLst>
+              <a:ext uri="{FF2B5EF4-FFF2-40B4-BE49-F238E27FC236}">
+                <a16:creationId xmlns:a16="http://schemas.microsoft.com/office/drawing/2014/main" id="{1A225AC0-D7AF-F04A-990B-B2B6850E7807}"/>
+              </a:ext>
+            </a:extLst>
+          </p:cNvPr>
+          <p:cNvSpPr txBox="1"/>
+          <p:nvPr/>
+        </p:nvSpPr>
+        <p:spPr>
+          <a:xfrm>
+            <a:off x="5039338" y="3631462"/>
+            <a:ext cx="442750" cy="307777"/>
+          </a:xfrm>
+          <a:prstGeom prst="rect">
+            <a:avLst/>
+          </a:prstGeom>
+          <a:noFill/>
+        </p:spPr>
+        <p:txBody>
+          <a:bodyPr wrap="none" rtlCol="0">
+            <a:spAutoFit/>
+          </a:bodyPr>
+          <a:lstStyle/>
+          <a:p>
+            <a:r>
+              <a:rPr lang="en-US" sz="1400" dirty="0"/>
+              <a:t>L2$</a:t>
+            </a:r>
+          </a:p>
+        </p:txBody>
+      </p:sp>
+      <p:cxnSp>
+        <p:nvCxnSpPr>
+          <p:cNvPr id="52" name="Straight Arrow Connector 51">
+            <a:extLst>
+              <a:ext uri="{FF2B5EF4-FFF2-40B4-BE49-F238E27FC236}">
+                <a16:creationId xmlns:a16="http://schemas.microsoft.com/office/drawing/2014/main" id="{F219FFAB-050E-F846-9A35-FF872860BC0B}"/>
+              </a:ext>
+            </a:extLst>
+          </p:cNvPr>
+          <p:cNvCxnSpPr>
+            <a:cxnSpLocks/>
+            <a:endCxn id="46" idx="0"/>
+          </p:cNvCxnSpPr>
+          <p:nvPr/>
+        </p:nvCxnSpPr>
+        <p:spPr>
+          <a:xfrm>
+            <a:off x="5260713" y="3352867"/>
+            <a:ext cx="0" cy="239956"/>
+          </a:xfrm>
+          <a:prstGeom prst="straightConnector1">
+            <a:avLst/>
+          </a:prstGeom>
+          <a:ln>
+            <a:solidFill>
+              <a:schemeClr val="tx1"/>
+            </a:solidFill>
+            <a:tailEnd type="triangle"/>
+          </a:ln>
+        </p:spPr>
+        <p:style>
+          <a:lnRef idx="1">
+            <a:schemeClr val="accent1"/>
+          </a:lnRef>
+          <a:fillRef idx="0">
+            <a:schemeClr val="accent1"/>
+          </a:fillRef>
+          <a:effectRef idx="0">
+            <a:schemeClr val="accent1"/>
+          </a:effectRef>
+          <a:fontRef idx="minor">
+            <a:schemeClr val="tx1"/>
+          </a:fontRef>
+        </p:style>
+      </p:cxnSp>
+      <p:cxnSp>
+        <p:nvCxnSpPr>
+          <p:cNvPr id="55" name="Straight Arrow Connector 54">
+            <a:extLst>
+              <a:ext uri="{FF2B5EF4-FFF2-40B4-BE49-F238E27FC236}">
+                <a16:creationId xmlns:a16="http://schemas.microsoft.com/office/drawing/2014/main" id="{8A0A22E4-2E5D-0243-95C6-97FEC82FBB8D}"/>
+              </a:ext>
+            </a:extLst>
+          </p:cNvPr>
+          <p:cNvCxnSpPr>
+            <a:cxnSpLocks/>
+          </p:cNvCxnSpPr>
+          <p:nvPr/>
+        </p:nvCxnSpPr>
+        <p:spPr>
+          <a:xfrm>
+            <a:off x="5260713" y="3977879"/>
+            <a:ext cx="0" cy="239956"/>
+          </a:xfrm>
+          <a:prstGeom prst="straightConnector1">
+            <a:avLst/>
+          </a:prstGeom>
+          <a:ln>
+            <a:solidFill>
+              <a:schemeClr val="tx1"/>
+            </a:solidFill>
+            <a:tailEnd type="triangle"/>
+          </a:ln>
+        </p:spPr>
+        <p:style>
+          <a:lnRef idx="1">
+            <a:schemeClr val="accent1"/>
+          </a:lnRef>
+          <a:fillRef idx="0">
+            <a:schemeClr val="accent1"/>
+          </a:fillRef>
+          <a:effectRef idx="0">
+            <a:schemeClr val="accent1"/>
+          </a:effectRef>
+          <a:fontRef idx="minor">
+            <a:schemeClr val="tx1"/>
+          </a:fontRef>
+        </p:style>
+      </p:cxnSp>
+      <p:sp>
+        <p:nvSpPr>
+          <p:cNvPr id="56" name="TextBox 55">
+            <a:extLst>
+              <a:ext uri="{FF2B5EF4-FFF2-40B4-BE49-F238E27FC236}">
+                <a16:creationId xmlns:a16="http://schemas.microsoft.com/office/drawing/2014/main" id="{6C42C1A2-0AAD-3E4F-9586-CED686EAD7E4}"/>
+              </a:ext>
+            </a:extLst>
+          </p:cNvPr>
+          <p:cNvSpPr txBox="1"/>
+          <p:nvPr/>
+        </p:nvSpPr>
+        <p:spPr>
+          <a:xfrm>
+            <a:off x="4855345" y="4217835"/>
+            <a:ext cx="810735" cy="307777"/>
+          </a:xfrm>
+          <a:prstGeom prst="rect">
+            <a:avLst/>
+          </a:prstGeom>
+          <a:noFill/>
+        </p:spPr>
+        <p:txBody>
+          <a:bodyPr wrap="none" rtlCol="0">
+            <a:spAutoFit/>
+          </a:bodyPr>
+          <a:lstStyle/>
+          <a:p>
+            <a:r>
+              <a:rPr lang="en-US" sz="1400" dirty="0"/>
+              <a:t>Memory</a:t>
+            </a:r>
+          </a:p>
+        </p:txBody>
+      </p:sp>
+      <p:cxnSp>
+        <p:nvCxnSpPr>
+          <p:cNvPr id="80" name="Straight Arrow Connector 79">
+            <a:extLst>
+              <a:ext uri="{FF2B5EF4-FFF2-40B4-BE49-F238E27FC236}">
+                <a16:creationId xmlns:a16="http://schemas.microsoft.com/office/drawing/2014/main" id="{99AC7A76-680E-A243-9275-773E404FB179}"/>
+              </a:ext>
+            </a:extLst>
+          </p:cNvPr>
+          <p:cNvCxnSpPr>
+            <a:cxnSpLocks/>
+          </p:cNvCxnSpPr>
+          <p:nvPr/>
+        </p:nvCxnSpPr>
+        <p:spPr>
+          <a:xfrm>
+            <a:off x="3488146" y="1281329"/>
+            <a:ext cx="394819" cy="0"/>
+          </a:xfrm>
+          <a:prstGeom prst="straightConnector1">
+            <a:avLst/>
+          </a:prstGeom>
+          <a:ln>
+            <a:solidFill>
+              <a:schemeClr val="tx1"/>
+            </a:solidFill>
+            <a:tailEnd type="triangle"/>
+          </a:ln>
+        </p:spPr>
+        <p:style>
+          <a:lnRef idx="1">
+            <a:schemeClr val="accent1"/>
+          </a:lnRef>
+          <a:fillRef idx="0">
+            <a:schemeClr val="accent1"/>
+          </a:fillRef>
+          <a:effectRef idx="0">
+            <a:schemeClr val="accent1"/>
+          </a:effectRef>
+          <a:fontRef idx="minor">
+            <a:schemeClr val="tx1"/>
+          </a:fontRef>
+        </p:style>
+      </p:cxnSp>
+      <p:cxnSp>
+        <p:nvCxnSpPr>
+          <p:cNvPr id="83" name="Straight Arrow Connector 82">
+            <a:extLst>
+              <a:ext uri="{FF2B5EF4-FFF2-40B4-BE49-F238E27FC236}">
+                <a16:creationId xmlns:a16="http://schemas.microsoft.com/office/drawing/2014/main" id="{B9B14CC7-A2BD-B846-A029-13892331E1D3}"/>
+              </a:ext>
+            </a:extLst>
+          </p:cNvPr>
+          <p:cNvCxnSpPr>
+            <a:cxnSpLocks/>
+          </p:cNvCxnSpPr>
+          <p:nvPr/>
+        </p:nvCxnSpPr>
+        <p:spPr>
+          <a:xfrm>
+            <a:off x="3468388" y="1416867"/>
+            <a:ext cx="394819" cy="0"/>
+          </a:xfrm>
+          <a:prstGeom prst="straightConnector1">
+            <a:avLst/>
+          </a:prstGeom>
+          <a:ln>
+            <a:solidFill>
+              <a:schemeClr val="tx1"/>
+            </a:solidFill>
+            <a:headEnd type="triangle" w="med" len="med"/>
+            <a:tailEnd type="none" w="med" len="med"/>
+          </a:ln>
+        </p:spPr>
+        <p:style>
+          <a:lnRef idx="1">
+            <a:schemeClr val="accent1"/>
+          </a:lnRef>
+          <a:fillRef idx="0">
+            <a:schemeClr val="accent1"/>
+          </a:fillRef>
+          <a:effectRef idx="0">
+            <a:schemeClr val="accent1"/>
+          </a:effectRef>
+          <a:fontRef idx="minor">
+            <a:schemeClr val="tx1"/>
+          </a:fontRef>
+        </p:style>
+      </p:cxnSp>
+      <p:sp>
+        <p:nvSpPr>
+          <p:cNvPr id="84" name="TextBox 83">
+            <a:extLst>
+              <a:ext uri="{FF2B5EF4-FFF2-40B4-BE49-F238E27FC236}">
+                <a16:creationId xmlns:a16="http://schemas.microsoft.com/office/drawing/2014/main" id="{25F3E388-A654-CB4C-A384-A9D3AB2F746E}"/>
+              </a:ext>
+            </a:extLst>
+          </p:cNvPr>
+          <p:cNvSpPr txBox="1"/>
+          <p:nvPr/>
+        </p:nvSpPr>
+        <p:spPr>
+          <a:xfrm>
+            <a:off x="2685702" y="1180074"/>
+            <a:ext cx="822789" cy="307777"/>
+          </a:xfrm>
+          <a:prstGeom prst="rect">
+            <a:avLst/>
+          </a:prstGeom>
+          <a:noFill/>
+        </p:spPr>
+        <p:txBody>
+          <a:bodyPr wrap="none" rtlCol="0">
+            <a:spAutoFit/>
+          </a:bodyPr>
+          <a:lstStyle/>
+          <a:p>
+            <a:r>
+              <a:rPr lang="en-US" sz="1400" dirty="0"/>
+              <a:t>Ethernet</a:t>
+            </a:r>
+          </a:p>
+        </p:txBody>
+      </p:sp>
+      <p:sp>
+        <p:nvSpPr>
+          <p:cNvPr id="48" name="Rectangle 47">
+            <a:extLst>
+              <a:ext uri="{FF2B5EF4-FFF2-40B4-BE49-F238E27FC236}">
+                <a16:creationId xmlns:a16="http://schemas.microsoft.com/office/drawing/2014/main" id="{B8F9FE02-6872-3C47-A592-732993B2E956}"/>
+              </a:ext>
+            </a:extLst>
+          </p:cNvPr>
+          <p:cNvSpPr/>
+          <p:nvPr/>
+        </p:nvSpPr>
+        <p:spPr>
+          <a:xfrm>
+            <a:off x="3882965" y="1208477"/>
+            <a:ext cx="725742" cy="279374"/>
+          </a:xfrm>
+          <a:prstGeom prst="rect">
+            <a:avLst/>
+          </a:prstGeom>
+          <a:solidFill>
+            <a:srgbClr val="FF0000"/>
+          </a:solidFill>
+          <a:ln>
+            <a:solidFill>
+              <a:schemeClr val="tx1"/>
+            </a:solidFill>
+          </a:ln>
+        </p:spPr>
+        <p:style>
+          <a:lnRef idx="2">
+            <a:schemeClr val="accent1">
+              <a:shade val="50000"/>
+            </a:schemeClr>
+          </a:lnRef>
+          <a:fillRef idx="1">
+            <a:schemeClr val="accent1"/>
+          </a:fillRef>
+          <a:effectRef idx="0">
+            <a:schemeClr val="accent1"/>
+          </a:effectRef>
+          <a:fontRef idx="minor">
+            <a:schemeClr val="lt1"/>
+          </a:fontRef>
+        </p:style>
+        <p:txBody>
+          <a:bodyPr rtlCol="0" anchor="ctr"/>
+          <a:lstStyle/>
+          <a:p>
+            <a:pPr algn="ctr"/>
+            <a:r>
+              <a:rPr lang="en-US" dirty="0"/>
+              <a:t>NIC</a:t>
+            </a:r>
+          </a:p>
+        </p:txBody>
+      </p:sp>
+      <p:cxnSp>
+        <p:nvCxnSpPr>
+          <p:cNvPr id="49" name="Straight Arrow Connector 48">
+            <a:extLst>
+              <a:ext uri="{FF2B5EF4-FFF2-40B4-BE49-F238E27FC236}">
+                <a16:creationId xmlns:a16="http://schemas.microsoft.com/office/drawing/2014/main" id="{2C5B95D0-DE8E-8445-9E70-8637ECC60A0D}"/>
+              </a:ext>
+            </a:extLst>
+          </p:cNvPr>
+          <p:cNvCxnSpPr>
+            <a:cxnSpLocks/>
+          </p:cNvCxnSpPr>
+          <p:nvPr/>
+        </p:nvCxnSpPr>
+        <p:spPr>
+          <a:xfrm>
+            <a:off x="4622984" y="1281329"/>
+            <a:ext cx="228409" cy="0"/>
+          </a:xfrm>
+          <a:prstGeom prst="straightConnector1">
+            <a:avLst/>
+          </a:prstGeom>
+          <a:ln>
+            <a:solidFill>
+              <a:schemeClr val="tx1"/>
+            </a:solidFill>
+            <a:tailEnd type="triangle"/>
+          </a:ln>
+        </p:spPr>
+        <p:style>
+          <a:lnRef idx="1">
+            <a:schemeClr val="accent1"/>
+          </a:lnRef>
+          <a:fillRef idx="0">
+            <a:schemeClr val="accent1"/>
+          </a:fillRef>
+          <a:effectRef idx="0">
+            <a:schemeClr val="accent1"/>
+          </a:effectRef>
+          <a:fontRef idx="minor">
+            <a:schemeClr val="tx1"/>
+          </a:fontRef>
+        </p:style>
+      </p:cxnSp>
+      <p:cxnSp>
+        <p:nvCxnSpPr>
+          <p:cNvPr id="50" name="Straight Arrow Connector 49">
+            <a:extLst>
+              <a:ext uri="{FF2B5EF4-FFF2-40B4-BE49-F238E27FC236}">
+                <a16:creationId xmlns:a16="http://schemas.microsoft.com/office/drawing/2014/main" id="{4E16DD16-75A2-5546-B734-DD2E8485B9C4}"/>
+              </a:ext>
+            </a:extLst>
+          </p:cNvPr>
+          <p:cNvCxnSpPr>
+            <a:cxnSpLocks/>
+          </p:cNvCxnSpPr>
+          <p:nvPr/>
+        </p:nvCxnSpPr>
+        <p:spPr>
+          <a:xfrm>
+            <a:off x="4603226" y="1416867"/>
+            <a:ext cx="265013" cy="0"/>
+          </a:xfrm>
+          <a:prstGeom prst="straightConnector1">
+            <a:avLst/>
+          </a:prstGeom>
+          <a:ln>
+            <a:solidFill>
+              <a:schemeClr val="tx1"/>
+            </a:solidFill>
+            <a:headEnd type="triangle" w="med" len="med"/>
+            <a:tailEnd type="none" w="med" len="med"/>
+          </a:ln>
+        </p:spPr>
+        <p:style>
+          <a:lnRef idx="1">
+            <a:schemeClr val="accent1"/>
+          </a:lnRef>
+          <a:fillRef idx="0">
+            <a:schemeClr val="accent1"/>
+          </a:fillRef>
+          <a:effectRef idx="0">
+            <a:schemeClr val="accent1"/>
+          </a:effectRef>
+          <a:fontRef idx="minor">
+            <a:schemeClr val="tx1"/>
+          </a:fontRef>
+        </p:style>
+      </p:cxnSp>
+    </p:spTree>
+    <p:extLst>
+      <p:ext uri="{BB962C8B-B14F-4D97-AF65-F5344CB8AC3E}">
+        <p14:creationId xmlns:p14="http://schemas.microsoft.com/office/powerpoint/2010/main" val="1448118634"/>
+      </p:ext>
+    </p:extLst>
+  </p:cSld>
+  <p:clrMapOvr>
+    <a:masterClrMapping/>
+  </p:clrMapOvr>
+</p:sld>
+</file>
+
+<file path=ppt/slides/slide7.xml><?xml version="1.0" encoding="utf-8"?>
+<p:sld xmlns:a="http://schemas.openxmlformats.org/drawingml/2006/main" xmlns:r="http://schemas.openxmlformats.org/officeDocument/2006/relationships" xmlns:p="http://schemas.openxmlformats.org/presentationml/2006/main">
+  <p:cSld>
+    <p:spTree>
+      <p:nvGrpSpPr>
+        <p:cNvPr id="1" name=""/>
+        <p:cNvGrpSpPr/>
+        <p:nvPr/>
+      </p:nvGrpSpPr>
+      <p:grpSpPr>
+        <a:xfrm>
+          <a:off x="0" y="0"/>
+          <a:ext cx="0" cy="0"/>
+          <a:chOff x="0" y="0"/>
+          <a:chExt cx="0" cy="0"/>
+        </a:xfrm>
+      </p:grpSpPr>
+      <p:sp>
+        <p:nvSpPr>
+          <p:cNvPr id="4" name="Rectangle 3">
+            <a:extLst>
+              <a:ext uri="{FF2B5EF4-FFF2-40B4-BE49-F238E27FC236}">
+                <a16:creationId xmlns:a16="http://schemas.microsoft.com/office/drawing/2014/main" id="{858A04F6-C205-BE44-BCE1-37031196E28F}"/>
+              </a:ext>
+            </a:extLst>
+          </p:cNvPr>
+          <p:cNvSpPr/>
+          <p:nvPr/>
+        </p:nvSpPr>
+        <p:spPr>
+          <a:xfrm>
+            <a:off x="2719755" y="2508737"/>
+            <a:ext cx="3938954" cy="726831"/>
+          </a:xfrm>
+          <a:prstGeom prst="rect">
+            <a:avLst/>
+          </a:prstGeom>
+          <a:noFill/>
+          <a:ln>
+            <a:solidFill>
+              <a:schemeClr val="tx1"/>
+            </a:solidFill>
+          </a:ln>
+        </p:spPr>
+        <p:style>
+          <a:lnRef idx="2">
+            <a:schemeClr val="accent1">
+              <a:shade val="50000"/>
+            </a:schemeClr>
+          </a:lnRef>
+          <a:fillRef idx="1">
+            <a:schemeClr val="accent1"/>
+          </a:fillRef>
+          <a:effectRef idx="0">
+            <a:schemeClr val="accent1"/>
+          </a:effectRef>
+          <a:fontRef idx="minor">
+            <a:schemeClr val="lt1"/>
+          </a:fontRef>
+        </p:style>
+        <p:txBody>
+          <a:bodyPr rtlCol="0" anchor="ctr"/>
+          <a:lstStyle/>
+          <a:p>
+            <a:pPr algn="ctr"/>
+            <a:endParaRPr lang="en-US" b="1"/>
+          </a:p>
+        </p:txBody>
+      </p:sp>
+      <p:sp>
+        <p:nvSpPr>
+          <p:cNvPr id="5" name="TextBox 4">
+            <a:extLst>
+              <a:ext uri="{FF2B5EF4-FFF2-40B4-BE49-F238E27FC236}">
+                <a16:creationId xmlns:a16="http://schemas.microsoft.com/office/drawing/2014/main" id="{A39786F2-5E05-FB40-A06A-03DEE7E482FA}"/>
+              </a:ext>
+            </a:extLst>
+          </p:cNvPr>
+          <p:cNvSpPr txBox="1"/>
+          <p:nvPr/>
+        </p:nvSpPr>
+        <p:spPr>
+          <a:xfrm>
+            <a:off x="3510024" y="2623032"/>
+            <a:ext cx="2765501" cy="461665"/>
+          </a:xfrm>
+          <a:prstGeom prst="rect">
+            <a:avLst/>
+          </a:prstGeom>
+          <a:noFill/>
+        </p:spPr>
+        <p:txBody>
+          <a:bodyPr wrap="none" rtlCol="0">
+            <a:spAutoFit/>
+          </a:bodyPr>
+          <a:lstStyle/>
+          <a:p>
+            <a:r>
+              <a:rPr lang="en-US" sz="2400" b="1" dirty="0" err="1">
+                <a:latin typeface="Courier" pitchFamily="2" charset="0"/>
+              </a:rPr>
+              <a:t>Src</a:t>
+            </a:r>
+            <a:r>
+              <a:rPr lang="en-US" sz="2400" b="1" dirty="0">
+                <a:latin typeface="Courier" pitchFamily="2" charset="0"/>
+              </a:rPr>
+              <a:t> IP Address</a:t>
+            </a:r>
+          </a:p>
+        </p:txBody>
+      </p:sp>
+      <p:sp>
+        <p:nvSpPr>
+          <p:cNvPr id="6" name="TextBox 5">
+            <a:extLst>
+              <a:ext uri="{FF2B5EF4-FFF2-40B4-BE49-F238E27FC236}">
+                <a16:creationId xmlns:a16="http://schemas.microsoft.com/office/drawing/2014/main" id="{7AA3D196-AB04-7C4D-BBAD-35B0AB77A9A0}"/>
+              </a:ext>
+            </a:extLst>
+          </p:cNvPr>
+          <p:cNvSpPr txBox="1"/>
+          <p:nvPr/>
+        </p:nvSpPr>
+        <p:spPr>
+          <a:xfrm>
+            <a:off x="1008833" y="2397307"/>
+            <a:ext cx="1370888" cy="954107"/>
+          </a:xfrm>
+          <a:prstGeom prst="rect">
+            <a:avLst/>
+          </a:prstGeom>
+          <a:noFill/>
+        </p:spPr>
+        <p:txBody>
+          <a:bodyPr wrap="none" rtlCol="0">
+            <a:spAutoFit/>
+          </a:bodyPr>
+          <a:lstStyle/>
+          <a:p>
+            <a:pPr algn="ctr"/>
+            <a:r>
+              <a:rPr lang="en-US" sz="2800" b="1" dirty="0"/>
+              <a:t>RX App</a:t>
+            </a:r>
+          </a:p>
+          <a:p>
+            <a:pPr algn="ctr"/>
+            <a:r>
+              <a:rPr lang="en-US" sz="2800" b="1" dirty="0"/>
+              <a:t>Header:</a:t>
+            </a:r>
+          </a:p>
+        </p:txBody>
+      </p:sp>
+      <p:sp>
+        <p:nvSpPr>
+          <p:cNvPr id="7" name="TextBox 6">
+            <a:extLst>
+              <a:ext uri="{FF2B5EF4-FFF2-40B4-BE49-F238E27FC236}">
+                <a16:creationId xmlns:a16="http://schemas.microsoft.com/office/drawing/2014/main" id="{55593D75-DC36-8E44-A91A-2B741569B4E1}"/>
+              </a:ext>
+            </a:extLst>
+          </p:cNvPr>
+          <p:cNvSpPr txBox="1"/>
+          <p:nvPr/>
+        </p:nvSpPr>
+        <p:spPr>
+          <a:xfrm>
+            <a:off x="6727436" y="2466192"/>
+            <a:ext cx="2028119" cy="830997"/>
+          </a:xfrm>
+          <a:prstGeom prst="rect">
+            <a:avLst/>
+          </a:prstGeom>
+          <a:noFill/>
+        </p:spPr>
+        <p:txBody>
+          <a:bodyPr wrap="none" rtlCol="0">
+            <a:spAutoFit/>
+          </a:bodyPr>
+          <a:lstStyle/>
+          <a:p>
+            <a:pPr algn="ctr"/>
+            <a:r>
+              <a:rPr lang="en-US" sz="2400" b="1" dirty="0" err="1">
+                <a:latin typeface="Courier" pitchFamily="2" charset="0"/>
+              </a:rPr>
+              <a:t>Src</a:t>
+            </a:r>
+            <a:endParaRPr lang="en-US" sz="2400" b="1" dirty="0">
+              <a:latin typeface="Courier" pitchFamily="2" charset="0"/>
+            </a:endParaRPr>
+          </a:p>
+          <a:p>
+            <a:pPr algn="ctr"/>
+            <a:r>
+              <a:rPr lang="en-US" sz="2400" b="1" dirty="0">
+                <a:latin typeface="Courier" pitchFamily="2" charset="0"/>
+              </a:rPr>
+              <a:t>Context ID</a:t>
+            </a:r>
+          </a:p>
+        </p:txBody>
+      </p:sp>
+      <p:sp>
+        <p:nvSpPr>
+          <p:cNvPr id="8" name="TextBox 7">
+            <a:extLst>
+              <a:ext uri="{FF2B5EF4-FFF2-40B4-BE49-F238E27FC236}">
+                <a16:creationId xmlns:a16="http://schemas.microsoft.com/office/drawing/2014/main" id="{779F5914-4C01-9441-96C6-25C920C06D2B}"/>
+              </a:ext>
+            </a:extLst>
+          </p:cNvPr>
+          <p:cNvSpPr txBox="1"/>
+          <p:nvPr/>
+        </p:nvSpPr>
+        <p:spPr>
+          <a:xfrm>
+            <a:off x="9098897" y="2458861"/>
+            <a:ext cx="1290738" cy="830997"/>
+          </a:xfrm>
+          <a:prstGeom prst="rect">
+            <a:avLst/>
+          </a:prstGeom>
+          <a:noFill/>
+        </p:spPr>
+        <p:txBody>
+          <a:bodyPr wrap="none" rtlCol="0">
+            <a:spAutoFit/>
+          </a:bodyPr>
+          <a:lstStyle/>
+          <a:p>
+            <a:pPr algn="ctr"/>
+            <a:r>
+              <a:rPr lang="en-US" sz="2400" b="1" dirty="0" err="1">
+                <a:latin typeface="Courier" pitchFamily="2" charset="0"/>
+              </a:rPr>
+              <a:t>Msg</a:t>
+            </a:r>
+            <a:endParaRPr lang="en-US" sz="2400" b="1" dirty="0">
+              <a:latin typeface="Courier" pitchFamily="2" charset="0"/>
+            </a:endParaRPr>
+          </a:p>
+          <a:p>
+            <a:pPr algn="ctr"/>
+            <a:r>
+              <a:rPr lang="en-US" sz="2400" b="1" dirty="0">
+                <a:latin typeface="Courier" pitchFamily="2" charset="0"/>
+              </a:rPr>
+              <a:t>Length</a:t>
+            </a:r>
+          </a:p>
+        </p:txBody>
+      </p:sp>
+      <p:sp>
+        <p:nvSpPr>
+          <p:cNvPr id="9" name="Rectangle 8">
+            <a:extLst>
+              <a:ext uri="{FF2B5EF4-FFF2-40B4-BE49-F238E27FC236}">
+                <a16:creationId xmlns:a16="http://schemas.microsoft.com/office/drawing/2014/main" id="{79530BAC-0035-1E47-9C96-FB8E20CB3863}"/>
+              </a:ext>
+            </a:extLst>
+          </p:cNvPr>
+          <p:cNvSpPr/>
+          <p:nvPr/>
+        </p:nvSpPr>
+        <p:spPr>
+          <a:xfrm>
+            <a:off x="6658709" y="2508736"/>
+            <a:ext cx="2095770" cy="726831"/>
+          </a:xfrm>
+          <a:prstGeom prst="rect">
+            <a:avLst/>
+          </a:prstGeom>
+          <a:noFill/>
+          <a:ln>
+            <a:solidFill>
+              <a:schemeClr val="tx1"/>
+            </a:solidFill>
+          </a:ln>
+        </p:spPr>
+        <p:style>
+          <a:lnRef idx="2">
+            <a:schemeClr val="accent1">
+              <a:shade val="50000"/>
+            </a:schemeClr>
+          </a:lnRef>
+          <a:fillRef idx="1">
+            <a:schemeClr val="accent1"/>
+          </a:fillRef>
+          <a:effectRef idx="0">
+            <a:schemeClr val="accent1"/>
+          </a:effectRef>
+          <a:fontRef idx="minor">
+            <a:schemeClr val="lt1"/>
+          </a:fontRef>
+        </p:style>
+        <p:txBody>
+          <a:bodyPr rtlCol="0" anchor="ctr"/>
+          <a:lstStyle/>
+          <a:p>
+            <a:pPr algn="ctr"/>
+            <a:endParaRPr lang="en-US" b="1"/>
+          </a:p>
+        </p:txBody>
+      </p:sp>
+      <p:sp>
+        <p:nvSpPr>
+          <p:cNvPr id="10" name="Rectangle 9">
+            <a:extLst>
+              <a:ext uri="{FF2B5EF4-FFF2-40B4-BE49-F238E27FC236}">
+                <a16:creationId xmlns:a16="http://schemas.microsoft.com/office/drawing/2014/main" id="{C0943F46-A6F5-D340-B6AA-64F0E804A7C0}"/>
+              </a:ext>
+            </a:extLst>
+          </p:cNvPr>
+          <p:cNvSpPr/>
+          <p:nvPr/>
+        </p:nvSpPr>
+        <p:spPr>
+          <a:xfrm>
+            <a:off x="8754479" y="2514541"/>
+            <a:ext cx="1843184" cy="726831"/>
+          </a:xfrm>
+          <a:prstGeom prst="rect">
+            <a:avLst/>
+          </a:prstGeom>
+          <a:noFill/>
+          <a:ln>
+            <a:solidFill>
+              <a:schemeClr val="tx1"/>
+            </a:solidFill>
+          </a:ln>
+        </p:spPr>
+        <p:style>
+          <a:lnRef idx="2">
+            <a:schemeClr val="accent1">
+              <a:shade val="50000"/>
+            </a:schemeClr>
+          </a:lnRef>
+          <a:fillRef idx="1">
+            <a:schemeClr val="accent1"/>
+          </a:fillRef>
+          <a:effectRef idx="0">
+            <a:schemeClr val="accent1"/>
+          </a:effectRef>
+          <a:fontRef idx="minor">
+            <a:schemeClr val="lt1"/>
+          </a:fontRef>
+        </p:style>
+        <p:txBody>
+          <a:bodyPr rtlCol="0" anchor="ctr"/>
+          <a:lstStyle/>
+          <a:p>
+            <a:pPr algn="ctr"/>
+            <a:endParaRPr lang="en-US" b="1"/>
+          </a:p>
+        </p:txBody>
+      </p:sp>
+      <p:sp>
+        <p:nvSpPr>
+          <p:cNvPr id="18" name="TextBox 17">
+            <a:extLst>
+              <a:ext uri="{FF2B5EF4-FFF2-40B4-BE49-F238E27FC236}">
+                <a16:creationId xmlns:a16="http://schemas.microsoft.com/office/drawing/2014/main" id="{F3FC6C5F-B3D6-9B4F-B245-F141B7835097}"/>
+              </a:ext>
+            </a:extLst>
+          </p:cNvPr>
+          <p:cNvSpPr txBox="1"/>
+          <p:nvPr/>
+        </p:nvSpPr>
+        <p:spPr>
+          <a:xfrm>
+            <a:off x="2514687" y="2041266"/>
+            <a:ext cx="495649" cy="461665"/>
+          </a:xfrm>
+          <a:prstGeom prst="rect">
+            <a:avLst/>
+          </a:prstGeom>
+          <a:noFill/>
+        </p:spPr>
+        <p:txBody>
+          <a:bodyPr wrap="none" rtlCol="0">
+            <a:spAutoFit/>
+          </a:bodyPr>
+          <a:lstStyle/>
+          <a:p>
+            <a:r>
+              <a:rPr lang="en-US" sz="2400" b="1" dirty="0"/>
+              <a:t>63</a:t>
+            </a:r>
+          </a:p>
+        </p:txBody>
+      </p:sp>
+      <p:sp>
+        <p:nvSpPr>
+          <p:cNvPr id="19" name="TextBox 18">
+            <a:extLst>
+              <a:ext uri="{FF2B5EF4-FFF2-40B4-BE49-F238E27FC236}">
+                <a16:creationId xmlns:a16="http://schemas.microsoft.com/office/drawing/2014/main" id="{8BADBCEC-4DD0-D84C-A09F-3D7BA54B0B83}"/>
+              </a:ext>
+            </a:extLst>
+          </p:cNvPr>
+          <p:cNvSpPr txBox="1"/>
+          <p:nvPr/>
+        </p:nvSpPr>
+        <p:spPr>
+          <a:xfrm>
+            <a:off x="6427304" y="2051491"/>
+            <a:ext cx="495649" cy="461665"/>
+          </a:xfrm>
+          <a:prstGeom prst="rect">
+            <a:avLst/>
+          </a:prstGeom>
+          <a:noFill/>
+        </p:spPr>
+        <p:txBody>
+          <a:bodyPr wrap="none" rtlCol="0">
+            <a:spAutoFit/>
+          </a:bodyPr>
+          <a:lstStyle/>
+          <a:p>
+            <a:r>
+              <a:rPr lang="en-US" sz="2400" b="1" dirty="0"/>
+              <a:t>31</a:t>
+            </a:r>
+          </a:p>
+        </p:txBody>
+      </p:sp>
+      <p:sp>
+        <p:nvSpPr>
+          <p:cNvPr id="20" name="TextBox 19">
+            <a:extLst>
+              <a:ext uri="{FF2B5EF4-FFF2-40B4-BE49-F238E27FC236}">
+                <a16:creationId xmlns:a16="http://schemas.microsoft.com/office/drawing/2014/main" id="{7F78748B-2DD1-B042-AA19-CB33B1C74125}"/>
+              </a:ext>
+            </a:extLst>
+          </p:cNvPr>
+          <p:cNvSpPr txBox="1"/>
+          <p:nvPr/>
+        </p:nvSpPr>
+        <p:spPr>
+          <a:xfrm>
+            <a:off x="8506654" y="2051491"/>
+            <a:ext cx="495649" cy="461665"/>
+          </a:xfrm>
+          <a:prstGeom prst="rect">
+            <a:avLst/>
+          </a:prstGeom>
+          <a:noFill/>
+        </p:spPr>
+        <p:txBody>
+          <a:bodyPr wrap="none" rtlCol="0">
+            <a:spAutoFit/>
+          </a:bodyPr>
+          <a:lstStyle/>
+          <a:p>
+            <a:r>
+              <a:rPr lang="en-US" sz="2400" b="1" dirty="0"/>
+              <a:t>15</a:t>
+            </a:r>
+          </a:p>
+        </p:txBody>
+      </p:sp>
+      <p:sp>
+        <p:nvSpPr>
+          <p:cNvPr id="21" name="TextBox 20">
+            <a:extLst>
+              <a:ext uri="{FF2B5EF4-FFF2-40B4-BE49-F238E27FC236}">
+                <a16:creationId xmlns:a16="http://schemas.microsoft.com/office/drawing/2014/main" id="{6CD84CE2-A21B-2845-9E69-D87FC6934298}"/>
+              </a:ext>
+            </a:extLst>
+          </p:cNvPr>
+          <p:cNvSpPr txBox="1"/>
+          <p:nvPr/>
+        </p:nvSpPr>
+        <p:spPr>
+          <a:xfrm>
+            <a:off x="10415925" y="2062533"/>
+            <a:ext cx="340158" cy="461665"/>
+          </a:xfrm>
+          <a:prstGeom prst="rect">
+            <a:avLst/>
+          </a:prstGeom>
+          <a:noFill/>
+        </p:spPr>
+        <p:txBody>
+          <a:bodyPr wrap="none" rtlCol="0">
+            <a:spAutoFit/>
+          </a:bodyPr>
+          <a:lstStyle/>
+          <a:p>
+            <a:r>
+              <a:rPr lang="en-US" sz="2400" b="1" dirty="0"/>
+              <a:t>0</a:t>
+            </a:r>
+          </a:p>
+        </p:txBody>
+      </p:sp>
+      <p:sp>
+        <p:nvSpPr>
+          <p:cNvPr id="22" name="Rectangle 21">
+            <a:extLst>
+              <a:ext uri="{FF2B5EF4-FFF2-40B4-BE49-F238E27FC236}">
+                <a16:creationId xmlns:a16="http://schemas.microsoft.com/office/drawing/2014/main" id="{FCB27534-7673-B743-AA89-4D7FA38AAFDB}"/>
+              </a:ext>
+            </a:extLst>
+          </p:cNvPr>
+          <p:cNvSpPr/>
+          <p:nvPr/>
+        </p:nvSpPr>
+        <p:spPr>
+          <a:xfrm>
+            <a:off x="2719755" y="3795258"/>
+            <a:ext cx="3938954" cy="726831"/>
+          </a:xfrm>
+          <a:prstGeom prst="rect">
+            <a:avLst/>
+          </a:prstGeom>
+          <a:noFill/>
+          <a:ln>
+            <a:solidFill>
+              <a:schemeClr val="tx1"/>
+            </a:solidFill>
+          </a:ln>
+        </p:spPr>
+        <p:style>
+          <a:lnRef idx="2">
+            <a:schemeClr val="accent1">
+              <a:shade val="50000"/>
+            </a:schemeClr>
+          </a:lnRef>
+          <a:fillRef idx="1">
+            <a:schemeClr val="accent1"/>
+          </a:fillRef>
+          <a:effectRef idx="0">
+            <a:schemeClr val="accent1"/>
+          </a:effectRef>
+          <a:fontRef idx="minor">
+            <a:schemeClr val="lt1"/>
+          </a:fontRef>
+        </p:style>
+        <p:txBody>
+          <a:bodyPr rtlCol="0" anchor="ctr"/>
+          <a:lstStyle/>
+          <a:p>
+            <a:pPr algn="ctr"/>
+            <a:endParaRPr lang="en-US" b="1"/>
+          </a:p>
+        </p:txBody>
+      </p:sp>
+      <p:sp>
+        <p:nvSpPr>
+          <p:cNvPr id="23" name="TextBox 22">
+            <a:extLst>
+              <a:ext uri="{FF2B5EF4-FFF2-40B4-BE49-F238E27FC236}">
+                <a16:creationId xmlns:a16="http://schemas.microsoft.com/office/drawing/2014/main" id="{9415BDE8-5063-FD4C-B31D-17050C91D3DD}"/>
+              </a:ext>
+            </a:extLst>
+          </p:cNvPr>
+          <p:cNvSpPr txBox="1"/>
+          <p:nvPr/>
+        </p:nvSpPr>
+        <p:spPr>
+          <a:xfrm>
+            <a:off x="3510023" y="3927839"/>
+            <a:ext cx="2765501" cy="461665"/>
+          </a:xfrm>
+          <a:prstGeom prst="rect">
+            <a:avLst/>
+          </a:prstGeom>
+          <a:noFill/>
+        </p:spPr>
+        <p:txBody>
+          <a:bodyPr wrap="none" rtlCol="0">
+            <a:spAutoFit/>
+          </a:bodyPr>
+          <a:lstStyle/>
+          <a:p>
+            <a:r>
+              <a:rPr lang="en-US" sz="2400" b="1" dirty="0" err="1">
+                <a:latin typeface="Courier" pitchFamily="2" charset="0"/>
+              </a:rPr>
+              <a:t>Dst</a:t>
+            </a:r>
+            <a:r>
+              <a:rPr lang="en-US" sz="2400" b="1" dirty="0">
+                <a:latin typeface="Courier" pitchFamily="2" charset="0"/>
+              </a:rPr>
+              <a:t> IP Address</a:t>
+            </a:r>
+          </a:p>
+        </p:txBody>
+      </p:sp>
+      <p:sp>
+        <p:nvSpPr>
+          <p:cNvPr id="24" name="TextBox 23">
+            <a:extLst>
+              <a:ext uri="{FF2B5EF4-FFF2-40B4-BE49-F238E27FC236}">
+                <a16:creationId xmlns:a16="http://schemas.microsoft.com/office/drawing/2014/main" id="{18D9696C-B7A3-AD41-8823-D989A815C179}"/>
+              </a:ext>
+            </a:extLst>
+          </p:cNvPr>
+          <p:cNvSpPr txBox="1"/>
+          <p:nvPr/>
+        </p:nvSpPr>
+        <p:spPr>
+          <a:xfrm>
+            <a:off x="1008833" y="3639862"/>
+            <a:ext cx="1370888" cy="954107"/>
+          </a:xfrm>
+          <a:prstGeom prst="rect">
+            <a:avLst/>
+          </a:prstGeom>
+          <a:noFill/>
+        </p:spPr>
+        <p:txBody>
+          <a:bodyPr wrap="none" rtlCol="0">
+            <a:spAutoFit/>
+          </a:bodyPr>
+          <a:lstStyle/>
+          <a:p>
+            <a:pPr algn="ctr"/>
+            <a:r>
+              <a:rPr lang="en-US" sz="2800" b="1" dirty="0"/>
+              <a:t>TX App</a:t>
+            </a:r>
+          </a:p>
+          <a:p>
+            <a:pPr algn="ctr"/>
+            <a:r>
+              <a:rPr lang="en-US" sz="2800" b="1" dirty="0"/>
+              <a:t>Header:</a:t>
+            </a:r>
+          </a:p>
+        </p:txBody>
+      </p:sp>
+      <p:sp>
+        <p:nvSpPr>
+          <p:cNvPr id="25" name="TextBox 24">
+            <a:extLst>
+              <a:ext uri="{FF2B5EF4-FFF2-40B4-BE49-F238E27FC236}">
+                <a16:creationId xmlns:a16="http://schemas.microsoft.com/office/drawing/2014/main" id="{E25C713B-0364-1144-B299-9B61E6594FF9}"/>
+              </a:ext>
+            </a:extLst>
+          </p:cNvPr>
+          <p:cNvSpPr txBox="1"/>
+          <p:nvPr/>
+        </p:nvSpPr>
+        <p:spPr>
+          <a:xfrm>
+            <a:off x="6706199" y="3764051"/>
+            <a:ext cx="2028119" cy="830997"/>
+          </a:xfrm>
+          <a:prstGeom prst="rect">
+            <a:avLst/>
+          </a:prstGeom>
+          <a:noFill/>
+        </p:spPr>
+        <p:txBody>
+          <a:bodyPr wrap="none" rtlCol="0">
+            <a:spAutoFit/>
+          </a:bodyPr>
+          <a:lstStyle/>
+          <a:p>
+            <a:pPr algn="ctr"/>
+            <a:r>
+              <a:rPr lang="en-US" sz="2400" b="1" dirty="0" err="1">
+                <a:latin typeface="Courier" pitchFamily="2" charset="0"/>
+              </a:rPr>
+              <a:t>Dst</a:t>
+            </a:r>
+            <a:endParaRPr lang="en-US" sz="2400" b="1" dirty="0">
+              <a:latin typeface="Courier" pitchFamily="2" charset="0"/>
+            </a:endParaRPr>
+          </a:p>
+          <a:p>
+            <a:pPr algn="ctr"/>
+            <a:r>
+              <a:rPr lang="en-US" sz="2400" b="1" dirty="0">
+                <a:latin typeface="Courier" pitchFamily="2" charset="0"/>
+              </a:rPr>
+              <a:t>Context ID</a:t>
+            </a:r>
+          </a:p>
+        </p:txBody>
+      </p:sp>
+      <p:sp>
+        <p:nvSpPr>
+          <p:cNvPr id="26" name="TextBox 25">
+            <a:extLst>
+              <a:ext uri="{FF2B5EF4-FFF2-40B4-BE49-F238E27FC236}">
+                <a16:creationId xmlns:a16="http://schemas.microsoft.com/office/drawing/2014/main" id="{D8316D6E-8BFB-DC40-83A8-4A5BAFF1A334}"/>
+              </a:ext>
+            </a:extLst>
+          </p:cNvPr>
+          <p:cNvSpPr txBox="1"/>
+          <p:nvPr/>
+        </p:nvSpPr>
+        <p:spPr>
+          <a:xfrm>
+            <a:off x="9073467" y="3743172"/>
+            <a:ext cx="1290738" cy="830997"/>
+          </a:xfrm>
+          <a:prstGeom prst="rect">
+            <a:avLst/>
+          </a:prstGeom>
+          <a:noFill/>
+        </p:spPr>
+        <p:txBody>
+          <a:bodyPr wrap="none" rtlCol="0">
+            <a:spAutoFit/>
+          </a:bodyPr>
+          <a:lstStyle/>
+          <a:p>
+            <a:pPr algn="ctr"/>
+            <a:r>
+              <a:rPr lang="en-US" sz="2400" b="1" dirty="0" err="1">
+                <a:latin typeface="Courier" pitchFamily="2" charset="0"/>
+              </a:rPr>
+              <a:t>Msg</a:t>
+            </a:r>
+            <a:endParaRPr lang="en-US" sz="2400" b="1" dirty="0">
+              <a:latin typeface="Courier" pitchFamily="2" charset="0"/>
+            </a:endParaRPr>
+          </a:p>
+          <a:p>
+            <a:pPr algn="ctr"/>
+            <a:r>
+              <a:rPr lang="en-US" sz="2400" b="1" dirty="0">
+                <a:latin typeface="Courier" pitchFamily="2" charset="0"/>
+              </a:rPr>
+              <a:t>Length</a:t>
+            </a:r>
+          </a:p>
+        </p:txBody>
+      </p:sp>
+      <p:sp>
+        <p:nvSpPr>
+          <p:cNvPr id="27" name="Rectangle 26">
+            <a:extLst>
+              <a:ext uri="{FF2B5EF4-FFF2-40B4-BE49-F238E27FC236}">
+                <a16:creationId xmlns:a16="http://schemas.microsoft.com/office/drawing/2014/main" id="{D204D6EB-22FC-DE48-A186-71079132F836}"/>
+              </a:ext>
+            </a:extLst>
+          </p:cNvPr>
+          <p:cNvSpPr/>
+          <p:nvPr/>
+        </p:nvSpPr>
+        <p:spPr>
+          <a:xfrm>
+            <a:off x="6658709" y="3795257"/>
+            <a:ext cx="2095770" cy="726831"/>
+          </a:xfrm>
+          <a:prstGeom prst="rect">
+            <a:avLst/>
+          </a:prstGeom>
+          <a:noFill/>
+          <a:ln>
+            <a:solidFill>
+              <a:schemeClr val="tx1"/>
+            </a:solidFill>
+          </a:ln>
+        </p:spPr>
+        <p:style>
+          <a:lnRef idx="2">
+            <a:schemeClr val="accent1">
+              <a:shade val="50000"/>
+            </a:schemeClr>
+          </a:lnRef>
+          <a:fillRef idx="1">
+            <a:schemeClr val="accent1"/>
+          </a:fillRef>
+          <a:effectRef idx="0">
+            <a:schemeClr val="accent1"/>
+          </a:effectRef>
+          <a:fontRef idx="minor">
+            <a:schemeClr val="lt1"/>
+          </a:fontRef>
+        </p:style>
+        <p:txBody>
+          <a:bodyPr rtlCol="0" anchor="ctr"/>
+          <a:lstStyle/>
+          <a:p>
+            <a:pPr algn="ctr"/>
+            <a:endParaRPr lang="en-US" b="1"/>
+          </a:p>
+        </p:txBody>
+      </p:sp>
+      <p:sp>
+        <p:nvSpPr>
+          <p:cNvPr id="28" name="Rectangle 27">
+            <a:extLst>
+              <a:ext uri="{FF2B5EF4-FFF2-40B4-BE49-F238E27FC236}">
+                <a16:creationId xmlns:a16="http://schemas.microsoft.com/office/drawing/2014/main" id="{0021193A-44BF-6B4A-BF0B-00F100706A29}"/>
+              </a:ext>
+            </a:extLst>
+          </p:cNvPr>
+          <p:cNvSpPr/>
+          <p:nvPr/>
+        </p:nvSpPr>
+        <p:spPr>
+          <a:xfrm>
+            <a:off x="8754479" y="3801062"/>
+            <a:ext cx="1843184" cy="726831"/>
+          </a:xfrm>
+          <a:prstGeom prst="rect">
+            <a:avLst/>
+          </a:prstGeom>
+          <a:noFill/>
+          <a:ln>
+            <a:solidFill>
+              <a:schemeClr val="tx1"/>
+            </a:solidFill>
+          </a:ln>
+        </p:spPr>
+        <p:style>
+          <a:lnRef idx="2">
+            <a:schemeClr val="accent1">
+              <a:shade val="50000"/>
+            </a:schemeClr>
+          </a:lnRef>
+          <a:fillRef idx="1">
+            <a:schemeClr val="accent1"/>
+          </a:fillRef>
+          <a:effectRef idx="0">
+            <a:schemeClr val="accent1"/>
+          </a:effectRef>
+          <a:fontRef idx="minor">
+            <a:schemeClr val="lt1"/>
+          </a:fontRef>
+        </p:style>
+        <p:txBody>
+          <a:bodyPr rtlCol="0" anchor="ctr"/>
+          <a:lstStyle/>
+          <a:p>
+            <a:pPr algn="ctr"/>
+            <a:endParaRPr lang="en-US" b="1"/>
+          </a:p>
+        </p:txBody>
+      </p:sp>
+      <p:sp>
+        <p:nvSpPr>
+          <p:cNvPr id="29" name="TextBox 28">
+            <a:extLst>
+              <a:ext uri="{FF2B5EF4-FFF2-40B4-BE49-F238E27FC236}">
+                <a16:creationId xmlns:a16="http://schemas.microsoft.com/office/drawing/2014/main" id="{FC067DFD-E685-9948-9F9F-33BD0FAD81EB}"/>
+              </a:ext>
+            </a:extLst>
+          </p:cNvPr>
+          <p:cNvSpPr txBox="1"/>
+          <p:nvPr/>
+        </p:nvSpPr>
+        <p:spPr>
+          <a:xfrm>
+            <a:off x="2514686" y="3376941"/>
+            <a:ext cx="495649" cy="461665"/>
+          </a:xfrm>
+          <a:prstGeom prst="rect">
+            <a:avLst/>
+          </a:prstGeom>
+          <a:noFill/>
+        </p:spPr>
+        <p:txBody>
+          <a:bodyPr wrap="none" rtlCol="0">
+            <a:spAutoFit/>
+          </a:bodyPr>
+          <a:lstStyle/>
+          <a:p>
+            <a:r>
+              <a:rPr lang="en-US" sz="2400" b="1" dirty="0"/>
+              <a:t>63</a:t>
+            </a:r>
+          </a:p>
+        </p:txBody>
+      </p:sp>
+      <p:sp>
+        <p:nvSpPr>
+          <p:cNvPr id="30" name="TextBox 29">
+            <a:extLst>
+              <a:ext uri="{FF2B5EF4-FFF2-40B4-BE49-F238E27FC236}">
+                <a16:creationId xmlns:a16="http://schemas.microsoft.com/office/drawing/2014/main" id="{8D19D2AB-5891-F142-B722-ECF77181F735}"/>
+              </a:ext>
+            </a:extLst>
+          </p:cNvPr>
+          <p:cNvSpPr txBox="1"/>
+          <p:nvPr/>
+        </p:nvSpPr>
+        <p:spPr>
+          <a:xfrm>
+            <a:off x="6437365" y="3412314"/>
+            <a:ext cx="495649" cy="461665"/>
+          </a:xfrm>
+          <a:prstGeom prst="rect">
+            <a:avLst/>
+          </a:prstGeom>
+          <a:noFill/>
+        </p:spPr>
+        <p:txBody>
+          <a:bodyPr wrap="none" rtlCol="0">
+            <a:spAutoFit/>
+          </a:bodyPr>
+          <a:lstStyle/>
+          <a:p>
+            <a:r>
+              <a:rPr lang="en-US" sz="2400" b="1" dirty="0"/>
+              <a:t>31</a:t>
+            </a:r>
+          </a:p>
+        </p:txBody>
+      </p:sp>
+      <p:sp>
+        <p:nvSpPr>
+          <p:cNvPr id="31" name="TextBox 30">
+            <a:extLst>
+              <a:ext uri="{FF2B5EF4-FFF2-40B4-BE49-F238E27FC236}">
+                <a16:creationId xmlns:a16="http://schemas.microsoft.com/office/drawing/2014/main" id="{E593AEA6-013F-B24E-8CE3-0B0D4D1F1155}"/>
+              </a:ext>
+            </a:extLst>
+          </p:cNvPr>
+          <p:cNvSpPr txBox="1"/>
+          <p:nvPr/>
+        </p:nvSpPr>
+        <p:spPr>
+          <a:xfrm>
+            <a:off x="8507503" y="3383316"/>
+            <a:ext cx="495649" cy="461665"/>
+          </a:xfrm>
+          <a:prstGeom prst="rect">
+            <a:avLst/>
+          </a:prstGeom>
+          <a:noFill/>
+        </p:spPr>
+        <p:txBody>
+          <a:bodyPr wrap="none" rtlCol="0">
+            <a:spAutoFit/>
+          </a:bodyPr>
+          <a:lstStyle/>
+          <a:p>
+            <a:r>
+              <a:rPr lang="en-US" sz="2400" b="1" dirty="0"/>
+              <a:t>15</a:t>
+            </a:r>
+          </a:p>
+        </p:txBody>
+      </p:sp>
+      <p:sp>
+        <p:nvSpPr>
+          <p:cNvPr id="32" name="TextBox 31">
+            <a:extLst>
+              <a:ext uri="{FF2B5EF4-FFF2-40B4-BE49-F238E27FC236}">
+                <a16:creationId xmlns:a16="http://schemas.microsoft.com/office/drawing/2014/main" id="{EE9FA085-9F09-594E-9408-394719EE152F}"/>
+              </a:ext>
+            </a:extLst>
+          </p:cNvPr>
+          <p:cNvSpPr txBox="1"/>
+          <p:nvPr/>
+        </p:nvSpPr>
+        <p:spPr>
+          <a:xfrm>
+            <a:off x="10415925" y="3383315"/>
+            <a:ext cx="340158" cy="461665"/>
+          </a:xfrm>
+          <a:prstGeom prst="rect">
+            <a:avLst/>
+          </a:prstGeom>
+          <a:noFill/>
+        </p:spPr>
+        <p:txBody>
+          <a:bodyPr wrap="none" rtlCol="0">
+            <a:spAutoFit/>
+          </a:bodyPr>
+          <a:lstStyle/>
+          <a:p>
+            <a:r>
+              <a:rPr lang="en-US" sz="2400" b="1" dirty="0"/>
+              <a:t>0</a:t>
+            </a:r>
+          </a:p>
+        </p:txBody>
+      </p:sp>
+    </p:spTree>
+    <p:extLst>
+      <p:ext uri="{BB962C8B-B14F-4D97-AF65-F5344CB8AC3E}">
+        <p14:creationId xmlns:p14="http://schemas.microsoft.com/office/powerpoint/2010/main" val="3904765619"/>
       </p:ext>
     </p:extLst>
   </p:cSld>
